--- a/module_3_cloud_authentication.pptx
+++ b/module_3_cloud_authentication.pptx
@@ -5,7 +5,7 @@
     <p:sldMasterId id="2147483648" r:id="rId1"/>
   </p:sldMasterIdLst>
   <p:notesMasterIdLst>
-    <p:notesMasterId r:id="rId15"/>
+    <p:notesMasterId r:id="rId22"/>
   </p:notesMasterIdLst>
   <p:sldIdLst>
     <p:sldId id="256" r:id="rId2"/>
@@ -17,10 +17,17 @@
     <p:sldId id="262" r:id="rId8"/>
     <p:sldId id="263" r:id="rId9"/>
     <p:sldId id="264" r:id="rId10"/>
-    <p:sldId id="265" r:id="rId11"/>
-    <p:sldId id="266" r:id="rId12"/>
-    <p:sldId id="296" r:id="rId13"/>
-    <p:sldId id="332" r:id="rId14"/>
+    <p:sldId id="333" r:id="rId11"/>
+    <p:sldId id="265" r:id="rId12"/>
+    <p:sldId id="266" r:id="rId13"/>
+    <p:sldId id="296" r:id="rId14"/>
+    <p:sldId id="332" r:id="rId15"/>
+    <p:sldId id="334" r:id="rId16"/>
+    <p:sldId id="335" r:id="rId17"/>
+    <p:sldId id="336" r:id="rId18"/>
+    <p:sldId id="337" r:id="rId19"/>
+    <p:sldId id="338" r:id="rId20"/>
+    <p:sldId id="339" r:id="rId21"/>
   </p:sldIdLst>
   <p:sldSz cx="12192000" cy="6858000"/>
   <p:notesSz cx="6858000" cy="9144000"/>
@@ -212,7 +219,7 @@
           <a:p>
             <a:fld id="{DE3EB0E5-D7D4-491C-9D7F-9D3520E224FD}" type="datetimeFigureOut">
               <a:rPr lang="en-GB" smtClean="0"/>
-              <a:t>23/02/2025</a:t>
+              <a:t>24/05/2025</a:t>
             </a:fld>
             <a:endParaRPr lang="en-GB"/>
           </a:p>
@@ -524,7 +531,192 @@
           <a:bodyPr/>
           <a:lstStyle/>
           <a:p>
-            <a:endParaRPr lang="en-GB"/>
+            <a:pPr>
+              <a:buNone/>
+            </a:pPr>
+            <a:r>
+              <a:rPr lang="en-GB" b="1" dirty="0"/>
+              <a:t>Intro (Opening Remarks)</a:t>
+            </a:r>
+          </a:p>
+          <a:p>
+            <a:pPr>
+              <a:buNone/>
+            </a:pPr>
+            <a:r>
+              <a:rPr lang="en-GB" dirty="0"/>
+              <a:t>“When working with service principals in Terraform or automation workflows, we need a secure and reliable method to store and access those credentials. This slide breaks down the common storage approaches, comparing whether they persist, who they affect, and whether admin privileges are needed.”</a:t>
+            </a:r>
+          </a:p>
+          <a:p>
+            <a:pPr>
+              <a:buNone/>
+            </a:pPr>
+            <a:r>
+              <a:rPr lang="en-GB" b="1" dirty="0"/>
+              <a:t>Temporary Environment Variables</a:t>
+            </a:r>
+          </a:p>
+          <a:p>
+            <a:pPr>
+              <a:buNone/>
+            </a:pPr>
+            <a:r>
+              <a:rPr lang="en-GB" dirty="0"/>
+              <a:t>“These are set for the current terminal session only—think export in Linux or $env: in PowerShell. They’re ideal for quick testing but vanish when the terminal closes. Good for demos, but not for persistent automation.”</a:t>
+            </a:r>
+          </a:p>
+          <a:p>
+            <a:pPr>
+              <a:buNone/>
+            </a:pPr>
+            <a:r>
+              <a:rPr lang="en-GB" b="1" dirty="0"/>
+              <a:t>User-Level Environment Variables</a:t>
+            </a:r>
+          </a:p>
+          <a:p>
+            <a:pPr>
+              <a:buNone/>
+            </a:pPr>
+            <a:r>
+              <a:rPr lang="en-GB" dirty="0"/>
+              <a:t>“These persist across sessions but are scoped to the current user. They’re stored in the user profile—so safer than temporary ones but still exposed to any process running as that user.”</a:t>
+            </a:r>
+          </a:p>
+          <a:p>
+            <a:pPr>
+              <a:buNone/>
+            </a:pPr>
+            <a:r>
+              <a:rPr lang="en-GB" b="1" dirty="0"/>
+              <a:t>Machine-Level Environment Variables</a:t>
+            </a:r>
+          </a:p>
+          <a:p>
+            <a:pPr>
+              <a:buNone/>
+            </a:pPr>
+            <a:r>
+              <a:rPr lang="en-GB" dirty="0"/>
+              <a:t>“These apply system-wide and affect all users. Because they touch global settings, they require admin rights. Useful on build servers or agents shared by multiple users or services.”</a:t>
+            </a:r>
+          </a:p>
+          <a:p>
+            <a:pPr>
+              <a:buNone/>
+            </a:pPr>
+            <a:r>
+              <a:rPr lang="en-GB" b="1" dirty="0"/>
+              <a:t>PowerShell/Bash Scripts</a:t>
+            </a:r>
+          </a:p>
+          <a:p>
+            <a:pPr>
+              <a:buNone/>
+            </a:pPr>
+            <a:r>
+              <a:rPr lang="en-GB" dirty="0"/>
+              <a:t>“These store credentials in a script file, and you manually run or ‘source’ them. They don’t persist unless you explicitly export the variables. The downside is that credentials could be exposed in the script—so it’s a short-term or dev-only solution.”</a:t>
+            </a:r>
+          </a:p>
+          <a:p>
+            <a:pPr>
+              <a:buNone/>
+            </a:pPr>
+            <a:r>
+              <a:rPr lang="en-GB" b="1" dirty="0"/>
+              <a:t>.env File</a:t>
+            </a:r>
+          </a:p>
+          <a:p>
+            <a:pPr>
+              <a:buNone/>
+            </a:pPr>
+            <a:r>
+              <a:rPr lang="en-GB" dirty="0"/>
+              <a:t>“Similar idea, but credentials are saved in a flat file like .env. Tools like </a:t>
+            </a:r>
+            <a:r>
+              <a:rPr lang="en-GB" dirty="0" err="1"/>
+              <a:t>dotenv</a:t>
+            </a:r>
+            <a:r>
+              <a:rPr lang="en-GB" dirty="0"/>
+              <a:t> or custom scripts can load them. Easy to use—but unless encrypted or secured, it's not safe for production.”</a:t>
+            </a:r>
+          </a:p>
+          <a:p>
+            <a:pPr>
+              <a:buNone/>
+            </a:pPr>
+            <a:r>
+              <a:rPr lang="en-GB" b="1" dirty="0"/>
+              <a:t>Azure Key Vault</a:t>
+            </a:r>
+          </a:p>
+          <a:p>
+            <a:pPr>
+              <a:buNone/>
+            </a:pPr>
+            <a:r>
+              <a:rPr lang="en-GB" dirty="0"/>
+              <a:t>“Now we move into centralized cloud-managed options. Azure Key Vault securely stores credentials, supports role-based access, logging, and rotation. It’s a best practice for production environments.”</a:t>
+            </a:r>
+          </a:p>
+          <a:p>
+            <a:pPr>
+              <a:buNone/>
+            </a:pPr>
+            <a:r>
+              <a:rPr lang="en-GB" b="1" dirty="0"/>
+              <a:t>AWS Secrets Manager</a:t>
+            </a:r>
+          </a:p>
+          <a:p>
+            <a:pPr>
+              <a:buNone/>
+            </a:pPr>
+            <a:r>
+              <a:rPr lang="en-GB" dirty="0"/>
+              <a:t>“Same principle—AWS’s native secret management service. Encrypts secrets, supports versioning and fine-grained IAM controls. Centralized and script-friendly.”</a:t>
+            </a:r>
+          </a:p>
+          <a:p>
+            <a:pPr>
+              <a:buNone/>
+            </a:pPr>
+            <a:r>
+              <a:rPr lang="en-GB" b="1" dirty="0"/>
+              <a:t>GCP Secret Manager</a:t>
+            </a:r>
+          </a:p>
+          <a:p>
+            <a:pPr>
+              <a:buNone/>
+            </a:pPr>
+            <a:r>
+              <a:rPr lang="en-GB" dirty="0"/>
+              <a:t>“And finally, Google’s equivalent. Again, secure, auditable, and integrated into GCP IAM. Ideal for Terraform, pipelines, and automation in Google Cloud.”</a:t>
+            </a:r>
+          </a:p>
+          <a:p>
+            <a:pPr>
+              <a:buNone/>
+            </a:pPr>
+            <a:r>
+              <a:rPr lang="en-GB" b="1" dirty="0"/>
+              <a:t>Wrap-Up / Summary</a:t>
+            </a:r>
+          </a:p>
+          <a:p>
+            <a:r>
+              <a:rPr lang="en-GB" dirty="0"/>
+              <a:t>“As a rule of thumb—use local methods for dev and testing, and move to centralized secret managers for shared, secure environments. Avoid hardcoding, and always apply least privilege and rotation policies.”</a:t>
+            </a:r>
+          </a:p>
+          <a:p>
+            <a:endParaRPr lang="en-GB" dirty="0"/>
           </a:p>
         </p:txBody>
       </p:sp>
@@ -545,7 +737,7 @@
           <a:p>
             <a:fld id="{FD25F482-92A4-4B9E-B689-0B87F9843ED9}" type="slidenum">
               <a:rPr lang="en-GB" smtClean="0"/>
-              <a:t>11</a:t>
+              <a:t>10</a:t>
             </a:fld>
             <a:endParaRPr lang="en-GB"/>
           </a:p>
@@ -554,7 +746,7 @@
     </p:spTree>
     <p:extLst>
       <p:ext uri="{BB962C8B-B14F-4D97-AF65-F5344CB8AC3E}">
-        <p14:creationId xmlns:p14="http://schemas.microsoft.com/office/powerpoint/2010/main" val="68766234"/>
+        <p14:creationId xmlns:p14="http://schemas.microsoft.com/office/powerpoint/2010/main" val="1965237778"/>
       </p:ext>
     </p:extLst>
   </p:cSld>
@@ -629,7 +821,175 @@
           <a:p>
             <a:fld id="{FD25F482-92A4-4B9E-B689-0B87F9843ED9}" type="slidenum">
               <a:rPr lang="en-GB" smtClean="0"/>
+              <a:t>11</a:t>
+            </a:fld>
+            <a:endParaRPr lang="en-GB"/>
+          </a:p>
+        </p:txBody>
+      </p:sp>
+    </p:spTree>
+    <p:extLst>
+      <p:ext uri="{BB962C8B-B14F-4D97-AF65-F5344CB8AC3E}">
+        <p14:creationId xmlns:p14="http://schemas.microsoft.com/office/powerpoint/2010/main" val="3243735276"/>
+      </p:ext>
+    </p:extLst>
+  </p:cSld>
+  <p:clrMapOvr>
+    <a:masterClrMapping/>
+  </p:clrMapOvr>
+</p:notes>
+</file>
+
+<file path=ppt/notesSlides/notesSlide3.xml><?xml version="1.0" encoding="utf-8"?>
+<p:notes xmlns:a="http://schemas.openxmlformats.org/drawingml/2006/main" xmlns:r="http://schemas.openxmlformats.org/officeDocument/2006/relationships" xmlns:p="http://schemas.openxmlformats.org/presentationml/2006/main">
+  <p:cSld>
+    <p:spTree>
+      <p:nvGrpSpPr>
+        <p:cNvPr id="1" name=""/>
+        <p:cNvGrpSpPr/>
+        <p:nvPr/>
+      </p:nvGrpSpPr>
+      <p:grpSpPr>
+        <a:xfrm>
+          <a:off x="0" y="0"/>
+          <a:ext cx="0" cy="0"/>
+          <a:chOff x="0" y="0"/>
+          <a:chExt cx="0" cy="0"/>
+        </a:xfrm>
+      </p:grpSpPr>
+      <p:sp>
+        <p:nvSpPr>
+          <p:cNvPr id="2" name="Slide Image Placeholder 1"/>
+          <p:cNvSpPr>
+            <a:spLocks noGrp="1" noRot="1" noChangeAspect="1"/>
+          </p:cNvSpPr>
+          <p:nvPr>
+            <p:ph type="sldImg"/>
+          </p:nvPr>
+        </p:nvSpPr>
+        <p:spPr/>
+      </p:sp>
+      <p:sp>
+        <p:nvSpPr>
+          <p:cNvPr id="3" name="Notes Placeholder 2"/>
+          <p:cNvSpPr>
+            <a:spLocks noGrp="1"/>
+          </p:cNvSpPr>
+          <p:nvPr>
+            <p:ph type="body" idx="1"/>
+          </p:nvPr>
+        </p:nvSpPr>
+        <p:spPr/>
+        <p:txBody>
+          <a:bodyPr/>
+          <a:lstStyle/>
+          <a:p>
+            <a:endParaRPr lang="en-GB"/>
+          </a:p>
+        </p:txBody>
+      </p:sp>
+      <p:sp>
+        <p:nvSpPr>
+          <p:cNvPr id="4" name="Slide Number Placeholder 3"/>
+          <p:cNvSpPr>
+            <a:spLocks noGrp="1"/>
+          </p:cNvSpPr>
+          <p:nvPr>
+            <p:ph type="sldNum" sz="quarter" idx="5"/>
+          </p:nvPr>
+        </p:nvSpPr>
+        <p:spPr/>
+        <p:txBody>
+          <a:bodyPr/>
+          <a:lstStyle/>
+          <a:p>
+            <a:fld id="{FD25F482-92A4-4B9E-B689-0B87F9843ED9}" type="slidenum">
+              <a:rPr lang="en-GB" smtClean="0"/>
               <a:t>12</a:t>
+            </a:fld>
+            <a:endParaRPr lang="en-GB"/>
+          </a:p>
+        </p:txBody>
+      </p:sp>
+    </p:spTree>
+    <p:extLst>
+      <p:ext uri="{BB962C8B-B14F-4D97-AF65-F5344CB8AC3E}">
+        <p14:creationId xmlns:p14="http://schemas.microsoft.com/office/powerpoint/2010/main" val="68766234"/>
+      </p:ext>
+    </p:extLst>
+  </p:cSld>
+  <p:clrMapOvr>
+    <a:masterClrMapping/>
+  </p:clrMapOvr>
+</p:notes>
+</file>
+
+<file path=ppt/notesSlides/notesSlide4.xml><?xml version="1.0" encoding="utf-8"?>
+<p:notes xmlns:a="http://schemas.openxmlformats.org/drawingml/2006/main" xmlns:r="http://schemas.openxmlformats.org/officeDocument/2006/relationships" xmlns:p="http://schemas.openxmlformats.org/presentationml/2006/main">
+  <p:cSld>
+    <p:spTree>
+      <p:nvGrpSpPr>
+        <p:cNvPr id="1" name=""/>
+        <p:cNvGrpSpPr/>
+        <p:nvPr/>
+      </p:nvGrpSpPr>
+      <p:grpSpPr>
+        <a:xfrm>
+          <a:off x="0" y="0"/>
+          <a:ext cx="0" cy="0"/>
+          <a:chOff x="0" y="0"/>
+          <a:chExt cx="0" cy="0"/>
+        </a:xfrm>
+      </p:grpSpPr>
+      <p:sp>
+        <p:nvSpPr>
+          <p:cNvPr id="2" name="Slide Image Placeholder 1"/>
+          <p:cNvSpPr>
+            <a:spLocks noGrp="1" noRot="1" noChangeAspect="1"/>
+          </p:cNvSpPr>
+          <p:nvPr>
+            <p:ph type="sldImg"/>
+          </p:nvPr>
+        </p:nvSpPr>
+        <p:spPr/>
+      </p:sp>
+      <p:sp>
+        <p:nvSpPr>
+          <p:cNvPr id="3" name="Notes Placeholder 2"/>
+          <p:cNvSpPr>
+            <a:spLocks noGrp="1"/>
+          </p:cNvSpPr>
+          <p:nvPr>
+            <p:ph type="body" idx="1"/>
+          </p:nvPr>
+        </p:nvSpPr>
+        <p:spPr/>
+        <p:txBody>
+          <a:bodyPr/>
+          <a:lstStyle/>
+          <a:p>
+            <a:endParaRPr lang="en-GB"/>
+          </a:p>
+        </p:txBody>
+      </p:sp>
+      <p:sp>
+        <p:nvSpPr>
+          <p:cNvPr id="4" name="Slide Number Placeholder 3"/>
+          <p:cNvSpPr>
+            <a:spLocks noGrp="1"/>
+          </p:cNvSpPr>
+          <p:nvPr>
+            <p:ph type="sldNum" sz="quarter" idx="5"/>
+          </p:nvPr>
+        </p:nvSpPr>
+        <p:spPr/>
+        <p:txBody>
+          <a:bodyPr/>
+          <a:lstStyle/>
+          <a:p>
+            <a:fld id="{FD25F482-92A4-4B9E-B689-0B87F9843ED9}" type="slidenum">
+              <a:rPr lang="en-GB" smtClean="0"/>
+              <a:t>13</a:t>
             </a:fld>
             <a:endParaRPr lang="en-GB"/>
           </a:p>
@@ -648,7 +1008,7 @@
 </p:notes>
 </file>
 
-<file path=ppt/notesSlides/notesSlide3.xml><?xml version="1.0" encoding="utf-8"?>
+<file path=ppt/notesSlides/notesSlide5.xml><?xml version="1.0" encoding="utf-8"?>
 <p:notes xmlns:a="http://schemas.openxmlformats.org/drawingml/2006/main" xmlns:r="http://schemas.openxmlformats.org/officeDocument/2006/relationships" xmlns:p="http://schemas.openxmlformats.org/presentationml/2006/main">
   <p:cSld>
     <p:spTree>
@@ -737,7 +1097,7 @@
           <a:p>
             <a:fld id="{FD25F482-92A4-4B9E-B689-0B87F9843ED9}" type="slidenum">
               <a:rPr lang="en-GB" smtClean="0"/>
-              <a:t>13</a:t>
+              <a:t>14</a:t>
             </a:fld>
             <a:endParaRPr lang="en-GB"/>
           </a:p>
@@ -747,6 +1107,282 @@
     <p:extLst>
       <p:ext uri="{BB962C8B-B14F-4D97-AF65-F5344CB8AC3E}">
         <p14:creationId xmlns:p14="http://schemas.microsoft.com/office/powerpoint/2010/main" val="3800049276"/>
+      </p:ext>
+    </p:extLst>
+  </p:cSld>
+  <p:clrMapOvr>
+    <a:masterClrMapping/>
+  </p:clrMapOvr>
+</p:notes>
+</file>
+
+<file path=ppt/notesSlides/notesSlide6.xml><?xml version="1.0" encoding="utf-8"?>
+<p:notes xmlns:a="http://schemas.openxmlformats.org/drawingml/2006/main" xmlns:r="http://schemas.openxmlformats.org/officeDocument/2006/relationships" xmlns:p="http://schemas.openxmlformats.org/presentationml/2006/main">
+  <p:cSld>
+    <p:spTree>
+      <p:nvGrpSpPr>
+        <p:cNvPr id="1" name=""/>
+        <p:cNvGrpSpPr/>
+        <p:nvPr/>
+      </p:nvGrpSpPr>
+      <p:grpSpPr>
+        <a:xfrm>
+          <a:off x="0" y="0"/>
+          <a:ext cx="0" cy="0"/>
+          <a:chOff x="0" y="0"/>
+          <a:chExt cx="0" cy="0"/>
+        </a:xfrm>
+      </p:grpSpPr>
+      <p:sp>
+        <p:nvSpPr>
+          <p:cNvPr id="2" name="Slide Image Placeholder 1"/>
+          <p:cNvSpPr>
+            <a:spLocks noGrp="1" noRot="1" noChangeAspect="1"/>
+          </p:cNvSpPr>
+          <p:nvPr>
+            <p:ph type="sldImg"/>
+          </p:nvPr>
+        </p:nvSpPr>
+        <p:spPr/>
+      </p:sp>
+      <p:sp>
+        <p:nvSpPr>
+          <p:cNvPr id="3" name="Notes Placeholder 2"/>
+          <p:cNvSpPr>
+            <a:spLocks noGrp="1"/>
+          </p:cNvSpPr>
+          <p:nvPr>
+            <p:ph type="body" idx="1"/>
+          </p:nvPr>
+        </p:nvSpPr>
+        <p:spPr/>
+        <p:txBody>
+          <a:bodyPr/>
+          <a:lstStyle/>
+          <a:p>
+            <a:endParaRPr lang="en-GB" dirty="0"/>
+          </a:p>
+        </p:txBody>
+      </p:sp>
+      <p:sp>
+        <p:nvSpPr>
+          <p:cNvPr id="4" name="Slide Number Placeholder 3"/>
+          <p:cNvSpPr>
+            <a:spLocks noGrp="1"/>
+          </p:cNvSpPr>
+          <p:nvPr>
+            <p:ph type="sldNum" sz="quarter" idx="5"/>
+          </p:nvPr>
+        </p:nvSpPr>
+        <p:spPr/>
+        <p:txBody>
+          <a:bodyPr/>
+          <a:lstStyle/>
+          <a:p>
+            <a:fld id="{FD25F482-92A4-4B9E-B689-0B87F9843ED9}" type="slidenum">
+              <a:rPr lang="en-GB" smtClean="0"/>
+              <a:t>18</a:t>
+            </a:fld>
+            <a:endParaRPr lang="en-GB"/>
+          </a:p>
+        </p:txBody>
+      </p:sp>
+    </p:spTree>
+    <p:extLst>
+      <p:ext uri="{BB962C8B-B14F-4D97-AF65-F5344CB8AC3E}">
+        <p14:creationId xmlns:p14="http://schemas.microsoft.com/office/powerpoint/2010/main" val="4249284061"/>
+      </p:ext>
+    </p:extLst>
+  </p:cSld>
+  <p:clrMapOvr>
+    <a:masterClrMapping/>
+  </p:clrMapOvr>
+</p:notes>
+</file>
+
+<file path=ppt/notesSlides/notesSlide7.xml><?xml version="1.0" encoding="utf-8"?>
+<p:notes xmlns:a="http://schemas.openxmlformats.org/drawingml/2006/main" xmlns:r="http://schemas.openxmlformats.org/officeDocument/2006/relationships" xmlns:p="http://schemas.openxmlformats.org/presentationml/2006/main">
+  <p:cSld>
+    <p:spTree>
+      <p:nvGrpSpPr>
+        <p:cNvPr id="1" name=""/>
+        <p:cNvGrpSpPr/>
+        <p:nvPr/>
+      </p:nvGrpSpPr>
+      <p:grpSpPr>
+        <a:xfrm>
+          <a:off x="0" y="0"/>
+          <a:ext cx="0" cy="0"/>
+          <a:chOff x="0" y="0"/>
+          <a:chExt cx="0" cy="0"/>
+        </a:xfrm>
+      </p:grpSpPr>
+      <p:sp>
+        <p:nvSpPr>
+          <p:cNvPr id="2" name="Slide Image Placeholder 1"/>
+          <p:cNvSpPr>
+            <a:spLocks noGrp="1" noRot="1" noChangeAspect="1"/>
+          </p:cNvSpPr>
+          <p:nvPr>
+            <p:ph type="sldImg"/>
+          </p:nvPr>
+        </p:nvSpPr>
+        <p:spPr/>
+      </p:sp>
+      <p:sp>
+        <p:nvSpPr>
+          <p:cNvPr id="3" name="Notes Placeholder 2"/>
+          <p:cNvSpPr>
+            <a:spLocks noGrp="1"/>
+          </p:cNvSpPr>
+          <p:nvPr>
+            <p:ph type="body" idx="1"/>
+          </p:nvPr>
+        </p:nvSpPr>
+        <p:spPr/>
+        <p:txBody>
+          <a:bodyPr/>
+          <a:lstStyle/>
+          <a:p>
+            <a:endParaRPr lang="en-GB" dirty="0"/>
+          </a:p>
+        </p:txBody>
+      </p:sp>
+      <p:sp>
+        <p:nvSpPr>
+          <p:cNvPr id="4" name="Slide Number Placeholder 3"/>
+          <p:cNvSpPr>
+            <a:spLocks noGrp="1"/>
+          </p:cNvSpPr>
+          <p:nvPr>
+            <p:ph type="sldNum" sz="quarter" idx="5"/>
+          </p:nvPr>
+        </p:nvSpPr>
+        <p:spPr/>
+        <p:txBody>
+          <a:bodyPr/>
+          <a:lstStyle/>
+          <a:p>
+            <a:fld id="{FD25F482-92A4-4B9E-B689-0B87F9843ED9}" type="slidenum">
+              <a:rPr lang="en-GB" smtClean="0"/>
+              <a:t>19</a:t>
+            </a:fld>
+            <a:endParaRPr lang="en-GB"/>
+          </a:p>
+        </p:txBody>
+      </p:sp>
+    </p:spTree>
+    <p:extLst>
+      <p:ext uri="{BB962C8B-B14F-4D97-AF65-F5344CB8AC3E}">
+        <p14:creationId xmlns:p14="http://schemas.microsoft.com/office/powerpoint/2010/main" val="2981403468"/>
+      </p:ext>
+    </p:extLst>
+  </p:cSld>
+  <p:clrMapOvr>
+    <a:masterClrMapping/>
+  </p:clrMapOvr>
+</p:notes>
+</file>
+
+<file path=ppt/notesSlides/notesSlide8.xml><?xml version="1.0" encoding="utf-8"?>
+<p:notes xmlns:a="http://schemas.openxmlformats.org/drawingml/2006/main" xmlns:r="http://schemas.openxmlformats.org/officeDocument/2006/relationships" xmlns:p="http://schemas.openxmlformats.org/presentationml/2006/main">
+  <p:cSld>
+    <p:spTree>
+      <p:nvGrpSpPr>
+        <p:cNvPr id="1" name="">
+          <a:extLst>
+            <a:ext uri="{FF2B5EF4-FFF2-40B4-BE49-F238E27FC236}">
+              <a16:creationId xmlns:a16="http://schemas.microsoft.com/office/drawing/2014/main" id="{0F5B9F10-DEDB-59C8-2546-8130ACB8FC34}"/>
+            </a:ext>
+          </a:extLst>
+        </p:cNvPr>
+        <p:cNvGrpSpPr/>
+        <p:nvPr/>
+      </p:nvGrpSpPr>
+      <p:grpSpPr>
+        <a:xfrm>
+          <a:off x="0" y="0"/>
+          <a:ext cx="0" cy="0"/>
+          <a:chOff x="0" y="0"/>
+          <a:chExt cx="0" cy="0"/>
+        </a:xfrm>
+      </p:grpSpPr>
+      <p:sp>
+        <p:nvSpPr>
+          <p:cNvPr id="2" name="Slide Image Placeholder 1">
+            <a:extLst>
+              <a:ext uri="{FF2B5EF4-FFF2-40B4-BE49-F238E27FC236}">
+                <a16:creationId xmlns:a16="http://schemas.microsoft.com/office/drawing/2014/main" id="{CB04A900-C6A8-70BD-99B9-28A369387811}"/>
+              </a:ext>
+            </a:extLst>
+          </p:cNvPr>
+          <p:cNvSpPr>
+            <a:spLocks noGrp="1" noRot="1" noChangeAspect="1"/>
+          </p:cNvSpPr>
+          <p:nvPr>
+            <p:ph type="sldImg"/>
+          </p:nvPr>
+        </p:nvSpPr>
+        <p:spPr/>
+      </p:sp>
+      <p:sp>
+        <p:nvSpPr>
+          <p:cNvPr id="3" name="Notes Placeholder 2">
+            <a:extLst>
+              <a:ext uri="{FF2B5EF4-FFF2-40B4-BE49-F238E27FC236}">
+                <a16:creationId xmlns:a16="http://schemas.microsoft.com/office/drawing/2014/main" id="{13D32284-B531-C9D8-8EB0-857BCCB89753}"/>
+              </a:ext>
+            </a:extLst>
+          </p:cNvPr>
+          <p:cNvSpPr>
+            <a:spLocks noGrp="1"/>
+          </p:cNvSpPr>
+          <p:nvPr>
+            <p:ph type="body" idx="1"/>
+          </p:nvPr>
+        </p:nvSpPr>
+        <p:spPr/>
+        <p:txBody>
+          <a:bodyPr/>
+          <a:lstStyle/>
+          <a:p>
+            <a:endParaRPr lang="en-GB" dirty="0"/>
+          </a:p>
+        </p:txBody>
+      </p:sp>
+      <p:sp>
+        <p:nvSpPr>
+          <p:cNvPr id="4" name="Slide Number Placeholder 3">
+            <a:extLst>
+              <a:ext uri="{FF2B5EF4-FFF2-40B4-BE49-F238E27FC236}">
+                <a16:creationId xmlns:a16="http://schemas.microsoft.com/office/drawing/2014/main" id="{B19D2830-B0FD-4D8F-587C-79DB284FD3AA}"/>
+              </a:ext>
+            </a:extLst>
+          </p:cNvPr>
+          <p:cNvSpPr>
+            <a:spLocks noGrp="1"/>
+          </p:cNvSpPr>
+          <p:nvPr>
+            <p:ph type="sldNum" sz="quarter" idx="5"/>
+          </p:nvPr>
+        </p:nvSpPr>
+        <p:spPr/>
+        <p:txBody>
+          <a:bodyPr/>
+          <a:lstStyle/>
+          <a:p>
+            <a:fld id="{FD25F482-92A4-4B9E-B689-0B87F9843ED9}" type="slidenum">
+              <a:rPr lang="en-GB" smtClean="0"/>
+              <a:t>20</a:t>
+            </a:fld>
+            <a:endParaRPr lang="en-GB"/>
+          </a:p>
+        </p:txBody>
+      </p:sp>
+    </p:spTree>
+    <p:extLst>
+      <p:ext uri="{BB962C8B-B14F-4D97-AF65-F5344CB8AC3E}">
+        <p14:creationId xmlns:p14="http://schemas.microsoft.com/office/powerpoint/2010/main" val="3285569262"/>
       </p:ext>
     </p:extLst>
   </p:cSld>
@@ -1010,7 +1646,7 @@
           <a:p>
             <a:fld id="{8DB94708-012F-4359-A84B-185C9FDFA390}" type="datetimeFigureOut">
               <a:rPr lang="en-GB" smtClean="0"/>
-              <a:t>23/02/2025</a:t>
+              <a:t>24/05/2025</a:t>
             </a:fld>
             <a:endParaRPr lang="en-GB"/>
           </a:p>
@@ -1299,7 +1935,7 @@
           <a:p>
             <a:fld id="{8DB94708-012F-4359-A84B-185C9FDFA390}" type="datetimeFigureOut">
               <a:rPr lang="en-GB" smtClean="0"/>
-              <a:t>23/02/2025</a:t>
+              <a:t>24/05/2025</a:t>
             </a:fld>
             <a:endParaRPr lang="en-GB"/>
           </a:p>
@@ -1499,7 +2135,7 @@
           <a:p>
             <a:fld id="{8DB94708-012F-4359-A84B-185C9FDFA390}" type="datetimeFigureOut">
               <a:rPr lang="en-GB" smtClean="0"/>
-              <a:t>23/02/2025</a:t>
+              <a:t>24/05/2025</a:t>
             </a:fld>
             <a:endParaRPr lang="en-GB"/>
           </a:p>
@@ -1709,7 +2345,7 @@
           <a:p>
             <a:fld id="{8DB94708-012F-4359-A84B-185C9FDFA390}" type="datetimeFigureOut">
               <a:rPr lang="en-GB" smtClean="0"/>
-              <a:t>23/02/2025</a:t>
+              <a:t>24/05/2025</a:t>
             </a:fld>
             <a:endParaRPr lang="en-GB"/>
           </a:p>
@@ -2029,7 +2665,7 @@
           <a:p>
             <a:fld id="{8DB94708-012F-4359-A84B-185C9FDFA390}" type="datetimeFigureOut">
               <a:rPr lang="en-GB" smtClean="0"/>
-              <a:t>23/02/2025</a:t>
+              <a:t>24/05/2025</a:t>
             </a:fld>
             <a:endParaRPr lang="en-GB"/>
           </a:p>
@@ -2305,7 +2941,7 @@
           <a:p>
             <a:fld id="{8DB94708-012F-4359-A84B-185C9FDFA390}" type="datetimeFigureOut">
               <a:rPr lang="en-GB" smtClean="0"/>
-              <a:t>23/02/2025</a:t>
+              <a:t>24/05/2025</a:t>
             </a:fld>
             <a:endParaRPr lang="en-GB"/>
           </a:p>
@@ -2573,7 +3209,7 @@
           <a:p>
             <a:fld id="{8DB94708-012F-4359-A84B-185C9FDFA390}" type="datetimeFigureOut">
               <a:rPr lang="en-GB" smtClean="0"/>
-              <a:t>23/02/2025</a:t>
+              <a:t>24/05/2025</a:t>
             </a:fld>
             <a:endParaRPr lang="en-GB"/>
           </a:p>
@@ -2778,7 +3414,7 @@
           <a:p>
             <a:fld id="{8DB94708-012F-4359-A84B-185C9FDFA390}" type="datetimeFigureOut">
               <a:rPr lang="en-GB" smtClean="0"/>
-              <a:t>23/02/2025</a:t>
+              <a:t>24/05/2025</a:t>
             </a:fld>
             <a:endParaRPr lang="en-GB"/>
           </a:p>
@@ -3245,7 +3881,7 @@
           <a:p>
             <a:fld id="{8DB94708-012F-4359-A84B-185C9FDFA390}" type="datetimeFigureOut">
               <a:rPr lang="en-GB" smtClean="0"/>
-              <a:t>23/02/2025</a:t>
+              <a:t>24/05/2025</a:t>
             </a:fld>
             <a:endParaRPr lang="en-GB"/>
           </a:p>
@@ -3387,7 +4023,7 @@
           <a:p>
             <a:fld id="{8DB94708-012F-4359-A84B-185C9FDFA390}" type="datetimeFigureOut">
               <a:rPr lang="en-GB" smtClean="0"/>
-              <a:t>23/02/2025</a:t>
+              <a:t>24/05/2025</a:t>
             </a:fld>
             <a:endParaRPr lang="en-GB"/>
           </a:p>
@@ -3554,7 +4190,7 @@
           <a:p>
             <a:fld id="{8DB94708-012F-4359-A84B-185C9FDFA390}" type="datetimeFigureOut">
               <a:rPr lang="en-GB" smtClean="0"/>
-              <a:t>23/02/2025</a:t>
+              <a:t>24/05/2025</a:t>
             </a:fld>
             <a:endParaRPr lang="en-GB"/>
           </a:p>
@@ -3921,7 +4557,7 @@
           <a:p>
             <a:fld id="{8DB94708-012F-4359-A84B-185C9FDFA390}" type="datetimeFigureOut">
               <a:rPr lang="en-GB" smtClean="0"/>
-              <a:t>23/02/2025</a:t>
+              <a:t>24/05/2025</a:t>
             </a:fld>
             <a:endParaRPr lang="en-GB"/>
           </a:p>
@@ -4164,7 +4800,7 @@
           <a:p>
             <a:fld id="{8DB94708-012F-4359-A84B-185C9FDFA390}" type="datetimeFigureOut">
               <a:rPr lang="en-GB" smtClean="0"/>
-              <a:t>23/02/2025</a:t>
+              <a:t>24/05/2025</a:t>
             </a:fld>
             <a:endParaRPr lang="en-GB"/>
           </a:p>
@@ -5010,6 +5646,2862 @@
       </p:grpSpPr>
       <p:sp>
         <p:nvSpPr>
+          <p:cNvPr id="2" name="Title 1">
+            <a:extLst>
+              <a:ext uri="{FF2B5EF4-FFF2-40B4-BE49-F238E27FC236}">
+                <a16:creationId xmlns:a16="http://schemas.microsoft.com/office/drawing/2014/main" id="{13705710-981B-3978-E0CC-771B9913341A}"/>
+              </a:ext>
+            </a:extLst>
+          </p:cNvPr>
+          <p:cNvSpPr>
+            <a:spLocks noGrp="1"/>
+          </p:cNvSpPr>
+          <p:nvPr>
+            <p:ph type="title"/>
+          </p:nvPr>
+        </p:nvSpPr>
+        <p:spPr>
+          <a:xfrm>
+            <a:off x="753139" y="513981"/>
+            <a:ext cx="10515600" cy="1325563"/>
+          </a:xfrm>
+        </p:spPr>
+        <p:txBody>
+          <a:bodyPr/>
+          <a:lstStyle/>
+          <a:p>
+            <a:r>
+              <a:rPr lang="en-GB" dirty="0"/>
+              <a:t>Storage Methods for Service Principal (SP) Credentials</a:t>
+            </a:r>
+          </a:p>
+        </p:txBody>
+      </p:sp>
+      <p:graphicFrame>
+        <p:nvGraphicFramePr>
+          <p:cNvPr id="4" name="Table 3">
+            <a:extLst>
+              <a:ext uri="{FF2B5EF4-FFF2-40B4-BE49-F238E27FC236}">
+                <a16:creationId xmlns:a16="http://schemas.microsoft.com/office/drawing/2014/main" id="{D71D43A0-3049-72C0-6D1B-64A9234EF0E9}"/>
+              </a:ext>
+            </a:extLst>
+          </p:cNvPr>
+          <p:cNvGraphicFramePr>
+            <a:graphicFrameLocks noGrp="1"/>
+          </p:cNvGraphicFramePr>
+          <p:nvPr>
+            <p:extLst>
+              <p:ext uri="{D42A27DB-BD31-4B8C-83A1-F6EECF244321}">
+                <p14:modId xmlns:p14="http://schemas.microsoft.com/office/powerpoint/2010/main" val="213859301"/>
+              </p:ext>
+            </p:extLst>
+          </p:nvPr>
+        </p:nvGraphicFramePr>
+        <p:xfrm>
+          <a:off x="838200" y="2007180"/>
+          <a:ext cx="10515600" cy="3543012"/>
+        </p:xfrm>
+        <a:graphic>
+          <a:graphicData uri="http://schemas.openxmlformats.org/drawingml/2006/table">
+            <a:tbl>
+              <a:tblPr firstRow="1" firstCol="1" bandRow="1"/>
+              <a:tblGrid>
+                <a:gridCol w="4057207">
+                  <a:extLst>
+                    <a:ext uri="{9D8B030D-6E8A-4147-A177-3AD203B41FA5}">
+                      <a16:colId xmlns:a16="http://schemas.microsoft.com/office/drawing/2014/main" val="2751976911"/>
+                    </a:ext>
+                  </a:extLst>
+                </a:gridCol>
+                <a:gridCol w="1272291">
+                  <a:extLst>
+                    <a:ext uri="{9D8B030D-6E8A-4147-A177-3AD203B41FA5}">
+                      <a16:colId xmlns:a16="http://schemas.microsoft.com/office/drawing/2014/main" val="1355523939"/>
+                    </a:ext>
+                  </a:extLst>
+                </a:gridCol>
+                <a:gridCol w="3166513">
+                  <a:extLst>
+                    <a:ext uri="{9D8B030D-6E8A-4147-A177-3AD203B41FA5}">
+                      <a16:colId xmlns:a16="http://schemas.microsoft.com/office/drawing/2014/main" val="2360199856"/>
+                    </a:ext>
+                  </a:extLst>
+                </a:gridCol>
+                <a:gridCol w="2019589">
+                  <a:extLst>
+                    <a:ext uri="{9D8B030D-6E8A-4147-A177-3AD203B41FA5}">
+                      <a16:colId xmlns:a16="http://schemas.microsoft.com/office/drawing/2014/main" val="4093661346"/>
+                    </a:ext>
+                  </a:extLst>
+                </a:gridCol>
+              </a:tblGrid>
+              <a:tr h="396793">
+                <a:tc>
+                  <a:txBody>
+                    <a:bodyPr/>
+                    <a:lstStyle/>
+                    <a:p>
+                      <a:pPr>
+                        <a:lnSpc>
+                          <a:spcPct val="115000"/>
+                        </a:lnSpc>
+                        <a:spcAft>
+                          <a:spcPts val="800"/>
+                        </a:spcAft>
+                        <a:buNone/>
+                      </a:pPr>
+                      <a:r>
+                        <a:rPr lang="en-GB" sz="1600" b="1" kern="100">
+                          <a:solidFill>
+                            <a:srgbClr val="000000"/>
+                          </a:solidFill>
+                          <a:effectLst/>
+                          <a:latin typeface="Aptos" panose="020B0004020202020204" pitchFamily="34" charset="0"/>
+                          <a:ea typeface="Aptos" panose="020B0004020202020204" pitchFamily="34" charset="0"/>
+                          <a:cs typeface="Times New Roman" panose="02020603050405020304" pitchFamily="18" charset="0"/>
+                        </a:rPr>
+                        <a:t>Storage Method</a:t>
+                      </a:r>
+                      <a:endParaRPr lang="en-GB" sz="1800" kern="100">
+                        <a:effectLst/>
+                        <a:latin typeface="Aptos" panose="020B0004020202020204" pitchFamily="34" charset="0"/>
+                        <a:ea typeface="Aptos" panose="020B0004020202020204" pitchFamily="34" charset="0"/>
+                        <a:cs typeface="Times New Roman" panose="02020603050405020304" pitchFamily="18" charset="0"/>
+                      </a:endParaRPr>
+                    </a:p>
+                  </a:txBody>
+                  <a:tcPr marL="68580" marR="68580" marT="0" marB="0">
+                    <a:lnL w="12700" cap="flat" cmpd="sng" algn="ctr">
+                      <a:solidFill>
+                        <a:srgbClr val="000000"/>
+                      </a:solidFill>
+                      <a:prstDash val="solid"/>
+                      <a:round/>
+                      <a:headEnd type="none" w="med" len="med"/>
+                      <a:tailEnd type="none" w="med" len="med"/>
+                    </a:lnL>
+                    <a:lnR w="12700" cap="flat" cmpd="sng" algn="ctr">
+                      <a:solidFill>
+                        <a:srgbClr val="000000"/>
+                      </a:solidFill>
+                      <a:prstDash val="solid"/>
+                      <a:round/>
+                      <a:headEnd type="none" w="med" len="med"/>
+                      <a:tailEnd type="none" w="med" len="med"/>
+                    </a:lnR>
+                    <a:lnT w="12700" cap="flat" cmpd="sng" algn="ctr">
+                      <a:solidFill>
+                        <a:srgbClr val="000000"/>
+                      </a:solidFill>
+                      <a:prstDash val="solid"/>
+                      <a:round/>
+                      <a:headEnd type="none" w="med" len="med"/>
+                      <a:tailEnd type="none" w="med" len="med"/>
+                    </a:lnT>
+                    <a:lnB w="12700" cap="flat" cmpd="sng" algn="ctr">
+                      <a:solidFill>
+                        <a:srgbClr val="000000"/>
+                      </a:solidFill>
+                      <a:prstDash val="solid"/>
+                      <a:round/>
+                      <a:headEnd type="none" w="med" len="med"/>
+                      <a:tailEnd type="none" w="med" len="med"/>
+                    </a:lnB>
+                    <a:solidFill>
+                      <a:schemeClr val="accent5">
+                        <a:lumMod val="40000"/>
+                        <a:lumOff val="60000"/>
+                      </a:schemeClr>
+                    </a:solidFill>
+                  </a:tcPr>
+                </a:tc>
+                <a:tc>
+                  <a:txBody>
+                    <a:bodyPr/>
+                    <a:lstStyle/>
+                    <a:p>
+                      <a:pPr algn="ctr">
+                        <a:lnSpc>
+                          <a:spcPct val="115000"/>
+                        </a:lnSpc>
+                        <a:spcAft>
+                          <a:spcPts val="800"/>
+                        </a:spcAft>
+                        <a:buNone/>
+                      </a:pPr>
+                      <a:r>
+                        <a:rPr lang="en-GB" sz="1600" b="1" kern="100">
+                          <a:solidFill>
+                            <a:srgbClr val="000000"/>
+                          </a:solidFill>
+                          <a:effectLst/>
+                          <a:latin typeface="Aptos" panose="020B0004020202020204" pitchFamily="34" charset="0"/>
+                          <a:ea typeface="Aptos" panose="020B0004020202020204" pitchFamily="34" charset="0"/>
+                          <a:cs typeface="Times New Roman" panose="02020603050405020304" pitchFamily="18" charset="0"/>
+                        </a:rPr>
+                        <a:t>Persists ? </a:t>
+                      </a:r>
+                      <a:endParaRPr lang="en-GB" sz="1800" kern="100">
+                        <a:effectLst/>
+                        <a:latin typeface="Aptos" panose="020B0004020202020204" pitchFamily="34" charset="0"/>
+                        <a:ea typeface="Aptos" panose="020B0004020202020204" pitchFamily="34" charset="0"/>
+                        <a:cs typeface="Times New Roman" panose="02020603050405020304" pitchFamily="18" charset="0"/>
+                      </a:endParaRPr>
+                    </a:p>
+                  </a:txBody>
+                  <a:tcPr marL="68580" marR="68580" marT="0" marB="0">
+                    <a:lnL w="12700" cap="flat" cmpd="sng" algn="ctr">
+                      <a:solidFill>
+                        <a:srgbClr val="000000"/>
+                      </a:solidFill>
+                      <a:prstDash val="solid"/>
+                      <a:round/>
+                      <a:headEnd type="none" w="med" len="med"/>
+                      <a:tailEnd type="none" w="med" len="med"/>
+                    </a:lnL>
+                    <a:lnR w="12700" cap="flat" cmpd="sng" algn="ctr">
+                      <a:solidFill>
+                        <a:srgbClr val="000000"/>
+                      </a:solidFill>
+                      <a:prstDash val="solid"/>
+                      <a:round/>
+                      <a:headEnd type="none" w="med" len="med"/>
+                      <a:tailEnd type="none" w="med" len="med"/>
+                    </a:lnR>
+                    <a:lnT w="12700" cap="flat" cmpd="sng" algn="ctr">
+                      <a:solidFill>
+                        <a:srgbClr val="000000"/>
+                      </a:solidFill>
+                      <a:prstDash val="solid"/>
+                      <a:round/>
+                      <a:headEnd type="none" w="med" len="med"/>
+                      <a:tailEnd type="none" w="med" len="med"/>
+                    </a:lnT>
+                    <a:lnB w="12700" cap="flat" cmpd="sng" algn="ctr">
+                      <a:solidFill>
+                        <a:srgbClr val="000000"/>
+                      </a:solidFill>
+                      <a:prstDash val="solid"/>
+                      <a:round/>
+                      <a:headEnd type="none" w="med" len="med"/>
+                      <a:tailEnd type="none" w="med" len="med"/>
+                    </a:lnB>
+                    <a:solidFill>
+                      <a:schemeClr val="accent5">
+                        <a:lumMod val="40000"/>
+                        <a:lumOff val="60000"/>
+                      </a:schemeClr>
+                    </a:solidFill>
+                  </a:tcPr>
+                </a:tc>
+                <a:tc>
+                  <a:txBody>
+                    <a:bodyPr/>
+                    <a:lstStyle/>
+                    <a:p>
+                      <a:pPr>
+                        <a:lnSpc>
+                          <a:spcPct val="115000"/>
+                        </a:lnSpc>
+                        <a:spcAft>
+                          <a:spcPts val="800"/>
+                        </a:spcAft>
+                        <a:buNone/>
+                      </a:pPr>
+                      <a:r>
+                        <a:rPr lang="en-GB" sz="1600" b="1" kern="100">
+                          <a:solidFill>
+                            <a:srgbClr val="000000"/>
+                          </a:solidFill>
+                          <a:effectLst/>
+                          <a:latin typeface="Aptos" panose="020B0004020202020204" pitchFamily="34" charset="0"/>
+                          <a:ea typeface="Aptos" panose="020B0004020202020204" pitchFamily="34" charset="0"/>
+                          <a:cs typeface="Times New Roman" panose="02020603050405020304" pitchFamily="18" charset="0"/>
+                        </a:rPr>
+                        <a:t>Scope</a:t>
+                      </a:r>
+                      <a:endParaRPr lang="en-GB" sz="1800" kern="100">
+                        <a:effectLst/>
+                        <a:latin typeface="Aptos" panose="020B0004020202020204" pitchFamily="34" charset="0"/>
+                        <a:ea typeface="Aptos" panose="020B0004020202020204" pitchFamily="34" charset="0"/>
+                        <a:cs typeface="Times New Roman" panose="02020603050405020304" pitchFamily="18" charset="0"/>
+                      </a:endParaRPr>
+                    </a:p>
+                  </a:txBody>
+                  <a:tcPr marL="68580" marR="68580" marT="0" marB="0">
+                    <a:lnL w="12700" cap="flat" cmpd="sng" algn="ctr">
+                      <a:solidFill>
+                        <a:srgbClr val="000000"/>
+                      </a:solidFill>
+                      <a:prstDash val="solid"/>
+                      <a:round/>
+                      <a:headEnd type="none" w="med" len="med"/>
+                      <a:tailEnd type="none" w="med" len="med"/>
+                    </a:lnL>
+                    <a:lnR w="12700" cap="flat" cmpd="sng" algn="ctr">
+                      <a:solidFill>
+                        <a:srgbClr val="000000"/>
+                      </a:solidFill>
+                      <a:prstDash val="solid"/>
+                      <a:round/>
+                      <a:headEnd type="none" w="med" len="med"/>
+                      <a:tailEnd type="none" w="med" len="med"/>
+                    </a:lnR>
+                    <a:lnT w="12700" cap="flat" cmpd="sng" algn="ctr">
+                      <a:solidFill>
+                        <a:srgbClr val="000000"/>
+                      </a:solidFill>
+                      <a:prstDash val="solid"/>
+                      <a:round/>
+                      <a:headEnd type="none" w="med" len="med"/>
+                      <a:tailEnd type="none" w="med" len="med"/>
+                    </a:lnT>
+                    <a:lnB w="12700" cap="flat" cmpd="sng" algn="ctr">
+                      <a:solidFill>
+                        <a:srgbClr val="000000"/>
+                      </a:solidFill>
+                      <a:prstDash val="solid"/>
+                      <a:round/>
+                      <a:headEnd type="none" w="med" len="med"/>
+                      <a:tailEnd type="none" w="med" len="med"/>
+                    </a:lnB>
+                    <a:solidFill>
+                      <a:schemeClr val="accent5">
+                        <a:lumMod val="40000"/>
+                        <a:lumOff val="60000"/>
+                      </a:schemeClr>
+                    </a:solidFill>
+                  </a:tcPr>
+                </a:tc>
+                <a:tc>
+                  <a:txBody>
+                    <a:bodyPr/>
+                    <a:lstStyle/>
+                    <a:p>
+                      <a:pPr algn="ctr">
+                        <a:lnSpc>
+                          <a:spcPct val="115000"/>
+                        </a:lnSpc>
+                        <a:spcAft>
+                          <a:spcPts val="800"/>
+                        </a:spcAft>
+                        <a:buNone/>
+                      </a:pPr>
+                      <a:r>
+                        <a:rPr lang="en-GB" sz="1600" b="1" kern="100" dirty="0">
+                          <a:solidFill>
+                            <a:srgbClr val="000000"/>
+                          </a:solidFill>
+                          <a:effectLst/>
+                          <a:latin typeface="Aptos" panose="020B0004020202020204" pitchFamily="34" charset="0"/>
+                          <a:ea typeface="Aptos" panose="020B0004020202020204" pitchFamily="34" charset="0"/>
+                          <a:cs typeface="Times New Roman" panose="02020603050405020304" pitchFamily="18" charset="0"/>
+                        </a:rPr>
+                        <a:t>Requires Admin?</a:t>
+                      </a:r>
+                      <a:endParaRPr lang="en-GB" sz="1800" kern="100" dirty="0">
+                        <a:effectLst/>
+                        <a:latin typeface="Aptos" panose="020B0004020202020204" pitchFamily="34" charset="0"/>
+                        <a:ea typeface="Aptos" panose="020B0004020202020204" pitchFamily="34" charset="0"/>
+                        <a:cs typeface="Times New Roman" panose="02020603050405020304" pitchFamily="18" charset="0"/>
+                      </a:endParaRPr>
+                    </a:p>
+                  </a:txBody>
+                  <a:tcPr marL="68580" marR="68580" marT="0" marB="0">
+                    <a:lnL w="12700" cap="flat" cmpd="sng" algn="ctr">
+                      <a:solidFill>
+                        <a:srgbClr val="000000"/>
+                      </a:solidFill>
+                      <a:prstDash val="solid"/>
+                      <a:round/>
+                      <a:headEnd type="none" w="med" len="med"/>
+                      <a:tailEnd type="none" w="med" len="med"/>
+                    </a:lnL>
+                    <a:lnR w="12700" cap="flat" cmpd="sng" algn="ctr">
+                      <a:solidFill>
+                        <a:srgbClr val="000000"/>
+                      </a:solidFill>
+                      <a:prstDash val="solid"/>
+                      <a:round/>
+                      <a:headEnd type="none" w="med" len="med"/>
+                      <a:tailEnd type="none" w="med" len="med"/>
+                    </a:lnR>
+                    <a:lnT w="12700" cap="flat" cmpd="sng" algn="ctr">
+                      <a:solidFill>
+                        <a:srgbClr val="000000"/>
+                      </a:solidFill>
+                      <a:prstDash val="solid"/>
+                      <a:round/>
+                      <a:headEnd type="none" w="med" len="med"/>
+                      <a:tailEnd type="none" w="med" len="med"/>
+                    </a:lnT>
+                    <a:lnB w="12700" cap="flat" cmpd="sng" algn="ctr">
+                      <a:solidFill>
+                        <a:srgbClr val="000000"/>
+                      </a:solidFill>
+                      <a:prstDash val="solid"/>
+                      <a:round/>
+                      <a:headEnd type="none" w="med" len="med"/>
+                      <a:tailEnd type="none" w="med" len="med"/>
+                    </a:lnB>
+                    <a:solidFill>
+                      <a:schemeClr val="accent5">
+                        <a:lumMod val="40000"/>
+                        <a:lumOff val="60000"/>
+                      </a:schemeClr>
+                    </a:solidFill>
+                  </a:tcPr>
+                </a:tc>
+                <a:extLst>
+                  <a:ext uri="{0D108BD9-81ED-4DB2-BD59-A6C34878D82A}">
+                    <a16:rowId xmlns:a16="http://schemas.microsoft.com/office/drawing/2014/main" val="338413437"/>
+                  </a:ext>
+                </a:extLst>
+              </a:tr>
+              <a:tr h="362868">
+                <a:tc>
+                  <a:txBody>
+                    <a:bodyPr/>
+                    <a:lstStyle/>
+                    <a:p>
+                      <a:pPr>
+                        <a:lnSpc>
+                          <a:spcPct val="100000"/>
+                        </a:lnSpc>
+                        <a:spcAft>
+                          <a:spcPts val="0"/>
+                        </a:spcAft>
+                        <a:buNone/>
+                      </a:pPr>
+                      <a:r>
+                        <a:rPr lang="en-GB" sz="1600" kern="100" dirty="0">
+                          <a:effectLst/>
+                          <a:latin typeface="Aptos" panose="020B0004020202020204" pitchFamily="34" charset="0"/>
+                          <a:ea typeface="Aptos" panose="020B0004020202020204" pitchFamily="34" charset="0"/>
+                          <a:cs typeface="Times New Roman" panose="02020603050405020304" pitchFamily="18" charset="0"/>
+                        </a:rPr>
+                        <a:t>Temporary Environment Variables</a:t>
+                      </a:r>
+                      <a:endParaRPr lang="en-GB" sz="1800" kern="100" dirty="0">
+                        <a:effectLst/>
+                        <a:latin typeface="Aptos" panose="020B0004020202020204" pitchFamily="34" charset="0"/>
+                        <a:ea typeface="Aptos" panose="020B0004020202020204" pitchFamily="34" charset="0"/>
+                        <a:cs typeface="Times New Roman" panose="02020603050405020304" pitchFamily="18" charset="0"/>
+                      </a:endParaRPr>
+                    </a:p>
+                  </a:txBody>
+                  <a:tcPr marL="68580" marR="68580" marT="0" marB="0">
+                    <a:lnL w="12700" cap="flat" cmpd="sng" algn="ctr">
+                      <a:solidFill>
+                        <a:srgbClr val="000000"/>
+                      </a:solidFill>
+                      <a:prstDash val="solid"/>
+                      <a:round/>
+                      <a:headEnd type="none" w="med" len="med"/>
+                      <a:tailEnd type="none" w="med" len="med"/>
+                    </a:lnL>
+                    <a:lnR w="12700" cap="flat" cmpd="sng" algn="ctr">
+                      <a:solidFill>
+                        <a:srgbClr val="000000"/>
+                      </a:solidFill>
+                      <a:prstDash val="solid"/>
+                      <a:round/>
+                      <a:headEnd type="none" w="med" len="med"/>
+                      <a:tailEnd type="none" w="med" len="med"/>
+                    </a:lnR>
+                    <a:lnT w="12700" cap="flat" cmpd="sng" algn="ctr">
+                      <a:solidFill>
+                        <a:srgbClr val="000000"/>
+                      </a:solidFill>
+                      <a:prstDash val="solid"/>
+                      <a:round/>
+                      <a:headEnd type="none" w="med" len="med"/>
+                      <a:tailEnd type="none" w="med" len="med"/>
+                    </a:lnT>
+                    <a:lnB w="12700" cap="flat" cmpd="sng" algn="ctr">
+                      <a:solidFill>
+                        <a:srgbClr val="000000"/>
+                      </a:solidFill>
+                      <a:prstDash val="solid"/>
+                      <a:round/>
+                      <a:headEnd type="none" w="med" len="med"/>
+                      <a:tailEnd type="none" w="med" len="med"/>
+                    </a:lnB>
+                    <a:noFill/>
+                  </a:tcPr>
+                </a:tc>
+                <a:tc>
+                  <a:txBody>
+                    <a:bodyPr/>
+                    <a:lstStyle/>
+                    <a:p>
+                      <a:pPr algn="ctr">
+                        <a:lnSpc>
+                          <a:spcPct val="100000"/>
+                        </a:lnSpc>
+                        <a:spcAft>
+                          <a:spcPts val="0"/>
+                        </a:spcAft>
+                        <a:buNone/>
+                      </a:pPr>
+                      <a:r>
+                        <a:rPr lang="en-GB" sz="1600" kern="100" dirty="0">
+                          <a:effectLst/>
+                          <a:latin typeface="Segoe UI Emoji" panose="020B0502040204020203" pitchFamily="34" charset="0"/>
+                          <a:ea typeface="Aptos" panose="020B0004020202020204" pitchFamily="34" charset="0"/>
+                          <a:cs typeface="Segoe UI Emoji" panose="020B0502040204020203" pitchFamily="34" charset="0"/>
+                        </a:rPr>
+                        <a:t>No</a:t>
+                      </a:r>
+                      <a:endParaRPr lang="en-GB" sz="1800" kern="100" dirty="0">
+                        <a:effectLst/>
+                        <a:latin typeface="Aptos" panose="020B0004020202020204" pitchFamily="34" charset="0"/>
+                        <a:ea typeface="Aptos" panose="020B0004020202020204" pitchFamily="34" charset="0"/>
+                        <a:cs typeface="Times New Roman" panose="02020603050405020304" pitchFamily="18" charset="0"/>
+                      </a:endParaRPr>
+                    </a:p>
+                  </a:txBody>
+                  <a:tcPr marL="68580" marR="68580" marT="0" marB="0">
+                    <a:lnL w="12700" cap="flat" cmpd="sng" algn="ctr">
+                      <a:solidFill>
+                        <a:srgbClr val="000000"/>
+                      </a:solidFill>
+                      <a:prstDash val="solid"/>
+                      <a:round/>
+                      <a:headEnd type="none" w="med" len="med"/>
+                      <a:tailEnd type="none" w="med" len="med"/>
+                    </a:lnL>
+                    <a:lnR w="12700" cap="flat" cmpd="sng" algn="ctr">
+                      <a:solidFill>
+                        <a:srgbClr val="000000"/>
+                      </a:solidFill>
+                      <a:prstDash val="solid"/>
+                      <a:round/>
+                      <a:headEnd type="none" w="med" len="med"/>
+                      <a:tailEnd type="none" w="med" len="med"/>
+                    </a:lnR>
+                    <a:lnT w="12700" cap="flat" cmpd="sng" algn="ctr">
+                      <a:solidFill>
+                        <a:srgbClr val="000000"/>
+                      </a:solidFill>
+                      <a:prstDash val="solid"/>
+                      <a:round/>
+                      <a:headEnd type="none" w="med" len="med"/>
+                      <a:tailEnd type="none" w="med" len="med"/>
+                    </a:lnT>
+                    <a:lnB w="12700" cap="flat" cmpd="sng" algn="ctr">
+                      <a:solidFill>
+                        <a:srgbClr val="000000"/>
+                      </a:solidFill>
+                      <a:prstDash val="solid"/>
+                      <a:round/>
+                      <a:headEnd type="none" w="med" len="med"/>
+                      <a:tailEnd type="none" w="med" len="med"/>
+                    </a:lnB>
+                    <a:noFill/>
+                  </a:tcPr>
+                </a:tc>
+                <a:tc>
+                  <a:txBody>
+                    <a:bodyPr/>
+                    <a:lstStyle/>
+                    <a:p>
+                      <a:pPr>
+                        <a:lnSpc>
+                          <a:spcPct val="100000"/>
+                        </a:lnSpc>
+                        <a:spcAft>
+                          <a:spcPts val="0"/>
+                        </a:spcAft>
+                        <a:buNone/>
+                      </a:pPr>
+                      <a:r>
+                        <a:rPr lang="en-GB" sz="1600" kern="100" dirty="0">
+                          <a:effectLst/>
+                          <a:latin typeface="Aptos" panose="020B0004020202020204" pitchFamily="34" charset="0"/>
+                          <a:ea typeface="Aptos" panose="020B0004020202020204" pitchFamily="34" charset="0"/>
+                          <a:cs typeface="Times New Roman" panose="02020603050405020304" pitchFamily="18" charset="0"/>
+                        </a:rPr>
+                        <a:t>Current session only</a:t>
+                      </a:r>
+                      <a:endParaRPr lang="en-GB" sz="1800" kern="100" dirty="0">
+                        <a:effectLst/>
+                        <a:latin typeface="Aptos" panose="020B0004020202020204" pitchFamily="34" charset="0"/>
+                        <a:ea typeface="Aptos" panose="020B0004020202020204" pitchFamily="34" charset="0"/>
+                        <a:cs typeface="Times New Roman" panose="02020603050405020304" pitchFamily="18" charset="0"/>
+                      </a:endParaRPr>
+                    </a:p>
+                  </a:txBody>
+                  <a:tcPr marL="68580" marR="68580" marT="0" marB="0">
+                    <a:lnL w="12700" cap="flat" cmpd="sng" algn="ctr">
+                      <a:solidFill>
+                        <a:srgbClr val="000000"/>
+                      </a:solidFill>
+                      <a:prstDash val="solid"/>
+                      <a:round/>
+                      <a:headEnd type="none" w="med" len="med"/>
+                      <a:tailEnd type="none" w="med" len="med"/>
+                    </a:lnL>
+                    <a:lnR w="12700" cap="flat" cmpd="sng" algn="ctr">
+                      <a:solidFill>
+                        <a:srgbClr val="000000"/>
+                      </a:solidFill>
+                      <a:prstDash val="solid"/>
+                      <a:round/>
+                      <a:headEnd type="none" w="med" len="med"/>
+                      <a:tailEnd type="none" w="med" len="med"/>
+                    </a:lnR>
+                    <a:lnT w="12700" cap="flat" cmpd="sng" algn="ctr">
+                      <a:solidFill>
+                        <a:srgbClr val="000000"/>
+                      </a:solidFill>
+                      <a:prstDash val="solid"/>
+                      <a:round/>
+                      <a:headEnd type="none" w="med" len="med"/>
+                      <a:tailEnd type="none" w="med" len="med"/>
+                    </a:lnT>
+                    <a:lnB w="12700" cap="flat" cmpd="sng" algn="ctr">
+                      <a:solidFill>
+                        <a:srgbClr val="000000"/>
+                      </a:solidFill>
+                      <a:prstDash val="solid"/>
+                      <a:round/>
+                      <a:headEnd type="none" w="med" len="med"/>
+                      <a:tailEnd type="none" w="med" len="med"/>
+                    </a:lnB>
+                    <a:noFill/>
+                  </a:tcPr>
+                </a:tc>
+                <a:tc>
+                  <a:txBody>
+                    <a:bodyPr/>
+                    <a:lstStyle/>
+                    <a:p>
+                      <a:pPr algn="ctr">
+                        <a:lnSpc>
+                          <a:spcPct val="100000"/>
+                        </a:lnSpc>
+                        <a:spcAft>
+                          <a:spcPts val="0"/>
+                        </a:spcAft>
+                        <a:buNone/>
+                      </a:pPr>
+                      <a:r>
+                        <a:rPr lang="en-GB" sz="1600" kern="100" dirty="0">
+                          <a:effectLst/>
+                          <a:latin typeface="Aptos" panose="020B0004020202020204" pitchFamily="34" charset="0"/>
+                          <a:ea typeface="Aptos" panose="020B0004020202020204" pitchFamily="34" charset="0"/>
+                          <a:cs typeface="Times New Roman" panose="02020603050405020304" pitchFamily="18" charset="0"/>
+                        </a:rPr>
+                        <a:t>No</a:t>
+                      </a:r>
+                      <a:endParaRPr lang="en-GB" sz="1800" kern="100" dirty="0">
+                        <a:effectLst/>
+                        <a:latin typeface="Aptos" panose="020B0004020202020204" pitchFamily="34" charset="0"/>
+                        <a:ea typeface="Aptos" panose="020B0004020202020204" pitchFamily="34" charset="0"/>
+                        <a:cs typeface="Times New Roman" panose="02020603050405020304" pitchFamily="18" charset="0"/>
+                      </a:endParaRPr>
+                    </a:p>
+                  </a:txBody>
+                  <a:tcPr marL="68580" marR="68580" marT="0" marB="0">
+                    <a:lnL w="12700" cap="flat" cmpd="sng" algn="ctr">
+                      <a:solidFill>
+                        <a:srgbClr val="000000"/>
+                      </a:solidFill>
+                      <a:prstDash val="solid"/>
+                      <a:round/>
+                      <a:headEnd type="none" w="med" len="med"/>
+                      <a:tailEnd type="none" w="med" len="med"/>
+                    </a:lnL>
+                    <a:lnR w="12700" cap="flat" cmpd="sng" algn="ctr">
+                      <a:solidFill>
+                        <a:srgbClr val="000000"/>
+                      </a:solidFill>
+                      <a:prstDash val="solid"/>
+                      <a:round/>
+                      <a:headEnd type="none" w="med" len="med"/>
+                      <a:tailEnd type="none" w="med" len="med"/>
+                    </a:lnR>
+                    <a:lnT w="12700" cap="flat" cmpd="sng" algn="ctr">
+                      <a:solidFill>
+                        <a:srgbClr val="000000"/>
+                      </a:solidFill>
+                      <a:prstDash val="solid"/>
+                      <a:round/>
+                      <a:headEnd type="none" w="med" len="med"/>
+                      <a:tailEnd type="none" w="med" len="med"/>
+                    </a:lnT>
+                    <a:lnB w="12700" cap="flat" cmpd="sng" algn="ctr">
+                      <a:solidFill>
+                        <a:srgbClr val="000000"/>
+                      </a:solidFill>
+                      <a:prstDash val="solid"/>
+                      <a:round/>
+                      <a:headEnd type="none" w="med" len="med"/>
+                      <a:tailEnd type="none" w="med" len="med"/>
+                    </a:lnB>
+                    <a:noFill/>
+                  </a:tcPr>
+                </a:tc>
+                <a:extLst>
+                  <a:ext uri="{0D108BD9-81ED-4DB2-BD59-A6C34878D82A}">
+                    <a16:rowId xmlns:a16="http://schemas.microsoft.com/office/drawing/2014/main" val="1166822832"/>
+                  </a:ext>
+                </a:extLst>
+              </a:tr>
+              <a:tr h="396793">
+                <a:tc>
+                  <a:txBody>
+                    <a:bodyPr/>
+                    <a:lstStyle/>
+                    <a:p>
+                      <a:pPr>
+                        <a:lnSpc>
+                          <a:spcPct val="115000"/>
+                        </a:lnSpc>
+                        <a:spcAft>
+                          <a:spcPts val="800"/>
+                        </a:spcAft>
+                        <a:buNone/>
+                      </a:pPr>
+                      <a:r>
+                        <a:rPr lang="en-GB" sz="1600" kern="100">
+                          <a:effectLst/>
+                          <a:latin typeface="Aptos" panose="020B0004020202020204" pitchFamily="34" charset="0"/>
+                          <a:ea typeface="Aptos" panose="020B0004020202020204" pitchFamily="34" charset="0"/>
+                          <a:cs typeface="Times New Roman" panose="02020603050405020304" pitchFamily="18" charset="0"/>
+                        </a:rPr>
+                        <a:t>User Level  Environment Variables</a:t>
+                      </a:r>
+                      <a:endParaRPr lang="en-GB" sz="1800" kern="100">
+                        <a:effectLst/>
+                        <a:latin typeface="Aptos" panose="020B0004020202020204" pitchFamily="34" charset="0"/>
+                        <a:ea typeface="Aptos" panose="020B0004020202020204" pitchFamily="34" charset="0"/>
+                        <a:cs typeface="Times New Roman" panose="02020603050405020304" pitchFamily="18" charset="0"/>
+                      </a:endParaRPr>
+                    </a:p>
+                  </a:txBody>
+                  <a:tcPr marL="68580" marR="68580" marT="0" marB="0">
+                    <a:lnL w="12700" cap="flat" cmpd="sng" algn="ctr">
+                      <a:solidFill>
+                        <a:srgbClr val="000000"/>
+                      </a:solidFill>
+                      <a:prstDash val="solid"/>
+                      <a:round/>
+                      <a:headEnd type="none" w="med" len="med"/>
+                      <a:tailEnd type="none" w="med" len="med"/>
+                    </a:lnL>
+                    <a:lnR w="12700" cap="flat" cmpd="sng" algn="ctr">
+                      <a:solidFill>
+                        <a:srgbClr val="000000"/>
+                      </a:solidFill>
+                      <a:prstDash val="solid"/>
+                      <a:round/>
+                      <a:headEnd type="none" w="med" len="med"/>
+                      <a:tailEnd type="none" w="med" len="med"/>
+                    </a:lnR>
+                    <a:lnT w="12700" cap="flat" cmpd="sng" algn="ctr">
+                      <a:solidFill>
+                        <a:srgbClr val="000000"/>
+                      </a:solidFill>
+                      <a:prstDash val="solid"/>
+                      <a:round/>
+                      <a:headEnd type="none" w="med" len="med"/>
+                      <a:tailEnd type="none" w="med" len="med"/>
+                    </a:lnT>
+                    <a:lnB w="12700" cap="flat" cmpd="sng" algn="ctr">
+                      <a:solidFill>
+                        <a:srgbClr val="000000"/>
+                      </a:solidFill>
+                      <a:prstDash val="solid"/>
+                      <a:round/>
+                      <a:headEnd type="none" w="med" len="med"/>
+                      <a:tailEnd type="none" w="med" len="med"/>
+                    </a:lnB>
+                    <a:solidFill>
+                      <a:schemeClr val="accent5">
+                        <a:lumMod val="20000"/>
+                        <a:lumOff val="80000"/>
+                      </a:schemeClr>
+                    </a:solidFill>
+                  </a:tcPr>
+                </a:tc>
+                <a:tc>
+                  <a:txBody>
+                    <a:bodyPr/>
+                    <a:lstStyle/>
+                    <a:p>
+                      <a:pPr algn="ctr">
+                        <a:lnSpc>
+                          <a:spcPct val="115000"/>
+                        </a:lnSpc>
+                        <a:spcAft>
+                          <a:spcPts val="800"/>
+                        </a:spcAft>
+                        <a:buNone/>
+                      </a:pPr>
+                      <a:r>
+                        <a:rPr lang="en-GB" sz="1600" kern="100">
+                          <a:effectLst/>
+                          <a:latin typeface="Aptos" panose="020B0004020202020204" pitchFamily="34" charset="0"/>
+                          <a:ea typeface="Aptos" panose="020B0004020202020204" pitchFamily="34" charset="0"/>
+                          <a:cs typeface="Times New Roman" panose="02020603050405020304" pitchFamily="18" charset="0"/>
+                        </a:rPr>
+                        <a:t>Yes</a:t>
+                      </a:r>
+                      <a:endParaRPr lang="en-GB" sz="1800" kern="100">
+                        <a:effectLst/>
+                        <a:latin typeface="Aptos" panose="020B0004020202020204" pitchFamily="34" charset="0"/>
+                        <a:ea typeface="Aptos" panose="020B0004020202020204" pitchFamily="34" charset="0"/>
+                        <a:cs typeface="Times New Roman" panose="02020603050405020304" pitchFamily="18" charset="0"/>
+                      </a:endParaRPr>
+                    </a:p>
+                  </a:txBody>
+                  <a:tcPr marL="68580" marR="68580" marT="0" marB="0">
+                    <a:lnL w="12700" cap="flat" cmpd="sng" algn="ctr">
+                      <a:solidFill>
+                        <a:srgbClr val="000000"/>
+                      </a:solidFill>
+                      <a:prstDash val="solid"/>
+                      <a:round/>
+                      <a:headEnd type="none" w="med" len="med"/>
+                      <a:tailEnd type="none" w="med" len="med"/>
+                    </a:lnL>
+                    <a:lnR w="12700" cap="flat" cmpd="sng" algn="ctr">
+                      <a:solidFill>
+                        <a:srgbClr val="000000"/>
+                      </a:solidFill>
+                      <a:prstDash val="solid"/>
+                      <a:round/>
+                      <a:headEnd type="none" w="med" len="med"/>
+                      <a:tailEnd type="none" w="med" len="med"/>
+                    </a:lnR>
+                    <a:lnT w="12700" cap="flat" cmpd="sng" algn="ctr">
+                      <a:solidFill>
+                        <a:srgbClr val="000000"/>
+                      </a:solidFill>
+                      <a:prstDash val="solid"/>
+                      <a:round/>
+                      <a:headEnd type="none" w="med" len="med"/>
+                      <a:tailEnd type="none" w="med" len="med"/>
+                    </a:lnT>
+                    <a:lnB w="12700" cap="flat" cmpd="sng" algn="ctr">
+                      <a:solidFill>
+                        <a:srgbClr val="000000"/>
+                      </a:solidFill>
+                      <a:prstDash val="solid"/>
+                      <a:round/>
+                      <a:headEnd type="none" w="med" len="med"/>
+                      <a:tailEnd type="none" w="med" len="med"/>
+                    </a:lnB>
+                    <a:solidFill>
+                      <a:schemeClr val="accent5">
+                        <a:lumMod val="20000"/>
+                        <a:lumOff val="80000"/>
+                      </a:schemeClr>
+                    </a:solidFill>
+                  </a:tcPr>
+                </a:tc>
+                <a:tc>
+                  <a:txBody>
+                    <a:bodyPr/>
+                    <a:lstStyle/>
+                    <a:p>
+                      <a:pPr>
+                        <a:lnSpc>
+                          <a:spcPct val="115000"/>
+                        </a:lnSpc>
+                        <a:spcAft>
+                          <a:spcPts val="800"/>
+                        </a:spcAft>
+                        <a:buNone/>
+                      </a:pPr>
+                      <a:r>
+                        <a:rPr lang="en-GB" sz="1600" kern="100">
+                          <a:effectLst/>
+                          <a:latin typeface="Aptos" panose="020B0004020202020204" pitchFamily="34" charset="0"/>
+                          <a:ea typeface="Aptos" panose="020B0004020202020204" pitchFamily="34" charset="0"/>
+                          <a:cs typeface="Times New Roman" panose="02020603050405020304" pitchFamily="18" charset="0"/>
+                        </a:rPr>
+                        <a:t>Only current user</a:t>
+                      </a:r>
+                      <a:endParaRPr lang="en-GB" sz="1800" kern="100">
+                        <a:effectLst/>
+                        <a:latin typeface="Aptos" panose="020B0004020202020204" pitchFamily="34" charset="0"/>
+                        <a:ea typeface="Aptos" panose="020B0004020202020204" pitchFamily="34" charset="0"/>
+                        <a:cs typeface="Times New Roman" panose="02020603050405020304" pitchFamily="18" charset="0"/>
+                      </a:endParaRPr>
+                    </a:p>
+                  </a:txBody>
+                  <a:tcPr marL="68580" marR="68580" marT="0" marB="0">
+                    <a:lnL w="12700" cap="flat" cmpd="sng" algn="ctr">
+                      <a:solidFill>
+                        <a:srgbClr val="000000"/>
+                      </a:solidFill>
+                      <a:prstDash val="solid"/>
+                      <a:round/>
+                      <a:headEnd type="none" w="med" len="med"/>
+                      <a:tailEnd type="none" w="med" len="med"/>
+                    </a:lnL>
+                    <a:lnR w="12700" cap="flat" cmpd="sng" algn="ctr">
+                      <a:solidFill>
+                        <a:srgbClr val="000000"/>
+                      </a:solidFill>
+                      <a:prstDash val="solid"/>
+                      <a:round/>
+                      <a:headEnd type="none" w="med" len="med"/>
+                      <a:tailEnd type="none" w="med" len="med"/>
+                    </a:lnR>
+                    <a:lnT w="12700" cap="flat" cmpd="sng" algn="ctr">
+                      <a:solidFill>
+                        <a:srgbClr val="000000"/>
+                      </a:solidFill>
+                      <a:prstDash val="solid"/>
+                      <a:round/>
+                      <a:headEnd type="none" w="med" len="med"/>
+                      <a:tailEnd type="none" w="med" len="med"/>
+                    </a:lnT>
+                    <a:lnB w="12700" cap="flat" cmpd="sng" algn="ctr">
+                      <a:solidFill>
+                        <a:srgbClr val="000000"/>
+                      </a:solidFill>
+                      <a:prstDash val="solid"/>
+                      <a:round/>
+                      <a:headEnd type="none" w="med" len="med"/>
+                      <a:tailEnd type="none" w="med" len="med"/>
+                    </a:lnB>
+                    <a:solidFill>
+                      <a:schemeClr val="accent5">
+                        <a:lumMod val="20000"/>
+                        <a:lumOff val="80000"/>
+                      </a:schemeClr>
+                    </a:solidFill>
+                  </a:tcPr>
+                </a:tc>
+                <a:tc>
+                  <a:txBody>
+                    <a:bodyPr/>
+                    <a:lstStyle/>
+                    <a:p>
+                      <a:pPr algn="ctr">
+                        <a:lnSpc>
+                          <a:spcPct val="115000"/>
+                        </a:lnSpc>
+                        <a:spcAft>
+                          <a:spcPts val="800"/>
+                        </a:spcAft>
+                        <a:buNone/>
+                      </a:pPr>
+                      <a:r>
+                        <a:rPr lang="en-GB" sz="1600" kern="100" dirty="0">
+                          <a:effectLst/>
+                          <a:latin typeface="Aptos" panose="020B0004020202020204" pitchFamily="34" charset="0"/>
+                          <a:ea typeface="Aptos" panose="020B0004020202020204" pitchFamily="34" charset="0"/>
+                          <a:cs typeface="Times New Roman" panose="02020603050405020304" pitchFamily="18" charset="0"/>
+                        </a:rPr>
+                        <a:t>No</a:t>
+                      </a:r>
+                      <a:endParaRPr lang="en-GB" sz="1800" kern="100" dirty="0">
+                        <a:effectLst/>
+                        <a:latin typeface="Aptos" panose="020B0004020202020204" pitchFamily="34" charset="0"/>
+                        <a:ea typeface="Aptos" panose="020B0004020202020204" pitchFamily="34" charset="0"/>
+                        <a:cs typeface="Times New Roman" panose="02020603050405020304" pitchFamily="18" charset="0"/>
+                      </a:endParaRPr>
+                    </a:p>
+                  </a:txBody>
+                  <a:tcPr marL="68580" marR="68580" marT="0" marB="0">
+                    <a:lnL w="12700" cap="flat" cmpd="sng" algn="ctr">
+                      <a:solidFill>
+                        <a:srgbClr val="000000"/>
+                      </a:solidFill>
+                      <a:prstDash val="solid"/>
+                      <a:round/>
+                      <a:headEnd type="none" w="med" len="med"/>
+                      <a:tailEnd type="none" w="med" len="med"/>
+                    </a:lnL>
+                    <a:lnR w="12700" cap="flat" cmpd="sng" algn="ctr">
+                      <a:solidFill>
+                        <a:srgbClr val="000000"/>
+                      </a:solidFill>
+                      <a:prstDash val="solid"/>
+                      <a:round/>
+                      <a:headEnd type="none" w="med" len="med"/>
+                      <a:tailEnd type="none" w="med" len="med"/>
+                    </a:lnR>
+                    <a:lnT w="12700" cap="flat" cmpd="sng" algn="ctr">
+                      <a:solidFill>
+                        <a:srgbClr val="000000"/>
+                      </a:solidFill>
+                      <a:prstDash val="solid"/>
+                      <a:round/>
+                      <a:headEnd type="none" w="med" len="med"/>
+                      <a:tailEnd type="none" w="med" len="med"/>
+                    </a:lnT>
+                    <a:lnB w="12700" cap="flat" cmpd="sng" algn="ctr">
+                      <a:solidFill>
+                        <a:srgbClr val="000000"/>
+                      </a:solidFill>
+                      <a:prstDash val="solid"/>
+                      <a:round/>
+                      <a:headEnd type="none" w="med" len="med"/>
+                      <a:tailEnd type="none" w="med" len="med"/>
+                    </a:lnB>
+                    <a:solidFill>
+                      <a:schemeClr val="accent5">
+                        <a:lumMod val="20000"/>
+                        <a:lumOff val="80000"/>
+                      </a:schemeClr>
+                    </a:solidFill>
+                  </a:tcPr>
+                </a:tc>
+                <a:extLst>
+                  <a:ext uri="{0D108BD9-81ED-4DB2-BD59-A6C34878D82A}">
+                    <a16:rowId xmlns:a16="http://schemas.microsoft.com/office/drawing/2014/main" val="3309642488"/>
+                  </a:ext>
+                </a:extLst>
+              </a:tr>
+              <a:tr h="402593">
+                <a:tc>
+                  <a:txBody>
+                    <a:bodyPr/>
+                    <a:lstStyle/>
+                    <a:p>
+                      <a:pPr>
+                        <a:lnSpc>
+                          <a:spcPct val="115000"/>
+                        </a:lnSpc>
+                        <a:spcAft>
+                          <a:spcPts val="800"/>
+                        </a:spcAft>
+                        <a:buNone/>
+                      </a:pPr>
+                      <a:r>
+                        <a:rPr lang="en-GB" sz="1600" kern="100">
+                          <a:effectLst/>
+                          <a:latin typeface="Aptos" panose="020B0004020202020204" pitchFamily="34" charset="0"/>
+                          <a:ea typeface="Aptos" panose="020B0004020202020204" pitchFamily="34" charset="0"/>
+                          <a:cs typeface="Times New Roman" panose="02020603050405020304" pitchFamily="18" charset="0"/>
+                        </a:rPr>
+                        <a:t>Machine Level Environment Variables</a:t>
+                      </a:r>
+                      <a:endParaRPr lang="en-GB" sz="1800" kern="100">
+                        <a:effectLst/>
+                        <a:latin typeface="Aptos" panose="020B0004020202020204" pitchFamily="34" charset="0"/>
+                        <a:ea typeface="Aptos" panose="020B0004020202020204" pitchFamily="34" charset="0"/>
+                        <a:cs typeface="Times New Roman" panose="02020603050405020304" pitchFamily="18" charset="0"/>
+                      </a:endParaRPr>
+                    </a:p>
+                  </a:txBody>
+                  <a:tcPr marL="68580" marR="68580" marT="0" marB="0">
+                    <a:lnL w="12700" cap="flat" cmpd="sng" algn="ctr">
+                      <a:solidFill>
+                        <a:srgbClr val="000000"/>
+                      </a:solidFill>
+                      <a:prstDash val="solid"/>
+                      <a:round/>
+                      <a:headEnd type="none" w="med" len="med"/>
+                      <a:tailEnd type="none" w="med" len="med"/>
+                    </a:lnL>
+                    <a:lnR w="12700" cap="flat" cmpd="sng" algn="ctr">
+                      <a:solidFill>
+                        <a:srgbClr val="000000"/>
+                      </a:solidFill>
+                      <a:prstDash val="solid"/>
+                      <a:round/>
+                      <a:headEnd type="none" w="med" len="med"/>
+                      <a:tailEnd type="none" w="med" len="med"/>
+                    </a:lnR>
+                    <a:lnT w="12700" cap="flat" cmpd="sng" algn="ctr">
+                      <a:solidFill>
+                        <a:srgbClr val="000000"/>
+                      </a:solidFill>
+                      <a:prstDash val="solid"/>
+                      <a:round/>
+                      <a:headEnd type="none" w="med" len="med"/>
+                      <a:tailEnd type="none" w="med" len="med"/>
+                    </a:lnT>
+                    <a:lnB w="12700" cap="flat" cmpd="sng" algn="ctr">
+                      <a:solidFill>
+                        <a:srgbClr val="000000"/>
+                      </a:solidFill>
+                      <a:prstDash val="solid"/>
+                      <a:round/>
+                      <a:headEnd type="none" w="med" len="med"/>
+                      <a:tailEnd type="none" w="med" len="med"/>
+                    </a:lnB>
+                    <a:noFill/>
+                  </a:tcPr>
+                </a:tc>
+                <a:tc>
+                  <a:txBody>
+                    <a:bodyPr/>
+                    <a:lstStyle/>
+                    <a:p>
+                      <a:pPr algn="ctr">
+                        <a:lnSpc>
+                          <a:spcPct val="115000"/>
+                        </a:lnSpc>
+                        <a:spcAft>
+                          <a:spcPts val="800"/>
+                        </a:spcAft>
+                        <a:buNone/>
+                      </a:pPr>
+                      <a:r>
+                        <a:rPr lang="en-GB" sz="1600" kern="100">
+                          <a:effectLst/>
+                          <a:latin typeface="Aptos" panose="020B0004020202020204" pitchFamily="34" charset="0"/>
+                          <a:ea typeface="Aptos" panose="020B0004020202020204" pitchFamily="34" charset="0"/>
+                          <a:cs typeface="Times New Roman" panose="02020603050405020304" pitchFamily="18" charset="0"/>
+                        </a:rPr>
+                        <a:t>Yes</a:t>
+                      </a:r>
+                      <a:endParaRPr lang="en-GB" sz="1800" kern="100">
+                        <a:effectLst/>
+                        <a:latin typeface="Aptos" panose="020B0004020202020204" pitchFamily="34" charset="0"/>
+                        <a:ea typeface="Aptos" panose="020B0004020202020204" pitchFamily="34" charset="0"/>
+                        <a:cs typeface="Times New Roman" panose="02020603050405020304" pitchFamily="18" charset="0"/>
+                      </a:endParaRPr>
+                    </a:p>
+                  </a:txBody>
+                  <a:tcPr marL="68580" marR="68580" marT="0" marB="0">
+                    <a:lnL w="12700" cap="flat" cmpd="sng" algn="ctr">
+                      <a:solidFill>
+                        <a:srgbClr val="000000"/>
+                      </a:solidFill>
+                      <a:prstDash val="solid"/>
+                      <a:round/>
+                      <a:headEnd type="none" w="med" len="med"/>
+                      <a:tailEnd type="none" w="med" len="med"/>
+                    </a:lnL>
+                    <a:lnR w="12700" cap="flat" cmpd="sng" algn="ctr">
+                      <a:solidFill>
+                        <a:srgbClr val="000000"/>
+                      </a:solidFill>
+                      <a:prstDash val="solid"/>
+                      <a:round/>
+                      <a:headEnd type="none" w="med" len="med"/>
+                      <a:tailEnd type="none" w="med" len="med"/>
+                    </a:lnR>
+                    <a:lnT w="12700" cap="flat" cmpd="sng" algn="ctr">
+                      <a:solidFill>
+                        <a:srgbClr val="000000"/>
+                      </a:solidFill>
+                      <a:prstDash val="solid"/>
+                      <a:round/>
+                      <a:headEnd type="none" w="med" len="med"/>
+                      <a:tailEnd type="none" w="med" len="med"/>
+                    </a:lnT>
+                    <a:lnB w="12700" cap="flat" cmpd="sng" algn="ctr">
+                      <a:solidFill>
+                        <a:srgbClr val="000000"/>
+                      </a:solidFill>
+                      <a:prstDash val="solid"/>
+                      <a:round/>
+                      <a:headEnd type="none" w="med" len="med"/>
+                      <a:tailEnd type="none" w="med" len="med"/>
+                    </a:lnB>
+                    <a:noFill/>
+                  </a:tcPr>
+                </a:tc>
+                <a:tc>
+                  <a:txBody>
+                    <a:bodyPr/>
+                    <a:lstStyle/>
+                    <a:p>
+                      <a:pPr>
+                        <a:lnSpc>
+                          <a:spcPct val="115000"/>
+                        </a:lnSpc>
+                        <a:spcAft>
+                          <a:spcPts val="800"/>
+                        </a:spcAft>
+                        <a:buNone/>
+                      </a:pPr>
+                      <a:r>
+                        <a:rPr lang="en-GB" sz="1600" kern="100">
+                          <a:effectLst/>
+                          <a:latin typeface="Aptos" panose="020B0004020202020204" pitchFamily="34" charset="0"/>
+                          <a:ea typeface="Aptos" panose="020B0004020202020204" pitchFamily="34" charset="0"/>
+                          <a:cs typeface="Times New Roman" panose="02020603050405020304" pitchFamily="18" charset="0"/>
+                        </a:rPr>
+                        <a:t>System-wide</a:t>
+                      </a:r>
+                      <a:endParaRPr lang="en-GB" sz="1800" kern="100">
+                        <a:effectLst/>
+                        <a:latin typeface="Aptos" panose="020B0004020202020204" pitchFamily="34" charset="0"/>
+                        <a:ea typeface="Aptos" panose="020B0004020202020204" pitchFamily="34" charset="0"/>
+                        <a:cs typeface="Times New Roman" panose="02020603050405020304" pitchFamily="18" charset="0"/>
+                      </a:endParaRPr>
+                    </a:p>
+                  </a:txBody>
+                  <a:tcPr marL="68580" marR="68580" marT="0" marB="0">
+                    <a:lnL w="12700" cap="flat" cmpd="sng" algn="ctr">
+                      <a:solidFill>
+                        <a:srgbClr val="000000"/>
+                      </a:solidFill>
+                      <a:prstDash val="solid"/>
+                      <a:round/>
+                      <a:headEnd type="none" w="med" len="med"/>
+                      <a:tailEnd type="none" w="med" len="med"/>
+                    </a:lnL>
+                    <a:lnR w="12700" cap="flat" cmpd="sng" algn="ctr">
+                      <a:solidFill>
+                        <a:srgbClr val="000000"/>
+                      </a:solidFill>
+                      <a:prstDash val="solid"/>
+                      <a:round/>
+                      <a:headEnd type="none" w="med" len="med"/>
+                      <a:tailEnd type="none" w="med" len="med"/>
+                    </a:lnR>
+                    <a:lnT w="12700" cap="flat" cmpd="sng" algn="ctr">
+                      <a:solidFill>
+                        <a:srgbClr val="000000"/>
+                      </a:solidFill>
+                      <a:prstDash val="solid"/>
+                      <a:round/>
+                      <a:headEnd type="none" w="med" len="med"/>
+                      <a:tailEnd type="none" w="med" len="med"/>
+                    </a:lnT>
+                    <a:lnB w="12700" cap="flat" cmpd="sng" algn="ctr">
+                      <a:solidFill>
+                        <a:srgbClr val="000000"/>
+                      </a:solidFill>
+                      <a:prstDash val="solid"/>
+                      <a:round/>
+                      <a:headEnd type="none" w="med" len="med"/>
+                      <a:tailEnd type="none" w="med" len="med"/>
+                    </a:lnB>
+                    <a:noFill/>
+                  </a:tcPr>
+                </a:tc>
+                <a:tc>
+                  <a:txBody>
+                    <a:bodyPr/>
+                    <a:lstStyle/>
+                    <a:p>
+                      <a:pPr algn="ctr">
+                        <a:lnSpc>
+                          <a:spcPct val="115000"/>
+                        </a:lnSpc>
+                        <a:spcAft>
+                          <a:spcPts val="800"/>
+                        </a:spcAft>
+                        <a:buNone/>
+                      </a:pPr>
+                      <a:r>
+                        <a:rPr lang="en-GB" sz="1600" kern="100">
+                          <a:effectLst/>
+                          <a:latin typeface="Aptos" panose="020B0004020202020204" pitchFamily="34" charset="0"/>
+                          <a:ea typeface="Aptos" panose="020B0004020202020204" pitchFamily="34" charset="0"/>
+                          <a:cs typeface="Times New Roman" panose="02020603050405020304" pitchFamily="18" charset="0"/>
+                        </a:rPr>
+                        <a:t>Yes</a:t>
+                      </a:r>
+                      <a:endParaRPr lang="en-GB" sz="1800" kern="100">
+                        <a:effectLst/>
+                        <a:latin typeface="Aptos" panose="020B0004020202020204" pitchFamily="34" charset="0"/>
+                        <a:ea typeface="Aptos" panose="020B0004020202020204" pitchFamily="34" charset="0"/>
+                        <a:cs typeface="Times New Roman" panose="02020603050405020304" pitchFamily="18" charset="0"/>
+                      </a:endParaRPr>
+                    </a:p>
+                  </a:txBody>
+                  <a:tcPr marL="68580" marR="68580" marT="0" marB="0">
+                    <a:lnL w="12700" cap="flat" cmpd="sng" algn="ctr">
+                      <a:solidFill>
+                        <a:srgbClr val="000000"/>
+                      </a:solidFill>
+                      <a:prstDash val="solid"/>
+                      <a:round/>
+                      <a:headEnd type="none" w="med" len="med"/>
+                      <a:tailEnd type="none" w="med" len="med"/>
+                    </a:lnL>
+                    <a:lnR w="12700" cap="flat" cmpd="sng" algn="ctr">
+                      <a:solidFill>
+                        <a:srgbClr val="000000"/>
+                      </a:solidFill>
+                      <a:prstDash val="solid"/>
+                      <a:round/>
+                      <a:headEnd type="none" w="med" len="med"/>
+                      <a:tailEnd type="none" w="med" len="med"/>
+                    </a:lnR>
+                    <a:lnT w="12700" cap="flat" cmpd="sng" algn="ctr">
+                      <a:solidFill>
+                        <a:srgbClr val="000000"/>
+                      </a:solidFill>
+                      <a:prstDash val="solid"/>
+                      <a:round/>
+                      <a:headEnd type="none" w="med" len="med"/>
+                      <a:tailEnd type="none" w="med" len="med"/>
+                    </a:lnT>
+                    <a:lnB w="12700" cap="flat" cmpd="sng" algn="ctr">
+                      <a:solidFill>
+                        <a:srgbClr val="000000"/>
+                      </a:solidFill>
+                      <a:prstDash val="solid"/>
+                      <a:round/>
+                      <a:headEnd type="none" w="med" len="med"/>
+                      <a:tailEnd type="none" w="med" len="med"/>
+                    </a:lnB>
+                    <a:noFill/>
+                  </a:tcPr>
+                </a:tc>
+                <a:extLst>
+                  <a:ext uri="{0D108BD9-81ED-4DB2-BD59-A6C34878D82A}">
+                    <a16:rowId xmlns:a16="http://schemas.microsoft.com/office/drawing/2014/main" val="3533416546"/>
+                  </a:ext>
+                </a:extLst>
+              </a:tr>
+              <a:tr h="396793">
+                <a:tc>
+                  <a:txBody>
+                    <a:bodyPr/>
+                    <a:lstStyle/>
+                    <a:p>
+                      <a:pPr>
+                        <a:lnSpc>
+                          <a:spcPct val="115000"/>
+                        </a:lnSpc>
+                        <a:spcAft>
+                          <a:spcPts val="800"/>
+                        </a:spcAft>
+                        <a:buNone/>
+                      </a:pPr>
+                      <a:r>
+                        <a:rPr lang="en-GB" sz="1600" kern="100">
+                          <a:effectLst/>
+                          <a:latin typeface="Aptos" panose="020B0004020202020204" pitchFamily="34" charset="0"/>
+                          <a:ea typeface="Aptos" panose="020B0004020202020204" pitchFamily="34" charset="0"/>
+                          <a:cs typeface="Times New Roman" panose="02020603050405020304" pitchFamily="18" charset="0"/>
+                        </a:rPr>
+                        <a:t>PowerShell/Bash Script ()</a:t>
+                      </a:r>
+                      <a:endParaRPr lang="en-GB" sz="1800" kern="100">
+                        <a:effectLst/>
+                        <a:latin typeface="Aptos" panose="020B0004020202020204" pitchFamily="34" charset="0"/>
+                        <a:ea typeface="Aptos" panose="020B0004020202020204" pitchFamily="34" charset="0"/>
+                        <a:cs typeface="Times New Roman" panose="02020603050405020304" pitchFamily="18" charset="0"/>
+                      </a:endParaRPr>
+                    </a:p>
+                  </a:txBody>
+                  <a:tcPr marL="68580" marR="68580" marT="0" marB="0">
+                    <a:lnL w="12700" cap="flat" cmpd="sng" algn="ctr">
+                      <a:solidFill>
+                        <a:srgbClr val="000000"/>
+                      </a:solidFill>
+                      <a:prstDash val="solid"/>
+                      <a:round/>
+                      <a:headEnd type="none" w="med" len="med"/>
+                      <a:tailEnd type="none" w="med" len="med"/>
+                    </a:lnL>
+                    <a:lnR w="12700" cap="flat" cmpd="sng" algn="ctr">
+                      <a:solidFill>
+                        <a:srgbClr val="000000"/>
+                      </a:solidFill>
+                      <a:prstDash val="solid"/>
+                      <a:round/>
+                      <a:headEnd type="none" w="med" len="med"/>
+                      <a:tailEnd type="none" w="med" len="med"/>
+                    </a:lnR>
+                    <a:lnT w="12700" cap="flat" cmpd="sng" algn="ctr">
+                      <a:solidFill>
+                        <a:srgbClr val="000000"/>
+                      </a:solidFill>
+                      <a:prstDash val="solid"/>
+                      <a:round/>
+                      <a:headEnd type="none" w="med" len="med"/>
+                      <a:tailEnd type="none" w="med" len="med"/>
+                    </a:lnT>
+                    <a:lnB w="12700" cap="flat" cmpd="sng" algn="ctr">
+                      <a:solidFill>
+                        <a:srgbClr val="000000"/>
+                      </a:solidFill>
+                      <a:prstDash val="solid"/>
+                      <a:round/>
+                      <a:headEnd type="none" w="med" len="med"/>
+                      <a:tailEnd type="none" w="med" len="med"/>
+                    </a:lnB>
+                    <a:solidFill>
+                      <a:schemeClr val="accent5">
+                        <a:lumMod val="20000"/>
+                        <a:lumOff val="80000"/>
+                      </a:schemeClr>
+                    </a:solidFill>
+                  </a:tcPr>
+                </a:tc>
+                <a:tc>
+                  <a:txBody>
+                    <a:bodyPr/>
+                    <a:lstStyle/>
+                    <a:p>
+                      <a:pPr algn="ctr">
+                        <a:lnSpc>
+                          <a:spcPct val="115000"/>
+                        </a:lnSpc>
+                        <a:spcAft>
+                          <a:spcPts val="800"/>
+                        </a:spcAft>
+                        <a:buNone/>
+                      </a:pPr>
+                      <a:r>
+                        <a:rPr lang="en-GB" sz="1600" kern="100">
+                          <a:effectLst/>
+                          <a:latin typeface="Aptos" panose="020B0004020202020204" pitchFamily="34" charset="0"/>
+                          <a:ea typeface="Aptos" panose="020B0004020202020204" pitchFamily="34" charset="0"/>
+                          <a:cs typeface="Times New Roman" panose="02020603050405020304" pitchFamily="18" charset="0"/>
+                        </a:rPr>
+                        <a:t>No</a:t>
+                      </a:r>
+                      <a:endParaRPr lang="en-GB" sz="1800" kern="100">
+                        <a:effectLst/>
+                        <a:latin typeface="Aptos" panose="020B0004020202020204" pitchFamily="34" charset="0"/>
+                        <a:ea typeface="Aptos" panose="020B0004020202020204" pitchFamily="34" charset="0"/>
+                        <a:cs typeface="Times New Roman" panose="02020603050405020304" pitchFamily="18" charset="0"/>
+                      </a:endParaRPr>
+                    </a:p>
+                  </a:txBody>
+                  <a:tcPr marL="68580" marR="68580" marT="0" marB="0">
+                    <a:lnL w="12700" cap="flat" cmpd="sng" algn="ctr">
+                      <a:solidFill>
+                        <a:srgbClr val="000000"/>
+                      </a:solidFill>
+                      <a:prstDash val="solid"/>
+                      <a:round/>
+                      <a:headEnd type="none" w="med" len="med"/>
+                      <a:tailEnd type="none" w="med" len="med"/>
+                    </a:lnL>
+                    <a:lnR w="12700" cap="flat" cmpd="sng" algn="ctr">
+                      <a:solidFill>
+                        <a:srgbClr val="000000"/>
+                      </a:solidFill>
+                      <a:prstDash val="solid"/>
+                      <a:round/>
+                      <a:headEnd type="none" w="med" len="med"/>
+                      <a:tailEnd type="none" w="med" len="med"/>
+                    </a:lnR>
+                    <a:lnT w="12700" cap="flat" cmpd="sng" algn="ctr">
+                      <a:solidFill>
+                        <a:srgbClr val="000000"/>
+                      </a:solidFill>
+                      <a:prstDash val="solid"/>
+                      <a:round/>
+                      <a:headEnd type="none" w="med" len="med"/>
+                      <a:tailEnd type="none" w="med" len="med"/>
+                    </a:lnT>
+                    <a:lnB w="12700" cap="flat" cmpd="sng" algn="ctr">
+                      <a:solidFill>
+                        <a:srgbClr val="000000"/>
+                      </a:solidFill>
+                      <a:prstDash val="solid"/>
+                      <a:round/>
+                      <a:headEnd type="none" w="med" len="med"/>
+                      <a:tailEnd type="none" w="med" len="med"/>
+                    </a:lnB>
+                    <a:solidFill>
+                      <a:schemeClr val="accent5">
+                        <a:lumMod val="20000"/>
+                        <a:lumOff val="80000"/>
+                      </a:schemeClr>
+                    </a:solidFill>
+                  </a:tcPr>
+                </a:tc>
+                <a:tc>
+                  <a:txBody>
+                    <a:bodyPr/>
+                    <a:lstStyle/>
+                    <a:p>
+                      <a:pPr>
+                        <a:lnSpc>
+                          <a:spcPct val="115000"/>
+                        </a:lnSpc>
+                        <a:spcAft>
+                          <a:spcPts val="800"/>
+                        </a:spcAft>
+                        <a:buNone/>
+                      </a:pPr>
+                      <a:r>
+                        <a:rPr lang="en-GB" sz="1600" kern="100">
+                          <a:effectLst/>
+                          <a:latin typeface="Aptos" panose="020B0004020202020204" pitchFamily="34" charset="0"/>
+                          <a:ea typeface="Aptos" panose="020B0004020202020204" pitchFamily="34" charset="0"/>
+                          <a:cs typeface="Times New Roman" panose="02020603050405020304" pitchFamily="18" charset="0"/>
+                        </a:rPr>
+                        <a:t>Run manually</a:t>
+                      </a:r>
+                      <a:endParaRPr lang="en-GB" sz="1800" kern="100">
+                        <a:effectLst/>
+                        <a:latin typeface="Aptos" panose="020B0004020202020204" pitchFamily="34" charset="0"/>
+                        <a:ea typeface="Aptos" panose="020B0004020202020204" pitchFamily="34" charset="0"/>
+                        <a:cs typeface="Times New Roman" panose="02020603050405020304" pitchFamily="18" charset="0"/>
+                      </a:endParaRPr>
+                    </a:p>
+                  </a:txBody>
+                  <a:tcPr marL="68580" marR="68580" marT="0" marB="0">
+                    <a:lnL w="12700" cap="flat" cmpd="sng" algn="ctr">
+                      <a:solidFill>
+                        <a:srgbClr val="000000"/>
+                      </a:solidFill>
+                      <a:prstDash val="solid"/>
+                      <a:round/>
+                      <a:headEnd type="none" w="med" len="med"/>
+                      <a:tailEnd type="none" w="med" len="med"/>
+                    </a:lnL>
+                    <a:lnR w="12700" cap="flat" cmpd="sng" algn="ctr">
+                      <a:solidFill>
+                        <a:srgbClr val="000000"/>
+                      </a:solidFill>
+                      <a:prstDash val="solid"/>
+                      <a:round/>
+                      <a:headEnd type="none" w="med" len="med"/>
+                      <a:tailEnd type="none" w="med" len="med"/>
+                    </a:lnR>
+                    <a:lnT w="12700" cap="flat" cmpd="sng" algn="ctr">
+                      <a:solidFill>
+                        <a:srgbClr val="000000"/>
+                      </a:solidFill>
+                      <a:prstDash val="solid"/>
+                      <a:round/>
+                      <a:headEnd type="none" w="med" len="med"/>
+                      <a:tailEnd type="none" w="med" len="med"/>
+                    </a:lnT>
+                    <a:lnB w="12700" cap="flat" cmpd="sng" algn="ctr">
+                      <a:solidFill>
+                        <a:srgbClr val="000000"/>
+                      </a:solidFill>
+                      <a:prstDash val="solid"/>
+                      <a:round/>
+                      <a:headEnd type="none" w="med" len="med"/>
+                      <a:tailEnd type="none" w="med" len="med"/>
+                    </a:lnB>
+                    <a:solidFill>
+                      <a:schemeClr val="accent5">
+                        <a:lumMod val="20000"/>
+                        <a:lumOff val="80000"/>
+                      </a:schemeClr>
+                    </a:solidFill>
+                  </a:tcPr>
+                </a:tc>
+                <a:tc>
+                  <a:txBody>
+                    <a:bodyPr/>
+                    <a:lstStyle/>
+                    <a:p>
+                      <a:pPr algn="ctr">
+                        <a:lnSpc>
+                          <a:spcPct val="115000"/>
+                        </a:lnSpc>
+                        <a:spcAft>
+                          <a:spcPts val="800"/>
+                        </a:spcAft>
+                        <a:buNone/>
+                      </a:pPr>
+                      <a:r>
+                        <a:rPr lang="en-GB" sz="1600" kern="100" dirty="0">
+                          <a:effectLst/>
+                          <a:latin typeface="Aptos" panose="020B0004020202020204" pitchFamily="34" charset="0"/>
+                          <a:ea typeface="Aptos" panose="020B0004020202020204" pitchFamily="34" charset="0"/>
+                          <a:cs typeface="Times New Roman" panose="02020603050405020304" pitchFamily="18" charset="0"/>
+                        </a:rPr>
+                        <a:t>No</a:t>
+                      </a:r>
+                      <a:endParaRPr lang="en-GB" sz="1800" kern="100" dirty="0">
+                        <a:effectLst/>
+                        <a:latin typeface="Aptos" panose="020B0004020202020204" pitchFamily="34" charset="0"/>
+                        <a:ea typeface="Aptos" panose="020B0004020202020204" pitchFamily="34" charset="0"/>
+                        <a:cs typeface="Times New Roman" panose="02020603050405020304" pitchFamily="18" charset="0"/>
+                      </a:endParaRPr>
+                    </a:p>
+                  </a:txBody>
+                  <a:tcPr marL="68580" marR="68580" marT="0" marB="0">
+                    <a:lnL w="12700" cap="flat" cmpd="sng" algn="ctr">
+                      <a:solidFill>
+                        <a:srgbClr val="000000"/>
+                      </a:solidFill>
+                      <a:prstDash val="solid"/>
+                      <a:round/>
+                      <a:headEnd type="none" w="med" len="med"/>
+                      <a:tailEnd type="none" w="med" len="med"/>
+                    </a:lnL>
+                    <a:lnR w="12700" cap="flat" cmpd="sng" algn="ctr">
+                      <a:solidFill>
+                        <a:srgbClr val="000000"/>
+                      </a:solidFill>
+                      <a:prstDash val="solid"/>
+                      <a:round/>
+                      <a:headEnd type="none" w="med" len="med"/>
+                      <a:tailEnd type="none" w="med" len="med"/>
+                    </a:lnR>
+                    <a:lnT w="12700" cap="flat" cmpd="sng" algn="ctr">
+                      <a:solidFill>
+                        <a:srgbClr val="000000"/>
+                      </a:solidFill>
+                      <a:prstDash val="solid"/>
+                      <a:round/>
+                      <a:headEnd type="none" w="med" len="med"/>
+                      <a:tailEnd type="none" w="med" len="med"/>
+                    </a:lnT>
+                    <a:lnB w="12700" cap="flat" cmpd="sng" algn="ctr">
+                      <a:solidFill>
+                        <a:srgbClr val="000000"/>
+                      </a:solidFill>
+                      <a:prstDash val="solid"/>
+                      <a:round/>
+                      <a:headEnd type="none" w="med" len="med"/>
+                      <a:tailEnd type="none" w="med" len="med"/>
+                    </a:lnB>
+                    <a:solidFill>
+                      <a:schemeClr val="accent5">
+                        <a:lumMod val="20000"/>
+                        <a:lumOff val="80000"/>
+                      </a:schemeClr>
+                    </a:solidFill>
+                  </a:tcPr>
+                </a:tc>
+                <a:extLst>
+                  <a:ext uri="{0D108BD9-81ED-4DB2-BD59-A6C34878D82A}">
+                    <a16:rowId xmlns:a16="http://schemas.microsoft.com/office/drawing/2014/main" val="1018595731"/>
+                  </a:ext>
+                </a:extLst>
+              </a:tr>
+              <a:tr h="396793">
+                <a:tc>
+                  <a:txBody>
+                    <a:bodyPr/>
+                    <a:lstStyle/>
+                    <a:p>
+                      <a:pPr>
+                        <a:lnSpc>
+                          <a:spcPct val="115000"/>
+                        </a:lnSpc>
+                        <a:spcAft>
+                          <a:spcPts val="800"/>
+                        </a:spcAft>
+                        <a:buNone/>
+                      </a:pPr>
+                      <a:r>
+                        <a:rPr lang="en-GB" sz="1600" kern="100">
+                          <a:effectLst/>
+                          <a:latin typeface="Aptos" panose="020B0004020202020204" pitchFamily="34" charset="0"/>
+                          <a:ea typeface="Aptos" panose="020B0004020202020204" pitchFamily="34" charset="0"/>
+                          <a:cs typeface="Times New Roman" panose="02020603050405020304" pitchFamily="18" charset="0"/>
+                        </a:rPr>
+                        <a:t>.env File </a:t>
+                      </a:r>
+                      <a:endParaRPr lang="en-GB" sz="1800" kern="100">
+                        <a:effectLst/>
+                        <a:latin typeface="Aptos" panose="020B0004020202020204" pitchFamily="34" charset="0"/>
+                        <a:ea typeface="Aptos" panose="020B0004020202020204" pitchFamily="34" charset="0"/>
+                        <a:cs typeface="Times New Roman" panose="02020603050405020304" pitchFamily="18" charset="0"/>
+                      </a:endParaRPr>
+                    </a:p>
+                  </a:txBody>
+                  <a:tcPr marL="68580" marR="68580" marT="0" marB="0">
+                    <a:lnL w="12700" cap="flat" cmpd="sng" algn="ctr">
+                      <a:solidFill>
+                        <a:srgbClr val="000000"/>
+                      </a:solidFill>
+                      <a:prstDash val="solid"/>
+                      <a:round/>
+                      <a:headEnd type="none" w="med" len="med"/>
+                      <a:tailEnd type="none" w="med" len="med"/>
+                    </a:lnL>
+                    <a:lnR w="12700" cap="flat" cmpd="sng" algn="ctr">
+                      <a:solidFill>
+                        <a:srgbClr val="000000"/>
+                      </a:solidFill>
+                      <a:prstDash val="solid"/>
+                      <a:round/>
+                      <a:headEnd type="none" w="med" len="med"/>
+                      <a:tailEnd type="none" w="med" len="med"/>
+                    </a:lnR>
+                    <a:lnT w="12700" cap="flat" cmpd="sng" algn="ctr">
+                      <a:solidFill>
+                        <a:srgbClr val="000000"/>
+                      </a:solidFill>
+                      <a:prstDash val="solid"/>
+                      <a:round/>
+                      <a:headEnd type="none" w="med" len="med"/>
+                      <a:tailEnd type="none" w="med" len="med"/>
+                    </a:lnT>
+                    <a:lnB w="12700" cap="flat" cmpd="sng" algn="ctr">
+                      <a:solidFill>
+                        <a:srgbClr val="000000"/>
+                      </a:solidFill>
+                      <a:prstDash val="solid"/>
+                      <a:round/>
+                      <a:headEnd type="none" w="med" len="med"/>
+                      <a:tailEnd type="none" w="med" len="med"/>
+                    </a:lnB>
+                    <a:noFill/>
+                  </a:tcPr>
+                </a:tc>
+                <a:tc>
+                  <a:txBody>
+                    <a:bodyPr/>
+                    <a:lstStyle/>
+                    <a:p>
+                      <a:pPr algn="ctr">
+                        <a:lnSpc>
+                          <a:spcPct val="115000"/>
+                        </a:lnSpc>
+                        <a:spcAft>
+                          <a:spcPts val="800"/>
+                        </a:spcAft>
+                        <a:buNone/>
+                      </a:pPr>
+                      <a:r>
+                        <a:rPr lang="en-GB" sz="1600" kern="100">
+                          <a:effectLst/>
+                          <a:latin typeface="Aptos" panose="020B0004020202020204" pitchFamily="34" charset="0"/>
+                          <a:ea typeface="Aptos" panose="020B0004020202020204" pitchFamily="34" charset="0"/>
+                          <a:cs typeface="Times New Roman" panose="02020603050405020304" pitchFamily="18" charset="0"/>
+                        </a:rPr>
+                        <a:t>No</a:t>
+                      </a:r>
+                      <a:endParaRPr lang="en-GB" sz="1800" kern="100">
+                        <a:effectLst/>
+                        <a:latin typeface="Aptos" panose="020B0004020202020204" pitchFamily="34" charset="0"/>
+                        <a:ea typeface="Aptos" panose="020B0004020202020204" pitchFamily="34" charset="0"/>
+                        <a:cs typeface="Times New Roman" panose="02020603050405020304" pitchFamily="18" charset="0"/>
+                      </a:endParaRPr>
+                    </a:p>
+                  </a:txBody>
+                  <a:tcPr marL="68580" marR="68580" marT="0" marB="0">
+                    <a:lnL w="12700" cap="flat" cmpd="sng" algn="ctr">
+                      <a:solidFill>
+                        <a:srgbClr val="000000"/>
+                      </a:solidFill>
+                      <a:prstDash val="solid"/>
+                      <a:round/>
+                      <a:headEnd type="none" w="med" len="med"/>
+                      <a:tailEnd type="none" w="med" len="med"/>
+                    </a:lnL>
+                    <a:lnR w="12700" cap="flat" cmpd="sng" algn="ctr">
+                      <a:solidFill>
+                        <a:srgbClr val="000000"/>
+                      </a:solidFill>
+                      <a:prstDash val="solid"/>
+                      <a:round/>
+                      <a:headEnd type="none" w="med" len="med"/>
+                      <a:tailEnd type="none" w="med" len="med"/>
+                    </a:lnR>
+                    <a:lnT w="12700" cap="flat" cmpd="sng" algn="ctr">
+                      <a:solidFill>
+                        <a:srgbClr val="000000"/>
+                      </a:solidFill>
+                      <a:prstDash val="solid"/>
+                      <a:round/>
+                      <a:headEnd type="none" w="med" len="med"/>
+                      <a:tailEnd type="none" w="med" len="med"/>
+                    </a:lnT>
+                    <a:lnB w="12700" cap="flat" cmpd="sng" algn="ctr">
+                      <a:solidFill>
+                        <a:srgbClr val="000000"/>
+                      </a:solidFill>
+                      <a:prstDash val="solid"/>
+                      <a:round/>
+                      <a:headEnd type="none" w="med" len="med"/>
+                      <a:tailEnd type="none" w="med" len="med"/>
+                    </a:lnB>
+                    <a:noFill/>
+                  </a:tcPr>
+                </a:tc>
+                <a:tc>
+                  <a:txBody>
+                    <a:bodyPr/>
+                    <a:lstStyle/>
+                    <a:p>
+                      <a:pPr>
+                        <a:lnSpc>
+                          <a:spcPct val="115000"/>
+                        </a:lnSpc>
+                        <a:spcAft>
+                          <a:spcPts val="800"/>
+                        </a:spcAft>
+                        <a:buNone/>
+                      </a:pPr>
+                      <a:r>
+                        <a:rPr lang="en-GB" sz="1600" kern="100">
+                          <a:effectLst/>
+                          <a:latin typeface="Aptos" panose="020B0004020202020204" pitchFamily="34" charset="0"/>
+                          <a:ea typeface="Aptos" panose="020B0004020202020204" pitchFamily="34" charset="0"/>
+                          <a:cs typeface="Times New Roman" panose="02020603050405020304" pitchFamily="18" charset="0"/>
+                        </a:rPr>
+                        <a:t>Run manually</a:t>
+                      </a:r>
+                      <a:endParaRPr lang="en-GB" sz="1800" kern="100">
+                        <a:effectLst/>
+                        <a:latin typeface="Aptos" panose="020B0004020202020204" pitchFamily="34" charset="0"/>
+                        <a:ea typeface="Aptos" panose="020B0004020202020204" pitchFamily="34" charset="0"/>
+                        <a:cs typeface="Times New Roman" panose="02020603050405020304" pitchFamily="18" charset="0"/>
+                      </a:endParaRPr>
+                    </a:p>
+                  </a:txBody>
+                  <a:tcPr marL="68580" marR="68580" marT="0" marB="0">
+                    <a:lnL w="12700" cap="flat" cmpd="sng" algn="ctr">
+                      <a:solidFill>
+                        <a:srgbClr val="000000"/>
+                      </a:solidFill>
+                      <a:prstDash val="solid"/>
+                      <a:round/>
+                      <a:headEnd type="none" w="med" len="med"/>
+                      <a:tailEnd type="none" w="med" len="med"/>
+                    </a:lnL>
+                    <a:lnR w="12700" cap="flat" cmpd="sng" algn="ctr">
+                      <a:solidFill>
+                        <a:srgbClr val="000000"/>
+                      </a:solidFill>
+                      <a:prstDash val="solid"/>
+                      <a:round/>
+                      <a:headEnd type="none" w="med" len="med"/>
+                      <a:tailEnd type="none" w="med" len="med"/>
+                    </a:lnR>
+                    <a:lnT w="12700" cap="flat" cmpd="sng" algn="ctr">
+                      <a:solidFill>
+                        <a:srgbClr val="000000"/>
+                      </a:solidFill>
+                      <a:prstDash val="solid"/>
+                      <a:round/>
+                      <a:headEnd type="none" w="med" len="med"/>
+                      <a:tailEnd type="none" w="med" len="med"/>
+                    </a:lnT>
+                    <a:lnB w="12700" cap="flat" cmpd="sng" algn="ctr">
+                      <a:solidFill>
+                        <a:srgbClr val="000000"/>
+                      </a:solidFill>
+                      <a:prstDash val="solid"/>
+                      <a:round/>
+                      <a:headEnd type="none" w="med" len="med"/>
+                      <a:tailEnd type="none" w="med" len="med"/>
+                    </a:lnB>
+                    <a:noFill/>
+                  </a:tcPr>
+                </a:tc>
+                <a:tc>
+                  <a:txBody>
+                    <a:bodyPr/>
+                    <a:lstStyle/>
+                    <a:p>
+                      <a:pPr algn="ctr">
+                        <a:lnSpc>
+                          <a:spcPct val="115000"/>
+                        </a:lnSpc>
+                        <a:spcAft>
+                          <a:spcPts val="800"/>
+                        </a:spcAft>
+                        <a:buNone/>
+                      </a:pPr>
+                      <a:r>
+                        <a:rPr lang="en-GB" sz="1600" kern="100">
+                          <a:effectLst/>
+                          <a:latin typeface="Aptos" panose="020B0004020202020204" pitchFamily="34" charset="0"/>
+                          <a:ea typeface="Aptos" panose="020B0004020202020204" pitchFamily="34" charset="0"/>
+                          <a:cs typeface="Times New Roman" panose="02020603050405020304" pitchFamily="18" charset="0"/>
+                        </a:rPr>
+                        <a:t>No</a:t>
+                      </a:r>
+                      <a:endParaRPr lang="en-GB" sz="1800" kern="100">
+                        <a:effectLst/>
+                        <a:latin typeface="Aptos" panose="020B0004020202020204" pitchFamily="34" charset="0"/>
+                        <a:ea typeface="Aptos" panose="020B0004020202020204" pitchFamily="34" charset="0"/>
+                        <a:cs typeface="Times New Roman" panose="02020603050405020304" pitchFamily="18" charset="0"/>
+                      </a:endParaRPr>
+                    </a:p>
+                  </a:txBody>
+                  <a:tcPr marL="68580" marR="68580" marT="0" marB="0">
+                    <a:lnL w="12700" cap="flat" cmpd="sng" algn="ctr">
+                      <a:solidFill>
+                        <a:srgbClr val="000000"/>
+                      </a:solidFill>
+                      <a:prstDash val="solid"/>
+                      <a:round/>
+                      <a:headEnd type="none" w="med" len="med"/>
+                      <a:tailEnd type="none" w="med" len="med"/>
+                    </a:lnL>
+                    <a:lnR w="12700" cap="flat" cmpd="sng" algn="ctr">
+                      <a:solidFill>
+                        <a:srgbClr val="000000"/>
+                      </a:solidFill>
+                      <a:prstDash val="solid"/>
+                      <a:round/>
+                      <a:headEnd type="none" w="med" len="med"/>
+                      <a:tailEnd type="none" w="med" len="med"/>
+                    </a:lnR>
+                    <a:lnT w="12700" cap="flat" cmpd="sng" algn="ctr">
+                      <a:solidFill>
+                        <a:srgbClr val="000000"/>
+                      </a:solidFill>
+                      <a:prstDash val="solid"/>
+                      <a:round/>
+                      <a:headEnd type="none" w="med" len="med"/>
+                      <a:tailEnd type="none" w="med" len="med"/>
+                    </a:lnT>
+                    <a:lnB w="12700" cap="flat" cmpd="sng" algn="ctr">
+                      <a:solidFill>
+                        <a:srgbClr val="000000"/>
+                      </a:solidFill>
+                      <a:prstDash val="solid"/>
+                      <a:round/>
+                      <a:headEnd type="none" w="med" len="med"/>
+                      <a:tailEnd type="none" w="med" len="med"/>
+                    </a:lnB>
+                    <a:noFill/>
+                  </a:tcPr>
+                </a:tc>
+                <a:extLst>
+                  <a:ext uri="{0D108BD9-81ED-4DB2-BD59-A6C34878D82A}">
+                    <a16:rowId xmlns:a16="http://schemas.microsoft.com/office/drawing/2014/main" val="3030418910"/>
+                  </a:ext>
+                </a:extLst>
+              </a:tr>
+              <a:tr h="396793">
+                <a:tc>
+                  <a:txBody>
+                    <a:bodyPr/>
+                    <a:lstStyle/>
+                    <a:p>
+                      <a:pPr>
+                        <a:lnSpc>
+                          <a:spcPct val="115000"/>
+                        </a:lnSpc>
+                        <a:spcAft>
+                          <a:spcPts val="800"/>
+                        </a:spcAft>
+                        <a:buNone/>
+                      </a:pPr>
+                      <a:r>
+                        <a:rPr lang="en-GB" sz="1600" kern="100">
+                          <a:effectLst/>
+                          <a:latin typeface="Aptos" panose="020B0004020202020204" pitchFamily="34" charset="0"/>
+                          <a:ea typeface="Aptos" panose="020B0004020202020204" pitchFamily="34" charset="0"/>
+                          <a:cs typeface="Times New Roman" panose="02020603050405020304" pitchFamily="18" charset="0"/>
+                        </a:rPr>
+                        <a:t>Azure Key Vault</a:t>
+                      </a:r>
+                      <a:endParaRPr lang="en-GB" sz="1800" kern="100">
+                        <a:effectLst/>
+                        <a:latin typeface="Aptos" panose="020B0004020202020204" pitchFamily="34" charset="0"/>
+                        <a:ea typeface="Aptos" panose="020B0004020202020204" pitchFamily="34" charset="0"/>
+                        <a:cs typeface="Times New Roman" panose="02020603050405020304" pitchFamily="18" charset="0"/>
+                      </a:endParaRPr>
+                    </a:p>
+                  </a:txBody>
+                  <a:tcPr marL="68580" marR="68580" marT="0" marB="0">
+                    <a:lnL w="12700" cap="flat" cmpd="sng" algn="ctr">
+                      <a:solidFill>
+                        <a:srgbClr val="000000"/>
+                      </a:solidFill>
+                      <a:prstDash val="solid"/>
+                      <a:round/>
+                      <a:headEnd type="none" w="med" len="med"/>
+                      <a:tailEnd type="none" w="med" len="med"/>
+                    </a:lnL>
+                    <a:lnR w="12700" cap="flat" cmpd="sng" algn="ctr">
+                      <a:solidFill>
+                        <a:srgbClr val="000000"/>
+                      </a:solidFill>
+                      <a:prstDash val="solid"/>
+                      <a:round/>
+                      <a:headEnd type="none" w="med" len="med"/>
+                      <a:tailEnd type="none" w="med" len="med"/>
+                    </a:lnR>
+                    <a:lnT w="12700" cap="flat" cmpd="sng" algn="ctr">
+                      <a:solidFill>
+                        <a:srgbClr val="000000"/>
+                      </a:solidFill>
+                      <a:prstDash val="solid"/>
+                      <a:round/>
+                      <a:headEnd type="none" w="med" len="med"/>
+                      <a:tailEnd type="none" w="med" len="med"/>
+                    </a:lnT>
+                    <a:lnB w="12700" cap="flat" cmpd="sng" algn="ctr">
+                      <a:solidFill>
+                        <a:srgbClr val="000000"/>
+                      </a:solidFill>
+                      <a:prstDash val="solid"/>
+                      <a:round/>
+                      <a:headEnd type="none" w="med" len="med"/>
+                      <a:tailEnd type="none" w="med" len="med"/>
+                    </a:lnB>
+                    <a:solidFill>
+                      <a:schemeClr val="accent5">
+                        <a:lumMod val="20000"/>
+                        <a:lumOff val="80000"/>
+                      </a:schemeClr>
+                    </a:solidFill>
+                  </a:tcPr>
+                </a:tc>
+                <a:tc>
+                  <a:txBody>
+                    <a:bodyPr/>
+                    <a:lstStyle/>
+                    <a:p>
+                      <a:pPr algn="ctr">
+                        <a:lnSpc>
+                          <a:spcPct val="115000"/>
+                        </a:lnSpc>
+                        <a:spcAft>
+                          <a:spcPts val="800"/>
+                        </a:spcAft>
+                        <a:buNone/>
+                      </a:pPr>
+                      <a:r>
+                        <a:rPr lang="en-GB" sz="1600" kern="100">
+                          <a:effectLst/>
+                          <a:latin typeface="Aptos" panose="020B0004020202020204" pitchFamily="34" charset="0"/>
+                          <a:ea typeface="Aptos" panose="020B0004020202020204" pitchFamily="34" charset="0"/>
+                          <a:cs typeface="Times New Roman" panose="02020603050405020304" pitchFamily="18" charset="0"/>
+                        </a:rPr>
+                        <a:t>Yes</a:t>
+                      </a:r>
+                      <a:endParaRPr lang="en-GB" sz="1800" kern="100">
+                        <a:effectLst/>
+                        <a:latin typeface="Aptos" panose="020B0004020202020204" pitchFamily="34" charset="0"/>
+                        <a:ea typeface="Aptos" panose="020B0004020202020204" pitchFamily="34" charset="0"/>
+                        <a:cs typeface="Times New Roman" panose="02020603050405020304" pitchFamily="18" charset="0"/>
+                      </a:endParaRPr>
+                    </a:p>
+                  </a:txBody>
+                  <a:tcPr marL="68580" marR="68580" marT="0" marB="0">
+                    <a:lnL w="12700" cap="flat" cmpd="sng" algn="ctr">
+                      <a:solidFill>
+                        <a:srgbClr val="000000"/>
+                      </a:solidFill>
+                      <a:prstDash val="solid"/>
+                      <a:round/>
+                      <a:headEnd type="none" w="med" len="med"/>
+                      <a:tailEnd type="none" w="med" len="med"/>
+                    </a:lnL>
+                    <a:lnR w="12700" cap="flat" cmpd="sng" algn="ctr">
+                      <a:solidFill>
+                        <a:srgbClr val="000000"/>
+                      </a:solidFill>
+                      <a:prstDash val="solid"/>
+                      <a:round/>
+                      <a:headEnd type="none" w="med" len="med"/>
+                      <a:tailEnd type="none" w="med" len="med"/>
+                    </a:lnR>
+                    <a:lnT w="12700" cap="flat" cmpd="sng" algn="ctr">
+                      <a:solidFill>
+                        <a:srgbClr val="000000"/>
+                      </a:solidFill>
+                      <a:prstDash val="solid"/>
+                      <a:round/>
+                      <a:headEnd type="none" w="med" len="med"/>
+                      <a:tailEnd type="none" w="med" len="med"/>
+                    </a:lnT>
+                    <a:lnB w="12700" cap="flat" cmpd="sng" algn="ctr">
+                      <a:solidFill>
+                        <a:srgbClr val="000000"/>
+                      </a:solidFill>
+                      <a:prstDash val="solid"/>
+                      <a:round/>
+                      <a:headEnd type="none" w="med" len="med"/>
+                      <a:tailEnd type="none" w="med" len="med"/>
+                    </a:lnB>
+                    <a:solidFill>
+                      <a:schemeClr val="accent5">
+                        <a:lumMod val="20000"/>
+                        <a:lumOff val="80000"/>
+                      </a:schemeClr>
+                    </a:solidFill>
+                  </a:tcPr>
+                </a:tc>
+                <a:tc>
+                  <a:txBody>
+                    <a:bodyPr/>
+                    <a:lstStyle/>
+                    <a:p>
+                      <a:pPr>
+                        <a:lnSpc>
+                          <a:spcPct val="115000"/>
+                        </a:lnSpc>
+                        <a:spcAft>
+                          <a:spcPts val="800"/>
+                        </a:spcAft>
+                        <a:buNone/>
+                      </a:pPr>
+                      <a:r>
+                        <a:rPr lang="en-GB" sz="1600" kern="100">
+                          <a:effectLst/>
+                          <a:latin typeface="Aptos" panose="020B0004020202020204" pitchFamily="34" charset="0"/>
+                          <a:ea typeface="Aptos" panose="020B0004020202020204" pitchFamily="34" charset="0"/>
+                          <a:cs typeface="Times New Roman" panose="02020603050405020304" pitchFamily="18" charset="0"/>
+                        </a:rPr>
+                        <a:t>Centralized, cloud-managed</a:t>
+                      </a:r>
+                      <a:endParaRPr lang="en-GB" sz="1800" kern="100">
+                        <a:effectLst/>
+                        <a:latin typeface="Aptos" panose="020B0004020202020204" pitchFamily="34" charset="0"/>
+                        <a:ea typeface="Aptos" panose="020B0004020202020204" pitchFamily="34" charset="0"/>
+                        <a:cs typeface="Times New Roman" panose="02020603050405020304" pitchFamily="18" charset="0"/>
+                      </a:endParaRPr>
+                    </a:p>
+                  </a:txBody>
+                  <a:tcPr marL="68580" marR="68580" marT="0" marB="0">
+                    <a:lnL w="12700" cap="flat" cmpd="sng" algn="ctr">
+                      <a:solidFill>
+                        <a:srgbClr val="000000"/>
+                      </a:solidFill>
+                      <a:prstDash val="solid"/>
+                      <a:round/>
+                      <a:headEnd type="none" w="med" len="med"/>
+                      <a:tailEnd type="none" w="med" len="med"/>
+                    </a:lnL>
+                    <a:lnR w="12700" cap="flat" cmpd="sng" algn="ctr">
+                      <a:solidFill>
+                        <a:srgbClr val="000000"/>
+                      </a:solidFill>
+                      <a:prstDash val="solid"/>
+                      <a:round/>
+                      <a:headEnd type="none" w="med" len="med"/>
+                      <a:tailEnd type="none" w="med" len="med"/>
+                    </a:lnR>
+                    <a:lnT w="12700" cap="flat" cmpd="sng" algn="ctr">
+                      <a:solidFill>
+                        <a:srgbClr val="000000"/>
+                      </a:solidFill>
+                      <a:prstDash val="solid"/>
+                      <a:round/>
+                      <a:headEnd type="none" w="med" len="med"/>
+                      <a:tailEnd type="none" w="med" len="med"/>
+                    </a:lnT>
+                    <a:lnB w="12700" cap="flat" cmpd="sng" algn="ctr">
+                      <a:solidFill>
+                        <a:srgbClr val="000000"/>
+                      </a:solidFill>
+                      <a:prstDash val="solid"/>
+                      <a:round/>
+                      <a:headEnd type="none" w="med" len="med"/>
+                      <a:tailEnd type="none" w="med" len="med"/>
+                    </a:lnB>
+                    <a:solidFill>
+                      <a:schemeClr val="accent5">
+                        <a:lumMod val="20000"/>
+                        <a:lumOff val="80000"/>
+                      </a:schemeClr>
+                    </a:solidFill>
+                  </a:tcPr>
+                </a:tc>
+                <a:tc>
+                  <a:txBody>
+                    <a:bodyPr/>
+                    <a:lstStyle/>
+                    <a:p>
+                      <a:pPr algn="ctr">
+                        <a:lnSpc>
+                          <a:spcPct val="115000"/>
+                        </a:lnSpc>
+                        <a:spcAft>
+                          <a:spcPts val="800"/>
+                        </a:spcAft>
+                        <a:buNone/>
+                      </a:pPr>
+                      <a:r>
+                        <a:rPr lang="en-GB" sz="1600" kern="100" dirty="0">
+                          <a:effectLst/>
+                          <a:latin typeface="Aptos" panose="020B0004020202020204" pitchFamily="34" charset="0"/>
+                          <a:ea typeface="Aptos" panose="020B0004020202020204" pitchFamily="34" charset="0"/>
+                          <a:cs typeface="Times New Roman" panose="02020603050405020304" pitchFamily="18" charset="0"/>
+                        </a:rPr>
+                        <a:t>No</a:t>
+                      </a:r>
+                      <a:endParaRPr lang="en-GB" sz="1800" kern="100" dirty="0">
+                        <a:effectLst/>
+                        <a:latin typeface="Aptos" panose="020B0004020202020204" pitchFamily="34" charset="0"/>
+                        <a:ea typeface="Aptos" panose="020B0004020202020204" pitchFamily="34" charset="0"/>
+                        <a:cs typeface="Times New Roman" panose="02020603050405020304" pitchFamily="18" charset="0"/>
+                      </a:endParaRPr>
+                    </a:p>
+                  </a:txBody>
+                  <a:tcPr marL="68580" marR="68580" marT="0" marB="0">
+                    <a:lnL w="12700" cap="flat" cmpd="sng" algn="ctr">
+                      <a:solidFill>
+                        <a:srgbClr val="000000"/>
+                      </a:solidFill>
+                      <a:prstDash val="solid"/>
+                      <a:round/>
+                      <a:headEnd type="none" w="med" len="med"/>
+                      <a:tailEnd type="none" w="med" len="med"/>
+                    </a:lnL>
+                    <a:lnR w="12700" cap="flat" cmpd="sng" algn="ctr">
+                      <a:solidFill>
+                        <a:srgbClr val="000000"/>
+                      </a:solidFill>
+                      <a:prstDash val="solid"/>
+                      <a:round/>
+                      <a:headEnd type="none" w="med" len="med"/>
+                      <a:tailEnd type="none" w="med" len="med"/>
+                    </a:lnR>
+                    <a:lnT w="12700" cap="flat" cmpd="sng" algn="ctr">
+                      <a:solidFill>
+                        <a:srgbClr val="000000"/>
+                      </a:solidFill>
+                      <a:prstDash val="solid"/>
+                      <a:round/>
+                      <a:headEnd type="none" w="med" len="med"/>
+                      <a:tailEnd type="none" w="med" len="med"/>
+                    </a:lnT>
+                    <a:lnB w="12700" cap="flat" cmpd="sng" algn="ctr">
+                      <a:solidFill>
+                        <a:srgbClr val="000000"/>
+                      </a:solidFill>
+                      <a:prstDash val="solid"/>
+                      <a:round/>
+                      <a:headEnd type="none" w="med" len="med"/>
+                      <a:tailEnd type="none" w="med" len="med"/>
+                    </a:lnB>
+                    <a:solidFill>
+                      <a:schemeClr val="accent5">
+                        <a:lumMod val="20000"/>
+                        <a:lumOff val="80000"/>
+                      </a:schemeClr>
+                    </a:solidFill>
+                  </a:tcPr>
+                </a:tc>
+                <a:extLst>
+                  <a:ext uri="{0D108BD9-81ED-4DB2-BD59-A6C34878D82A}">
+                    <a16:rowId xmlns:a16="http://schemas.microsoft.com/office/drawing/2014/main" val="2178564432"/>
+                  </a:ext>
+                </a:extLst>
+              </a:tr>
+              <a:tr h="396793">
+                <a:tc>
+                  <a:txBody>
+                    <a:bodyPr/>
+                    <a:lstStyle/>
+                    <a:p>
+                      <a:pPr>
+                        <a:lnSpc>
+                          <a:spcPct val="115000"/>
+                        </a:lnSpc>
+                        <a:spcAft>
+                          <a:spcPts val="800"/>
+                        </a:spcAft>
+                        <a:buNone/>
+                      </a:pPr>
+                      <a:r>
+                        <a:rPr lang="en-GB" sz="1600" kern="100">
+                          <a:effectLst/>
+                          <a:latin typeface="Aptos" panose="020B0004020202020204" pitchFamily="34" charset="0"/>
+                          <a:ea typeface="Aptos" panose="020B0004020202020204" pitchFamily="34" charset="0"/>
+                          <a:cs typeface="Times New Roman" panose="02020603050405020304" pitchFamily="18" charset="0"/>
+                        </a:rPr>
+                        <a:t>AWS Secrets Manager </a:t>
+                      </a:r>
+                      <a:endParaRPr lang="en-GB" sz="1800" kern="100">
+                        <a:effectLst/>
+                        <a:latin typeface="Aptos" panose="020B0004020202020204" pitchFamily="34" charset="0"/>
+                        <a:ea typeface="Aptos" panose="020B0004020202020204" pitchFamily="34" charset="0"/>
+                        <a:cs typeface="Times New Roman" panose="02020603050405020304" pitchFamily="18" charset="0"/>
+                      </a:endParaRPr>
+                    </a:p>
+                  </a:txBody>
+                  <a:tcPr marL="68580" marR="68580" marT="0" marB="0">
+                    <a:lnL w="12700" cap="flat" cmpd="sng" algn="ctr">
+                      <a:solidFill>
+                        <a:srgbClr val="000000"/>
+                      </a:solidFill>
+                      <a:prstDash val="solid"/>
+                      <a:round/>
+                      <a:headEnd type="none" w="med" len="med"/>
+                      <a:tailEnd type="none" w="med" len="med"/>
+                    </a:lnL>
+                    <a:lnR w="12700" cap="flat" cmpd="sng" algn="ctr">
+                      <a:solidFill>
+                        <a:srgbClr val="000000"/>
+                      </a:solidFill>
+                      <a:prstDash val="solid"/>
+                      <a:round/>
+                      <a:headEnd type="none" w="med" len="med"/>
+                      <a:tailEnd type="none" w="med" len="med"/>
+                    </a:lnR>
+                    <a:lnT w="12700" cap="flat" cmpd="sng" algn="ctr">
+                      <a:solidFill>
+                        <a:srgbClr val="000000"/>
+                      </a:solidFill>
+                      <a:prstDash val="solid"/>
+                      <a:round/>
+                      <a:headEnd type="none" w="med" len="med"/>
+                      <a:tailEnd type="none" w="med" len="med"/>
+                    </a:lnT>
+                    <a:lnB w="12700" cap="flat" cmpd="sng" algn="ctr">
+                      <a:solidFill>
+                        <a:srgbClr val="000000"/>
+                      </a:solidFill>
+                      <a:prstDash val="solid"/>
+                      <a:round/>
+                      <a:headEnd type="none" w="med" len="med"/>
+                      <a:tailEnd type="none" w="med" len="med"/>
+                    </a:lnB>
+                    <a:noFill/>
+                  </a:tcPr>
+                </a:tc>
+                <a:tc>
+                  <a:txBody>
+                    <a:bodyPr/>
+                    <a:lstStyle/>
+                    <a:p>
+                      <a:pPr algn="ctr">
+                        <a:lnSpc>
+                          <a:spcPct val="115000"/>
+                        </a:lnSpc>
+                        <a:spcAft>
+                          <a:spcPts val="800"/>
+                        </a:spcAft>
+                        <a:buNone/>
+                      </a:pPr>
+                      <a:r>
+                        <a:rPr lang="en-GB" sz="1600" kern="100">
+                          <a:effectLst/>
+                          <a:latin typeface="Aptos" panose="020B0004020202020204" pitchFamily="34" charset="0"/>
+                          <a:ea typeface="Aptos" panose="020B0004020202020204" pitchFamily="34" charset="0"/>
+                          <a:cs typeface="Times New Roman" panose="02020603050405020304" pitchFamily="18" charset="0"/>
+                        </a:rPr>
+                        <a:t>Yes</a:t>
+                      </a:r>
+                      <a:endParaRPr lang="en-GB" sz="1800" kern="100">
+                        <a:effectLst/>
+                        <a:latin typeface="Aptos" panose="020B0004020202020204" pitchFamily="34" charset="0"/>
+                        <a:ea typeface="Aptos" panose="020B0004020202020204" pitchFamily="34" charset="0"/>
+                        <a:cs typeface="Times New Roman" panose="02020603050405020304" pitchFamily="18" charset="0"/>
+                      </a:endParaRPr>
+                    </a:p>
+                  </a:txBody>
+                  <a:tcPr marL="68580" marR="68580" marT="0" marB="0">
+                    <a:lnL w="12700" cap="flat" cmpd="sng" algn="ctr">
+                      <a:solidFill>
+                        <a:srgbClr val="000000"/>
+                      </a:solidFill>
+                      <a:prstDash val="solid"/>
+                      <a:round/>
+                      <a:headEnd type="none" w="med" len="med"/>
+                      <a:tailEnd type="none" w="med" len="med"/>
+                    </a:lnL>
+                    <a:lnR w="12700" cap="flat" cmpd="sng" algn="ctr">
+                      <a:solidFill>
+                        <a:srgbClr val="000000"/>
+                      </a:solidFill>
+                      <a:prstDash val="solid"/>
+                      <a:round/>
+                      <a:headEnd type="none" w="med" len="med"/>
+                      <a:tailEnd type="none" w="med" len="med"/>
+                    </a:lnR>
+                    <a:lnT w="12700" cap="flat" cmpd="sng" algn="ctr">
+                      <a:solidFill>
+                        <a:srgbClr val="000000"/>
+                      </a:solidFill>
+                      <a:prstDash val="solid"/>
+                      <a:round/>
+                      <a:headEnd type="none" w="med" len="med"/>
+                      <a:tailEnd type="none" w="med" len="med"/>
+                    </a:lnT>
+                    <a:lnB w="12700" cap="flat" cmpd="sng" algn="ctr">
+                      <a:solidFill>
+                        <a:srgbClr val="000000"/>
+                      </a:solidFill>
+                      <a:prstDash val="solid"/>
+                      <a:round/>
+                      <a:headEnd type="none" w="med" len="med"/>
+                      <a:tailEnd type="none" w="med" len="med"/>
+                    </a:lnB>
+                    <a:noFill/>
+                  </a:tcPr>
+                </a:tc>
+                <a:tc>
+                  <a:txBody>
+                    <a:bodyPr/>
+                    <a:lstStyle/>
+                    <a:p>
+                      <a:pPr>
+                        <a:lnSpc>
+                          <a:spcPct val="115000"/>
+                        </a:lnSpc>
+                        <a:spcAft>
+                          <a:spcPts val="800"/>
+                        </a:spcAft>
+                        <a:buNone/>
+                      </a:pPr>
+                      <a:r>
+                        <a:rPr lang="en-GB" sz="1600" kern="100">
+                          <a:effectLst/>
+                          <a:latin typeface="Aptos" panose="020B0004020202020204" pitchFamily="34" charset="0"/>
+                          <a:ea typeface="Aptos" panose="020B0004020202020204" pitchFamily="34" charset="0"/>
+                          <a:cs typeface="Times New Roman" panose="02020603050405020304" pitchFamily="18" charset="0"/>
+                        </a:rPr>
+                        <a:t>Centralized, cloud-managed</a:t>
+                      </a:r>
+                      <a:endParaRPr lang="en-GB" sz="1800" kern="100">
+                        <a:effectLst/>
+                        <a:latin typeface="Aptos" panose="020B0004020202020204" pitchFamily="34" charset="0"/>
+                        <a:ea typeface="Aptos" panose="020B0004020202020204" pitchFamily="34" charset="0"/>
+                        <a:cs typeface="Times New Roman" panose="02020603050405020304" pitchFamily="18" charset="0"/>
+                      </a:endParaRPr>
+                    </a:p>
+                  </a:txBody>
+                  <a:tcPr marL="68580" marR="68580" marT="0" marB="0">
+                    <a:lnL w="12700" cap="flat" cmpd="sng" algn="ctr">
+                      <a:solidFill>
+                        <a:srgbClr val="000000"/>
+                      </a:solidFill>
+                      <a:prstDash val="solid"/>
+                      <a:round/>
+                      <a:headEnd type="none" w="med" len="med"/>
+                      <a:tailEnd type="none" w="med" len="med"/>
+                    </a:lnL>
+                    <a:lnR w="12700" cap="flat" cmpd="sng" algn="ctr">
+                      <a:solidFill>
+                        <a:srgbClr val="000000"/>
+                      </a:solidFill>
+                      <a:prstDash val="solid"/>
+                      <a:round/>
+                      <a:headEnd type="none" w="med" len="med"/>
+                      <a:tailEnd type="none" w="med" len="med"/>
+                    </a:lnR>
+                    <a:lnT w="12700" cap="flat" cmpd="sng" algn="ctr">
+                      <a:solidFill>
+                        <a:srgbClr val="000000"/>
+                      </a:solidFill>
+                      <a:prstDash val="solid"/>
+                      <a:round/>
+                      <a:headEnd type="none" w="med" len="med"/>
+                      <a:tailEnd type="none" w="med" len="med"/>
+                    </a:lnT>
+                    <a:lnB w="12700" cap="flat" cmpd="sng" algn="ctr">
+                      <a:solidFill>
+                        <a:srgbClr val="000000"/>
+                      </a:solidFill>
+                      <a:prstDash val="solid"/>
+                      <a:round/>
+                      <a:headEnd type="none" w="med" len="med"/>
+                      <a:tailEnd type="none" w="med" len="med"/>
+                    </a:lnB>
+                    <a:noFill/>
+                  </a:tcPr>
+                </a:tc>
+                <a:tc>
+                  <a:txBody>
+                    <a:bodyPr/>
+                    <a:lstStyle/>
+                    <a:p>
+                      <a:pPr algn="ctr">
+                        <a:lnSpc>
+                          <a:spcPct val="115000"/>
+                        </a:lnSpc>
+                        <a:spcAft>
+                          <a:spcPts val="800"/>
+                        </a:spcAft>
+                        <a:buNone/>
+                      </a:pPr>
+                      <a:r>
+                        <a:rPr lang="en-GB" sz="1600" kern="100">
+                          <a:effectLst/>
+                          <a:latin typeface="Aptos" panose="020B0004020202020204" pitchFamily="34" charset="0"/>
+                          <a:ea typeface="Aptos" panose="020B0004020202020204" pitchFamily="34" charset="0"/>
+                          <a:cs typeface="Times New Roman" panose="02020603050405020304" pitchFamily="18" charset="0"/>
+                        </a:rPr>
+                        <a:t>No</a:t>
+                      </a:r>
+                      <a:endParaRPr lang="en-GB" sz="1800" kern="100">
+                        <a:effectLst/>
+                        <a:latin typeface="Aptos" panose="020B0004020202020204" pitchFamily="34" charset="0"/>
+                        <a:ea typeface="Aptos" panose="020B0004020202020204" pitchFamily="34" charset="0"/>
+                        <a:cs typeface="Times New Roman" panose="02020603050405020304" pitchFamily="18" charset="0"/>
+                      </a:endParaRPr>
+                    </a:p>
+                  </a:txBody>
+                  <a:tcPr marL="68580" marR="68580" marT="0" marB="0">
+                    <a:lnL w="12700" cap="flat" cmpd="sng" algn="ctr">
+                      <a:solidFill>
+                        <a:srgbClr val="000000"/>
+                      </a:solidFill>
+                      <a:prstDash val="solid"/>
+                      <a:round/>
+                      <a:headEnd type="none" w="med" len="med"/>
+                      <a:tailEnd type="none" w="med" len="med"/>
+                    </a:lnL>
+                    <a:lnR w="12700" cap="flat" cmpd="sng" algn="ctr">
+                      <a:solidFill>
+                        <a:srgbClr val="000000"/>
+                      </a:solidFill>
+                      <a:prstDash val="solid"/>
+                      <a:round/>
+                      <a:headEnd type="none" w="med" len="med"/>
+                      <a:tailEnd type="none" w="med" len="med"/>
+                    </a:lnR>
+                    <a:lnT w="12700" cap="flat" cmpd="sng" algn="ctr">
+                      <a:solidFill>
+                        <a:srgbClr val="000000"/>
+                      </a:solidFill>
+                      <a:prstDash val="solid"/>
+                      <a:round/>
+                      <a:headEnd type="none" w="med" len="med"/>
+                      <a:tailEnd type="none" w="med" len="med"/>
+                    </a:lnT>
+                    <a:lnB w="12700" cap="flat" cmpd="sng" algn="ctr">
+                      <a:solidFill>
+                        <a:srgbClr val="000000"/>
+                      </a:solidFill>
+                      <a:prstDash val="solid"/>
+                      <a:round/>
+                      <a:headEnd type="none" w="med" len="med"/>
+                      <a:tailEnd type="none" w="med" len="med"/>
+                    </a:lnB>
+                    <a:noFill/>
+                  </a:tcPr>
+                </a:tc>
+                <a:extLst>
+                  <a:ext uri="{0D108BD9-81ED-4DB2-BD59-A6C34878D82A}">
+                    <a16:rowId xmlns:a16="http://schemas.microsoft.com/office/drawing/2014/main" val="1013164337"/>
+                  </a:ext>
+                </a:extLst>
+              </a:tr>
+              <a:tr h="396793">
+                <a:tc>
+                  <a:txBody>
+                    <a:bodyPr/>
+                    <a:lstStyle/>
+                    <a:p>
+                      <a:pPr>
+                        <a:lnSpc>
+                          <a:spcPct val="115000"/>
+                        </a:lnSpc>
+                        <a:spcAft>
+                          <a:spcPts val="800"/>
+                        </a:spcAft>
+                        <a:buNone/>
+                      </a:pPr>
+                      <a:r>
+                        <a:rPr lang="en-GB" sz="1600" kern="100" dirty="0">
+                          <a:effectLst/>
+                          <a:latin typeface="Aptos" panose="020B0004020202020204" pitchFamily="34" charset="0"/>
+                          <a:ea typeface="Aptos" panose="020B0004020202020204" pitchFamily="34" charset="0"/>
+                          <a:cs typeface="Times New Roman" panose="02020603050405020304" pitchFamily="18" charset="0"/>
+                        </a:rPr>
+                        <a:t>GCP Secret Manager</a:t>
+                      </a:r>
+                      <a:endParaRPr lang="en-GB" sz="1800" kern="100" dirty="0">
+                        <a:effectLst/>
+                        <a:latin typeface="Aptos" panose="020B0004020202020204" pitchFamily="34" charset="0"/>
+                        <a:ea typeface="Aptos" panose="020B0004020202020204" pitchFamily="34" charset="0"/>
+                        <a:cs typeface="Times New Roman" panose="02020603050405020304" pitchFamily="18" charset="0"/>
+                      </a:endParaRPr>
+                    </a:p>
+                  </a:txBody>
+                  <a:tcPr marL="68580" marR="68580" marT="0" marB="0">
+                    <a:lnL w="12700" cap="flat" cmpd="sng" algn="ctr">
+                      <a:solidFill>
+                        <a:srgbClr val="000000"/>
+                      </a:solidFill>
+                      <a:prstDash val="solid"/>
+                      <a:round/>
+                      <a:headEnd type="none" w="med" len="med"/>
+                      <a:tailEnd type="none" w="med" len="med"/>
+                    </a:lnL>
+                    <a:lnR w="12700" cap="flat" cmpd="sng" algn="ctr">
+                      <a:solidFill>
+                        <a:srgbClr val="000000"/>
+                      </a:solidFill>
+                      <a:prstDash val="solid"/>
+                      <a:round/>
+                      <a:headEnd type="none" w="med" len="med"/>
+                      <a:tailEnd type="none" w="med" len="med"/>
+                    </a:lnR>
+                    <a:lnT w="12700" cap="flat" cmpd="sng" algn="ctr">
+                      <a:solidFill>
+                        <a:srgbClr val="000000"/>
+                      </a:solidFill>
+                      <a:prstDash val="solid"/>
+                      <a:round/>
+                      <a:headEnd type="none" w="med" len="med"/>
+                      <a:tailEnd type="none" w="med" len="med"/>
+                    </a:lnT>
+                    <a:lnB w="12700" cap="flat" cmpd="sng" algn="ctr">
+                      <a:solidFill>
+                        <a:srgbClr val="000000"/>
+                      </a:solidFill>
+                      <a:prstDash val="solid"/>
+                      <a:round/>
+                      <a:headEnd type="none" w="med" len="med"/>
+                      <a:tailEnd type="none" w="med" len="med"/>
+                    </a:lnB>
+                    <a:solidFill>
+                      <a:schemeClr val="accent5">
+                        <a:lumMod val="20000"/>
+                        <a:lumOff val="80000"/>
+                      </a:schemeClr>
+                    </a:solidFill>
+                  </a:tcPr>
+                </a:tc>
+                <a:tc>
+                  <a:txBody>
+                    <a:bodyPr/>
+                    <a:lstStyle/>
+                    <a:p>
+                      <a:pPr algn="ctr">
+                        <a:lnSpc>
+                          <a:spcPct val="115000"/>
+                        </a:lnSpc>
+                        <a:spcAft>
+                          <a:spcPts val="800"/>
+                        </a:spcAft>
+                        <a:buNone/>
+                      </a:pPr>
+                      <a:r>
+                        <a:rPr lang="en-GB" sz="1600" kern="100" dirty="0">
+                          <a:effectLst/>
+                          <a:latin typeface="Aptos" panose="020B0004020202020204" pitchFamily="34" charset="0"/>
+                          <a:ea typeface="Aptos" panose="020B0004020202020204" pitchFamily="34" charset="0"/>
+                          <a:cs typeface="Times New Roman" panose="02020603050405020304" pitchFamily="18" charset="0"/>
+                        </a:rPr>
+                        <a:t>Yes</a:t>
+                      </a:r>
+                      <a:endParaRPr lang="en-GB" sz="1800" kern="100" dirty="0">
+                        <a:effectLst/>
+                        <a:latin typeface="Aptos" panose="020B0004020202020204" pitchFamily="34" charset="0"/>
+                        <a:ea typeface="Aptos" panose="020B0004020202020204" pitchFamily="34" charset="0"/>
+                        <a:cs typeface="Times New Roman" panose="02020603050405020304" pitchFamily="18" charset="0"/>
+                      </a:endParaRPr>
+                    </a:p>
+                  </a:txBody>
+                  <a:tcPr marL="68580" marR="68580" marT="0" marB="0">
+                    <a:lnL w="12700" cap="flat" cmpd="sng" algn="ctr">
+                      <a:solidFill>
+                        <a:srgbClr val="000000"/>
+                      </a:solidFill>
+                      <a:prstDash val="solid"/>
+                      <a:round/>
+                      <a:headEnd type="none" w="med" len="med"/>
+                      <a:tailEnd type="none" w="med" len="med"/>
+                    </a:lnL>
+                    <a:lnR w="12700" cap="flat" cmpd="sng" algn="ctr">
+                      <a:solidFill>
+                        <a:srgbClr val="000000"/>
+                      </a:solidFill>
+                      <a:prstDash val="solid"/>
+                      <a:round/>
+                      <a:headEnd type="none" w="med" len="med"/>
+                      <a:tailEnd type="none" w="med" len="med"/>
+                    </a:lnR>
+                    <a:lnT w="12700" cap="flat" cmpd="sng" algn="ctr">
+                      <a:solidFill>
+                        <a:srgbClr val="000000"/>
+                      </a:solidFill>
+                      <a:prstDash val="solid"/>
+                      <a:round/>
+                      <a:headEnd type="none" w="med" len="med"/>
+                      <a:tailEnd type="none" w="med" len="med"/>
+                    </a:lnT>
+                    <a:lnB w="12700" cap="flat" cmpd="sng" algn="ctr">
+                      <a:solidFill>
+                        <a:srgbClr val="000000"/>
+                      </a:solidFill>
+                      <a:prstDash val="solid"/>
+                      <a:round/>
+                      <a:headEnd type="none" w="med" len="med"/>
+                      <a:tailEnd type="none" w="med" len="med"/>
+                    </a:lnB>
+                    <a:solidFill>
+                      <a:schemeClr val="accent5">
+                        <a:lumMod val="20000"/>
+                        <a:lumOff val="80000"/>
+                      </a:schemeClr>
+                    </a:solidFill>
+                  </a:tcPr>
+                </a:tc>
+                <a:tc>
+                  <a:txBody>
+                    <a:bodyPr/>
+                    <a:lstStyle/>
+                    <a:p>
+                      <a:pPr>
+                        <a:lnSpc>
+                          <a:spcPct val="115000"/>
+                        </a:lnSpc>
+                        <a:spcAft>
+                          <a:spcPts val="800"/>
+                        </a:spcAft>
+                        <a:buNone/>
+                      </a:pPr>
+                      <a:r>
+                        <a:rPr lang="en-GB" sz="1600" kern="100" dirty="0">
+                          <a:effectLst/>
+                          <a:latin typeface="Aptos" panose="020B0004020202020204" pitchFamily="34" charset="0"/>
+                          <a:ea typeface="Aptos" panose="020B0004020202020204" pitchFamily="34" charset="0"/>
+                          <a:cs typeface="Times New Roman" panose="02020603050405020304" pitchFamily="18" charset="0"/>
+                        </a:rPr>
+                        <a:t>Centralized, cloud-managed</a:t>
+                      </a:r>
+                      <a:endParaRPr lang="en-GB" sz="1800" kern="100" dirty="0">
+                        <a:effectLst/>
+                        <a:latin typeface="Aptos" panose="020B0004020202020204" pitchFamily="34" charset="0"/>
+                        <a:ea typeface="Aptos" panose="020B0004020202020204" pitchFamily="34" charset="0"/>
+                        <a:cs typeface="Times New Roman" panose="02020603050405020304" pitchFamily="18" charset="0"/>
+                      </a:endParaRPr>
+                    </a:p>
+                  </a:txBody>
+                  <a:tcPr marL="68580" marR="68580" marT="0" marB="0">
+                    <a:lnL w="12700" cap="flat" cmpd="sng" algn="ctr">
+                      <a:solidFill>
+                        <a:srgbClr val="000000"/>
+                      </a:solidFill>
+                      <a:prstDash val="solid"/>
+                      <a:round/>
+                      <a:headEnd type="none" w="med" len="med"/>
+                      <a:tailEnd type="none" w="med" len="med"/>
+                    </a:lnL>
+                    <a:lnR w="12700" cap="flat" cmpd="sng" algn="ctr">
+                      <a:solidFill>
+                        <a:srgbClr val="000000"/>
+                      </a:solidFill>
+                      <a:prstDash val="solid"/>
+                      <a:round/>
+                      <a:headEnd type="none" w="med" len="med"/>
+                      <a:tailEnd type="none" w="med" len="med"/>
+                    </a:lnR>
+                    <a:lnT w="12700" cap="flat" cmpd="sng" algn="ctr">
+                      <a:solidFill>
+                        <a:srgbClr val="000000"/>
+                      </a:solidFill>
+                      <a:prstDash val="solid"/>
+                      <a:round/>
+                      <a:headEnd type="none" w="med" len="med"/>
+                      <a:tailEnd type="none" w="med" len="med"/>
+                    </a:lnT>
+                    <a:lnB w="12700" cap="flat" cmpd="sng" algn="ctr">
+                      <a:solidFill>
+                        <a:srgbClr val="000000"/>
+                      </a:solidFill>
+                      <a:prstDash val="solid"/>
+                      <a:round/>
+                      <a:headEnd type="none" w="med" len="med"/>
+                      <a:tailEnd type="none" w="med" len="med"/>
+                    </a:lnB>
+                    <a:solidFill>
+                      <a:schemeClr val="accent5">
+                        <a:lumMod val="20000"/>
+                        <a:lumOff val="80000"/>
+                      </a:schemeClr>
+                    </a:solidFill>
+                  </a:tcPr>
+                </a:tc>
+                <a:tc>
+                  <a:txBody>
+                    <a:bodyPr/>
+                    <a:lstStyle/>
+                    <a:p>
+                      <a:pPr algn="ctr">
+                        <a:lnSpc>
+                          <a:spcPct val="115000"/>
+                        </a:lnSpc>
+                        <a:spcAft>
+                          <a:spcPts val="800"/>
+                        </a:spcAft>
+                        <a:buNone/>
+                      </a:pPr>
+                      <a:r>
+                        <a:rPr lang="en-GB" sz="1600" kern="100" dirty="0">
+                          <a:effectLst/>
+                          <a:latin typeface="Aptos" panose="020B0004020202020204" pitchFamily="34" charset="0"/>
+                          <a:ea typeface="Aptos" panose="020B0004020202020204" pitchFamily="34" charset="0"/>
+                          <a:cs typeface="Times New Roman" panose="02020603050405020304" pitchFamily="18" charset="0"/>
+                        </a:rPr>
+                        <a:t>No</a:t>
+                      </a:r>
+                      <a:endParaRPr lang="en-GB" sz="1800" kern="100" dirty="0">
+                        <a:effectLst/>
+                        <a:latin typeface="Aptos" panose="020B0004020202020204" pitchFamily="34" charset="0"/>
+                        <a:ea typeface="Aptos" panose="020B0004020202020204" pitchFamily="34" charset="0"/>
+                        <a:cs typeface="Times New Roman" panose="02020603050405020304" pitchFamily="18" charset="0"/>
+                      </a:endParaRPr>
+                    </a:p>
+                  </a:txBody>
+                  <a:tcPr marL="68580" marR="68580" marT="0" marB="0">
+                    <a:lnL w="12700" cap="flat" cmpd="sng" algn="ctr">
+                      <a:solidFill>
+                        <a:srgbClr val="000000"/>
+                      </a:solidFill>
+                      <a:prstDash val="solid"/>
+                      <a:round/>
+                      <a:headEnd type="none" w="med" len="med"/>
+                      <a:tailEnd type="none" w="med" len="med"/>
+                    </a:lnL>
+                    <a:lnR w="12700" cap="flat" cmpd="sng" algn="ctr">
+                      <a:solidFill>
+                        <a:srgbClr val="000000"/>
+                      </a:solidFill>
+                      <a:prstDash val="solid"/>
+                      <a:round/>
+                      <a:headEnd type="none" w="med" len="med"/>
+                      <a:tailEnd type="none" w="med" len="med"/>
+                    </a:lnR>
+                    <a:lnT w="12700" cap="flat" cmpd="sng" algn="ctr">
+                      <a:solidFill>
+                        <a:srgbClr val="000000"/>
+                      </a:solidFill>
+                      <a:prstDash val="solid"/>
+                      <a:round/>
+                      <a:headEnd type="none" w="med" len="med"/>
+                      <a:tailEnd type="none" w="med" len="med"/>
+                    </a:lnT>
+                    <a:lnB w="12700" cap="flat" cmpd="sng" algn="ctr">
+                      <a:solidFill>
+                        <a:srgbClr val="000000"/>
+                      </a:solidFill>
+                      <a:prstDash val="solid"/>
+                      <a:round/>
+                      <a:headEnd type="none" w="med" len="med"/>
+                      <a:tailEnd type="none" w="med" len="med"/>
+                    </a:lnB>
+                    <a:solidFill>
+                      <a:schemeClr val="accent5">
+                        <a:lumMod val="20000"/>
+                        <a:lumOff val="80000"/>
+                      </a:schemeClr>
+                    </a:solidFill>
+                  </a:tcPr>
+                </a:tc>
+                <a:extLst>
+                  <a:ext uri="{0D108BD9-81ED-4DB2-BD59-A6C34878D82A}">
+                    <a16:rowId xmlns:a16="http://schemas.microsoft.com/office/drawing/2014/main" val="2524277399"/>
+                  </a:ext>
+                </a:extLst>
+              </a:tr>
+            </a:tbl>
+          </a:graphicData>
+        </a:graphic>
+      </p:graphicFrame>
+    </p:spTree>
+    <p:extLst>
+      <p:ext uri="{BB962C8B-B14F-4D97-AF65-F5344CB8AC3E}">
+        <p14:creationId xmlns:p14="http://schemas.microsoft.com/office/powerpoint/2010/main" val="1678248993"/>
+      </p:ext>
+    </p:extLst>
+  </p:cSld>
+  <p:clrMapOvr>
+    <a:masterClrMapping/>
+  </p:clrMapOvr>
+</p:sld>
+</file>
+
+<file path=ppt/slides/slide11.xml><?xml version="1.0" encoding="utf-8"?>
+<p:sld xmlns:a="http://schemas.openxmlformats.org/drawingml/2006/main" xmlns:r="http://schemas.openxmlformats.org/officeDocument/2006/relationships" xmlns:p="http://schemas.openxmlformats.org/presentationml/2006/main">
+  <p:cSld>
+    <p:spTree>
+      <p:nvGrpSpPr>
+        <p:cNvPr id="1" name=""/>
+        <p:cNvGrpSpPr/>
+        <p:nvPr/>
+      </p:nvGrpSpPr>
+      <p:grpSpPr>
+        <a:xfrm>
+          <a:off x="0" y="0"/>
+          <a:ext cx="0" cy="0"/>
+          <a:chOff x="0" y="0"/>
+          <a:chExt cx="0" cy="0"/>
+        </a:xfrm>
+      </p:grpSpPr>
+      <p:sp>
+        <p:nvSpPr>
           <p:cNvPr id="2" name="Title 1"/>
           <p:cNvSpPr>
             <a:spLocks noGrp="1"/>
@@ -5077,7 +8569,7 @@
 </p:sld>
 </file>
 
-<file path=ppt/slides/slide11.xml><?xml version="1.0" encoding="utf-8"?>
+<file path=ppt/slides/slide12.xml><?xml version="1.0" encoding="utf-8"?>
 <p:sld xmlns:a="http://schemas.openxmlformats.org/drawingml/2006/main" xmlns:r="http://schemas.openxmlformats.org/officeDocument/2006/relationships" xmlns:p="http://schemas.openxmlformats.org/presentationml/2006/main">
   <p:cSld>
     <p:spTree>
@@ -5442,7 +8934,7 @@
 </p:sld>
 </file>
 
-<file path=ppt/slides/slide12.xml><?xml version="1.0" encoding="utf-8"?>
+<file path=ppt/slides/slide13.xml><?xml version="1.0" encoding="utf-8"?>
 <p:sld xmlns:a="http://schemas.openxmlformats.org/drawingml/2006/main" xmlns:r="http://schemas.openxmlformats.org/officeDocument/2006/relationships" xmlns:p="http://schemas.openxmlformats.org/presentationml/2006/main">
   <p:cSld>
     <p:spTree>
@@ -5536,7 +9028,7 @@
 </p:sld>
 </file>
 
-<file path=ppt/slides/slide13.xml><?xml version="1.0" encoding="utf-8"?>
+<file path=ppt/slides/slide14.xml><?xml version="1.0" encoding="utf-8"?>
 <p:sld xmlns:a="http://schemas.openxmlformats.org/drawingml/2006/main" xmlns:r="http://schemas.openxmlformats.org/officeDocument/2006/relationships" xmlns:p="http://schemas.openxmlformats.org/presentationml/2006/main">
   <p:cSld>
     <p:spTree>
@@ -5685,6 +9177,788 @@
 </p:sld>
 </file>
 
+<file path=ppt/slides/slide15.xml><?xml version="1.0" encoding="utf-8"?>
+<p:sld xmlns:a="http://schemas.openxmlformats.org/drawingml/2006/main" xmlns:r="http://schemas.openxmlformats.org/officeDocument/2006/relationships" xmlns:p="http://schemas.openxmlformats.org/presentationml/2006/main">
+  <p:cSld>
+    <p:spTree>
+      <p:nvGrpSpPr>
+        <p:cNvPr id="1" name=""/>
+        <p:cNvGrpSpPr/>
+        <p:nvPr/>
+      </p:nvGrpSpPr>
+      <p:grpSpPr>
+        <a:xfrm>
+          <a:off x="0" y="0"/>
+          <a:ext cx="0" cy="0"/>
+          <a:chOff x="0" y="0"/>
+          <a:chExt cx="0" cy="0"/>
+        </a:xfrm>
+      </p:grpSpPr>
+      <p:sp>
+        <p:nvSpPr>
+          <p:cNvPr id="3" name="Text Placeholder 2">
+            <a:extLst>
+              <a:ext uri="{FF2B5EF4-FFF2-40B4-BE49-F238E27FC236}">
+                <a16:creationId xmlns:a16="http://schemas.microsoft.com/office/drawing/2014/main" id="{AC0254E4-7688-1C3F-BD9E-988EE1FCF22D}"/>
+              </a:ext>
+            </a:extLst>
+          </p:cNvPr>
+          <p:cNvSpPr>
+            <a:spLocks noGrp="1"/>
+          </p:cNvSpPr>
+          <p:nvPr>
+            <p:ph type="body" idx="1"/>
+          </p:nvPr>
+        </p:nvSpPr>
+        <p:spPr>
+          <a:xfrm>
+            <a:off x="831850" y="701749"/>
+            <a:ext cx="10515600" cy="5387901"/>
+          </a:xfrm>
+        </p:spPr>
+        <p:txBody>
+          <a:bodyPr/>
+          <a:lstStyle/>
+          <a:p>
+            <a:r>
+              <a:rPr lang="en-GB" sz="2800" dirty="0">
+                <a:solidFill>
+                  <a:schemeClr val="tx1"/>
+                </a:solidFill>
+              </a:rPr>
+              <a:t>Question 1</a:t>
+            </a:r>
+          </a:p>
+          <a:p>
+            <a:r>
+              <a:rPr lang="en-GB" dirty="0">
+                <a:solidFill>
+                  <a:schemeClr val="tx1"/>
+                </a:solidFill>
+              </a:rPr>
+              <a:t>Which of the following is the most secure method for storing Service Principal credentials used in Terraform automation?</a:t>
+            </a:r>
+          </a:p>
+          <a:p>
+            <a:pPr marL="457200" indent="-457200">
+              <a:buAutoNum type="alphaUcPeriod"/>
+            </a:pPr>
+            <a:r>
+              <a:rPr lang="en-GB" dirty="0">
+                <a:solidFill>
+                  <a:schemeClr val="tx1"/>
+                </a:solidFill>
+              </a:rPr>
+              <a:t>Hardcoded in the Terraform script</a:t>
+            </a:r>
+          </a:p>
+          <a:p>
+            <a:pPr marL="457200" indent="-457200">
+              <a:buAutoNum type="alphaUcPeriod"/>
+            </a:pPr>
+            <a:r>
+              <a:rPr lang="en-GB" dirty="0">
+                <a:solidFill>
+                  <a:schemeClr val="tx1"/>
+                </a:solidFill>
+              </a:rPr>
+              <a:t>Stored in a .env file in source control</a:t>
+            </a:r>
+          </a:p>
+          <a:p>
+            <a:pPr marL="457200" indent="-457200">
+              <a:buAutoNum type="alphaUcPeriod"/>
+            </a:pPr>
+            <a:r>
+              <a:rPr lang="en-GB" dirty="0">
+                <a:solidFill>
+                  <a:schemeClr val="tx1"/>
+                </a:solidFill>
+              </a:rPr>
+              <a:t>Stored in Azure Key Vault or other cloud secret manager</a:t>
+            </a:r>
+          </a:p>
+          <a:p>
+            <a:pPr marL="457200" indent="-457200">
+              <a:buAutoNum type="alphaUcPeriod"/>
+            </a:pPr>
+            <a:r>
+              <a:rPr lang="en-GB" dirty="0">
+                <a:solidFill>
+                  <a:schemeClr val="tx1"/>
+                </a:solidFill>
+              </a:rPr>
+              <a:t>Exported as environment variables during login session</a:t>
+            </a:r>
+          </a:p>
+        </p:txBody>
+      </p:sp>
+    </p:spTree>
+    <p:extLst>
+      <p:ext uri="{BB962C8B-B14F-4D97-AF65-F5344CB8AC3E}">
+        <p14:creationId xmlns:p14="http://schemas.microsoft.com/office/powerpoint/2010/main" val="1130002602"/>
+      </p:ext>
+    </p:extLst>
+  </p:cSld>
+  <p:clrMapOvr>
+    <a:masterClrMapping/>
+  </p:clrMapOvr>
+</p:sld>
+</file>
+
+<file path=ppt/slides/slide16.xml><?xml version="1.0" encoding="utf-8"?>
+<p:sld xmlns:a="http://schemas.openxmlformats.org/drawingml/2006/main" xmlns:r="http://schemas.openxmlformats.org/officeDocument/2006/relationships" xmlns:p="http://schemas.openxmlformats.org/presentationml/2006/main">
+  <p:cSld>
+    <p:spTree>
+      <p:nvGrpSpPr>
+        <p:cNvPr id="1" name="">
+          <a:extLst>
+            <a:ext uri="{FF2B5EF4-FFF2-40B4-BE49-F238E27FC236}">
+              <a16:creationId xmlns:a16="http://schemas.microsoft.com/office/drawing/2014/main" id="{D2C166D6-63AE-4ABF-FB07-0E415153B77F}"/>
+            </a:ext>
+          </a:extLst>
+        </p:cNvPr>
+        <p:cNvGrpSpPr/>
+        <p:nvPr/>
+      </p:nvGrpSpPr>
+      <p:grpSpPr>
+        <a:xfrm>
+          <a:off x="0" y="0"/>
+          <a:ext cx="0" cy="0"/>
+          <a:chOff x="0" y="0"/>
+          <a:chExt cx="0" cy="0"/>
+        </a:xfrm>
+      </p:grpSpPr>
+      <p:sp>
+        <p:nvSpPr>
+          <p:cNvPr id="3" name="Text Placeholder 2">
+            <a:extLst>
+              <a:ext uri="{FF2B5EF4-FFF2-40B4-BE49-F238E27FC236}">
+                <a16:creationId xmlns:a16="http://schemas.microsoft.com/office/drawing/2014/main" id="{8451C1D5-73EC-FE2C-1510-FEF4574CE927}"/>
+              </a:ext>
+            </a:extLst>
+          </p:cNvPr>
+          <p:cNvSpPr>
+            <a:spLocks noGrp="1"/>
+          </p:cNvSpPr>
+          <p:nvPr>
+            <p:ph type="body" idx="1"/>
+          </p:nvPr>
+        </p:nvSpPr>
+        <p:spPr>
+          <a:xfrm>
+            <a:off x="831850" y="701749"/>
+            <a:ext cx="10515600" cy="5387901"/>
+          </a:xfrm>
+        </p:spPr>
+        <p:txBody>
+          <a:bodyPr/>
+          <a:lstStyle/>
+          <a:p>
+            <a:r>
+              <a:rPr lang="en-GB" sz="2800" dirty="0">
+                <a:solidFill>
+                  <a:schemeClr val="tx1"/>
+                </a:solidFill>
+              </a:rPr>
+              <a:t>Question 1</a:t>
+            </a:r>
+          </a:p>
+          <a:p>
+            <a:r>
+              <a:rPr lang="en-GB" dirty="0">
+                <a:solidFill>
+                  <a:schemeClr val="tx1"/>
+                </a:solidFill>
+              </a:rPr>
+              <a:t>Which of the following is the most secure method for storing Service Principal credentials used in Terraform automation?</a:t>
+            </a:r>
+          </a:p>
+          <a:p>
+            <a:pPr marL="457200" indent="-457200">
+              <a:buAutoNum type="alphaUcPeriod"/>
+            </a:pPr>
+            <a:r>
+              <a:rPr lang="en-GB" dirty="0">
+                <a:solidFill>
+                  <a:schemeClr val="tx1"/>
+                </a:solidFill>
+              </a:rPr>
+              <a:t>Hardcoded in the Terraform script</a:t>
+            </a:r>
+          </a:p>
+          <a:p>
+            <a:pPr marL="457200" indent="-457200">
+              <a:buAutoNum type="alphaUcPeriod"/>
+            </a:pPr>
+            <a:r>
+              <a:rPr lang="en-GB" dirty="0">
+                <a:solidFill>
+                  <a:schemeClr val="tx1"/>
+                </a:solidFill>
+              </a:rPr>
+              <a:t>Stored in a .env file in source control</a:t>
+            </a:r>
+          </a:p>
+          <a:p>
+            <a:pPr marL="457200" indent="-457200">
+              <a:buAutoNum type="alphaUcPeriod"/>
+            </a:pPr>
+            <a:r>
+              <a:rPr lang="en-GB" b="1" dirty="0">
+                <a:solidFill>
+                  <a:schemeClr val="accent6">
+                    <a:lumMod val="50000"/>
+                  </a:schemeClr>
+                </a:solidFill>
+              </a:rPr>
+              <a:t>Stored in Azure Key Vault or other cloud secret manager</a:t>
+            </a:r>
+          </a:p>
+          <a:p>
+            <a:pPr marL="457200" indent="-457200">
+              <a:buAutoNum type="alphaUcPeriod"/>
+            </a:pPr>
+            <a:r>
+              <a:rPr lang="en-GB" dirty="0">
+                <a:solidFill>
+                  <a:schemeClr val="tx1"/>
+                </a:solidFill>
+              </a:rPr>
+              <a:t>Exported as environment variables during login session</a:t>
+            </a:r>
+          </a:p>
+          <a:p>
+            <a:pPr marL="457200" indent="-457200">
+              <a:buAutoNum type="alphaUcPeriod"/>
+            </a:pPr>
+            <a:endParaRPr lang="en-GB" dirty="0">
+              <a:solidFill>
+                <a:schemeClr val="tx1"/>
+              </a:solidFill>
+            </a:endParaRPr>
+          </a:p>
+          <a:p>
+            <a:r>
+              <a:rPr lang="en-GB" dirty="0">
+                <a:solidFill>
+                  <a:schemeClr val="tx1"/>
+                </a:solidFill>
+              </a:rPr>
+              <a:t>Correct Answer: C</a:t>
+            </a:r>
+          </a:p>
+          <a:p>
+            <a:r>
+              <a:rPr lang="en-GB" dirty="0">
+                <a:solidFill>
+                  <a:schemeClr val="tx1"/>
+                </a:solidFill>
+              </a:rPr>
+              <a:t>Explanation: Cloud-native secret managers offer encryption, RBAC, audit logging, and rotation—ideal for securely storing credentials used by Terraform.</a:t>
+            </a:r>
+          </a:p>
+        </p:txBody>
+      </p:sp>
+    </p:spTree>
+    <p:extLst>
+      <p:ext uri="{BB962C8B-B14F-4D97-AF65-F5344CB8AC3E}">
+        <p14:creationId xmlns:p14="http://schemas.microsoft.com/office/powerpoint/2010/main" val="1805439283"/>
+      </p:ext>
+    </p:extLst>
+  </p:cSld>
+  <p:clrMapOvr>
+    <a:masterClrMapping/>
+  </p:clrMapOvr>
+</p:sld>
+</file>
+
+<file path=ppt/slides/slide17.xml><?xml version="1.0" encoding="utf-8"?>
+<p:sld xmlns:a="http://schemas.openxmlformats.org/drawingml/2006/main" xmlns:r="http://schemas.openxmlformats.org/officeDocument/2006/relationships" xmlns:p="http://schemas.openxmlformats.org/presentationml/2006/main">
+  <p:cSld>
+    <p:spTree>
+      <p:nvGrpSpPr>
+        <p:cNvPr id="1" name=""/>
+        <p:cNvGrpSpPr/>
+        <p:nvPr/>
+      </p:nvGrpSpPr>
+      <p:grpSpPr>
+        <a:xfrm>
+          <a:off x="0" y="0"/>
+          <a:ext cx="0" cy="0"/>
+          <a:chOff x="0" y="0"/>
+          <a:chExt cx="0" cy="0"/>
+        </a:xfrm>
+      </p:grpSpPr>
+      <p:sp>
+        <p:nvSpPr>
+          <p:cNvPr id="3" name="Text Placeholder 2">
+            <a:extLst>
+              <a:ext uri="{FF2B5EF4-FFF2-40B4-BE49-F238E27FC236}">
+                <a16:creationId xmlns:a16="http://schemas.microsoft.com/office/drawing/2014/main" id="{07B8A7CE-0EB6-3702-4DDF-27FCDF1579B9}"/>
+              </a:ext>
+            </a:extLst>
+          </p:cNvPr>
+          <p:cNvSpPr>
+            <a:spLocks noGrp="1"/>
+          </p:cNvSpPr>
+          <p:nvPr>
+            <p:ph type="body" idx="1"/>
+          </p:nvPr>
+        </p:nvSpPr>
+        <p:spPr>
+          <a:xfrm>
+            <a:off x="831849" y="765544"/>
+            <a:ext cx="10874597" cy="5324107"/>
+          </a:xfrm>
+        </p:spPr>
+        <p:txBody>
+          <a:bodyPr>
+            <a:normAutofit/>
+          </a:bodyPr>
+          <a:lstStyle/>
+          <a:p>
+            <a:pPr>
+              <a:buNone/>
+            </a:pPr>
+            <a:r>
+              <a:rPr lang="en-GB" dirty="0">
+                <a:solidFill>
+                  <a:schemeClr val="tx1"/>
+                </a:solidFill>
+              </a:rPr>
+              <a:t>Question 2</a:t>
+            </a:r>
+          </a:p>
+          <a:p>
+            <a:pPr>
+              <a:buNone/>
+            </a:pPr>
+            <a:r>
+              <a:rPr lang="en-GB" dirty="0">
+                <a:solidFill>
+                  <a:schemeClr val="tx1"/>
+                </a:solidFill>
+              </a:rPr>
+              <a:t>Which authentication model eliminates the need to store credentials and is best suited for internal cloud workloads like VMs or Kubernetes?</a:t>
+            </a:r>
+          </a:p>
+          <a:p>
+            <a:pPr>
+              <a:lnSpc>
+                <a:spcPct val="150000"/>
+              </a:lnSpc>
+              <a:buNone/>
+            </a:pPr>
+            <a:r>
+              <a:rPr lang="en-GB" dirty="0">
+                <a:solidFill>
+                  <a:schemeClr val="tx1"/>
+                </a:solidFill>
+              </a:rPr>
+              <a:t>A. Service Principals / IAM Users</a:t>
+            </a:r>
+            <a:br>
+              <a:rPr lang="en-GB" dirty="0">
+                <a:solidFill>
+                  <a:schemeClr val="tx1"/>
+                </a:solidFill>
+              </a:rPr>
+            </a:br>
+            <a:r>
+              <a:rPr lang="en-GB" dirty="0">
+                <a:solidFill>
+                  <a:schemeClr val="tx1"/>
+                </a:solidFill>
+              </a:rPr>
+              <a:t>B. Managed Identities / Instance Profiles / Workload Identity Federation</a:t>
+            </a:r>
+            <a:br>
+              <a:rPr lang="en-GB" dirty="0">
+                <a:solidFill>
+                  <a:schemeClr val="tx1"/>
+                </a:solidFill>
+              </a:rPr>
+            </a:br>
+            <a:r>
+              <a:rPr lang="en-GB" dirty="0">
+                <a:solidFill>
+                  <a:schemeClr val="tx1"/>
+                </a:solidFill>
+              </a:rPr>
+              <a:t>C. API Keys</a:t>
+            </a:r>
+            <a:br>
+              <a:rPr lang="en-GB" dirty="0">
+                <a:solidFill>
+                  <a:schemeClr val="tx1"/>
+                </a:solidFill>
+              </a:rPr>
+            </a:br>
+            <a:r>
+              <a:rPr lang="en-GB" dirty="0">
+                <a:solidFill>
+                  <a:schemeClr val="tx1"/>
+                </a:solidFill>
+              </a:rPr>
+              <a:t>D. SSH Key Pairs</a:t>
+            </a:r>
+          </a:p>
+          <a:p>
+            <a:endParaRPr lang="en-GB" sz="2000" dirty="0"/>
+          </a:p>
+        </p:txBody>
+      </p:sp>
+    </p:spTree>
+    <p:extLst>
+      <p:ext uri="{BB962C8B-B14F-4D97-AF65-F5344CB8AC3E}">
+        <p14:creationId xmlns:p14="http://schemas.microsoft.com/office/powerpoint/2010/main" val="2670048152"/>
+      </p:ext>
+    </p:extLst>
+  </p:cSld>
+  <p:clrMapOvr>
+    <a:masterClrMapping/>
+  </p:clrMapOvr>
+</p:sld>
+</file>
+
+<file path=ppt/slides/slide18.xml><?xml version="1.0" encoding="utf-8"?>
+<p:sld xmlns:a="http://schemas.openxmlformats.org/drawingml/2006/main" xmlns:r="http://schemas.openxmlformats.org/officeDocument/2006/relationships" xmlns:p="http://schemas.openxmlformats.org/presentationml/2006/main">
+  <p:cSld>
+    <p:spTree>
+      <p:nvGrpSpPr>
+        <p:cNvPr id="1" name="">
+          <a:extLst>
+            <a:ext uri="{FF2B5EF4-FFF2-40B4-BE49-F238E27FC236}">
+              <a16:creationId xmlns:a16="http://schemas.microsoft.com/office/drawing/2014/main" id="{4651B6B2-CA40-8773-8226-A212CEB70AC5}"/>
+            </a:ext>
+          </a:extLst>
+        </p:cNvPr>
+        <p:cNvGrpSpPr/>
+        <p:nvPr/>
+      </p:nvGrpSpPr>
+      <p:grpSpPr>
+        <a:xfrm>
+          <a:off x="0" y="0"/>
+          <a:ext cx="0" cy="0"/>
+          <a:chOff x="0" y="0"/>
+          <a:chExt cx="0" cy="0"/>
+        </a:xfrm>
+      </p:grpSpPr>
+      <p:sp>
+        <p:nvSpPr>
+          <p:cNvPr id="3" name="Text Placeholder 2">
+            <a:extLst>
+              <a:ext uri="{FF2B5EF4-FFF2-40B4-BE49-F238E27FC236}">
+                <a16:creationId xmlns:a16="http://schemas.microsoft.com/office/drawing/2014/main" id="{66247347-ED04-A361-1FEF-6E449EF321B4}"/>
+              </a:ext>
+            </a:extLst>
+          </p:cNvPr>
+          <p:cNvSpPr>
+            <a:spLocks noGrp="1"/>
+          </p:cNvSpPr>
+          <p:nvPr>
+            <p:ph type="body" idx="1"/>
+          </p:nvPr>
+        </p:nvSpPr>
+        <p:spPr>
+          <a:xfrm>
+            <a:off x="831849" y="765544"/>
+            <a:ext cx="10874597" cy="5324107"/>
+          </a:xfrm>
+        </p:spPr>
+        <p:txBody>
+          <a:bodyPr>
+            <a:normAutofit/>
+          </a:bodyPr>
+          <a:lstStyle/>
+          <a:p>
+            <a:pPr>
+              <a:buNone/>
+            </a:pPr>
+            <a:r>
+              <a:rPr lang="en-GB" dirty="0">
+                <a:solidFill>
+                  <a:schemeClr val="tx1"/>
+                </a:solidFill>
+              </a:rPr>
+              <a:t>Question 2</a:t>
+            </a:r>
+          </a:p>
+          <a:p>
+            <a:pPr>
+              <a:buNone/>
+            </a:pPr>
+            <a:r>
+              <a:rPr lang="en-GB" dirty="0">
+                <a:solidFill>
+                  <a:schemeClr val="tx1"/>
+                </a:solidFill>
+              </a:rPr>
+              <a:t>Which authentication model eliminates the need to store credentials and is best suited for internal cloud workloads like VMs or Kubernetes?</a:t>
+            </a:r>
+          </a:p>
+          <a:p>
+            <a:pPr>
+              <a:lnSpc>
+                <a:spcPct val="150000"/>
+              </a:lnSpc>
+              <a:buNone/>
+            </a:pPr>
+            <a:r>
+              <a:rPr lang="en-GB" dirty="0">
+                <a:solidFill>
+                  <a:schemeClr val="tx1"/>
+                </a:solidFill>
+              </a:rPr>
+              <a:t>A. Service Principals / IAM Users</a:t>
+            </a:r>
+            <a:br>
+              <a:rPr lang="en-GB" dirty="0">
+                <a:solidFill>
+                  <a:schemeClr val="tx1"/>
+                </a:solidFill>
+              </a:rPr>
+            </a:br>
+            <a:r>
+              <a:rPr lang="en-GB" b="1" dirty="0">
+                <a:solidFill>
+                  <a:schemeClr val="accent6">
+                    <a:lumMod val="50000"/>
+                  </a:schemeClr>
+                </a:solidFill>
+              </a:rPr>
+              <a:t>B. Managed Identities / Instance Profiles / Workload Identity Federation</a:t>
+            </a:r>
+            <a:br>
+              <a:rPr lang="en-GB" dirty="0">
+                <a:solidFill>
+                  <a:schemeClr val="tx1"/>
+                </a:solidFill>
+              </a:rPr>
+            </a:br>
+            <a:r>
+              <a:rPr lang="en-GB" dirty="0">
+                <a:solidFill>
+                  <a:schemeClr val="tx1"/>
+                </a:solidFill>
+              </a:rPr>
+              <a:t>C. API Keys</a:t>
+            </a:r>
+            <a:br>
+              <a:rPr lang="en-GB" dirty="0">
+                <a:solidFill>
+                  <a:schemeClr val="tx1"/>
+                </a:solidFill>
+              </a:rPr>
+            </a:br>
+            <a:r>
+              <a:rPr lang="en-GB" dirty="0">
+                <a:solidFill>
+                  <a:schemeClr val="tx1"/>
+                </a:solidFill>
+              </a:rPr>
+              <a:t>D. SSH Key Pairs</a:t>
+            </a:r>
+          </a:p>
+          <a:p>
+            <a:pPr>
+              <a:spcBef>
+                <a:spcPts val="1200"/>
+              </a:spcBef>
+              <a:spcAft>
+                <a:spcPts val="600"/>
+              </a:spcAft>
+            </a:pPr>
+            <a:r>
+              <a:rPr lang="en-GB" dirty="0">
+                <a:solidFill>
+                  <a:schemeClr val="tx1"/>
+                </a:solidFill>
+              </a:rPr>
+              <a:t>Correct Answer: B</a:t>
+            </a:r>
+            <a:br>
+              <a:rPr lang="en-GB" dirty="0">
+                <a:solidFill>
+                  <a:schemeClr val="tx1"/>
+                </a:solidFill>
+              </a:rPr>
+            </a:br>
+            <a:r>
+              <a:rPr lang="en-GB" dirty="0">
+                <a:solidFill>
+                  <a:schemeClr val="tx1"/>
+                </a:solidFill>
+              </a:rPr>
+              <a:t>Explanation: These models allow cloud workloads to assume identities without manually managing or rotating credentials.</a:t>
+            </a:r>
+          </a:p>
+          <a:p>
+            <a:endParaRPr lang="en-GB" sz="2000" dirty="0"/>
+          </a:p>
+        </p:txBody>
+      </p:sp>
+    </p:spTree>
+    <p:extLst>
+      <p:ext uri="{BB962C8B-B14F-4D97-AF65-F5344CB8AC3E}">
+        <p14:creationId xmlns:p14="http://schemas.microsoft.com/office/powerpoint/2010/main" val="898758643"/>
+      </p:ext>
+    </p:extLst>
+  </p:cSld>
+  <p:clrMapOvr>
+    <a:masterClrMapping/>
+  </p:clrMapOvr>
+</p:sld>
+</file>
+
+<file path=ppt/slides/slide19.xml><?xml version="1.0" encoding="utf-8"?>
+<p:sld xmlns:a="http://schemas.openxmlformats.org/drawingml/2006/main" xmlns:r="http://schemas.openxmlformats.org/officeDocument/2006/relationships" xmlns:p="http://schemas.openxmlformats.org/presentationml/2006/main">
+  <p:cSld>
+    <p:spTree>
+      <p:nvGrpSpPr>
+        <p:cNvPr id="1" name=""/>
+        <p:cNvGrpSpPr/>
+        <p:nvPr/>
+      </p:nvGrpSpPr>
+      <p:grpSpPr>
+        <a:xfrm>
+          <a:off x="0" y="0"/>
+          <a:ext cx="0" cy="0"/>
+          <a:chOff x="0" y="0"/>
+          <a:chExt cx="0" cy="0"/>
+        </a:xfrm>
+      </p:grpSpPr>
+      <p:sp>
+        <p:nvSpPr>
+          <p:cNvPr id="3" name="Text Placeholder 2">
+            <a:extLst>
+              <a:ext uri="{FF2B5EF4-FFF2-40B4-BE49-F238E27FC236}">
+                <a16:creationId xmlns:a16="http://schemas.microsoft.com/office/drawing/2014/main" id="{8577DD1B-9185-9130-5233-A900261DAFAA}"/>
+              </a:ext>
+            </a:extLst>
+          </p:cNvPr>
+          <p:cNvSpPr>
+            <a:spLocks noGrp="1"/>
+          </p:cNvSpPr>
+          <p:nvPr>
+            <p:ph type="body" idx="1"/>
+          </p:nvPr>
+        </p:nvSpPr>
+        <p:spPr>
+          <a:xfrm>
+            <a:off x="831850" y="733647"/>
+            <a:ext cx="10515600" cy="5356003"/>
+          </a:xfrm>
+        </p:spPr>
+        <p:txBody>
+          <a:bodyPr/>
+          <a:lstStyle/>
+          <a:p>
+            <a:pPr>
+              <a:buNone/>
+            </a:pPr>
+            <a:r>
+              <a:rPr lang="en-GB" dirty="0">
+                <a:solidFill>
+                  <a:schemeClr val="tx1"/>
+                </a:solidFill>
+              </a:rPr>
+              <a:t>Question 3</a:t>
+            </a:r>
+          </a:p>
+          <a:p>
+            <a:pPr>
+              <a:buNone/>
+            </a:pPr>
+            <a:r>
+              <a:rPr lang="en-GB" dirty="0">
+                <a:solidFill>
+                  <a:schemeClr val="tx1"/>
+                </a:solidFill>
+              </a:rPr>
+              <a:t>What is a key limitation of using temporary environment variables for Terraform authentication?</a:t>
+            </a:r>
+          </a:p>
+          <a:p>
+            <a:pPr>
+              <a:lnSpc>
+                <a:spcPct val="150000"/>
+              </a:lnSpc>
+              <a:buNone/>
+            </a:pPr>
+            <a:r>
+              <a:rPr lang="en-GB" dirty="0">
+                <a:solidFill>
+                  <a:schemeClr val="tx1"/>
+                </a:solidFill>
+              </a:rPr>
+              <a:t>A. They are encrypted and hard to retrieve</a:t>
+            </a:r>
+            <a:br>
+              <a:rPr lang="en-GB" dirty="0">
+                <a:solidFill>
+                  <a:schemeClr val="tx1"/>
+                </a:solidFill>
+              </a:rPr>
+            </a:br>
+            <a:r>
+              <a:rPr lang="en-GB" dirty="0">
+                <a:solidFill>
+                  <a:schemeClr val="tx1"/>
+                </a:solidFill>
+              </a:rPr>
+              <a:t>B. They require admin permissions</a:t>
+            </a:r>
+            <a:br>
+              <a:rPr lang="en-GB" dirty="0">
+                <a:solidFill>
+                  <a:schemeClr val="tx1"/>
+                </a:solidFill>
+              </a:rPr>
+            </a:br>
+            <a:r>
+              <a:rPr lang="en-GB" dirty="0">
+                <a:solidFill>
+                  <a:schemeClr val="tx1"/>
+                </a:solidFill>
+              </a:rPr>
+              <a:t>C. They do not persist once the session ends</a:t>
+            </a:r>
+            <a:br>
+              <a:rPr lang="en-GB" dirty="0">
+                <a:solidFill>
+                  <a:schemeClr val="tx1"/>
+                </a:solidFill>
+              </a:rPr>
+            </a:br>
+            <a:r>
+              <a:rPr lang="en-GB" dirty="0">
+                <a:solidFill>
+                  <a:schemeClr val="tx1"/>
+                </a:solidFill>
+              </a:rPr>
+              <a:t>D. They automatically rotate every hour</a:t>
+            </a:r>
+          </a:p>
+          <a:p>
+            <a:endParaRPr lang="en-GB" dirty="0"/>
+          </a:p>
+        </p:txBody>
+      </p:sp>
+    </p:spTree>
+    <p:extLst>
+      <p:ext uri="{BB962C8B-B14F-4D97-AF65-F5344CB8AC3E}">
+        <p14:creationId xmlns:p14="http://schemas.microsoft.com/office/powerpoint/2010/main" val="4168523021"/>
+      </p:ext>
+    </p:extLst>
+  </p:cSld>
+  <p:clrMapOvr>
+    <a:masterClrMapping/>
+  </p:clrMapOvr>
+</p:sld>
+</file>
+
 <file path=ppt/slides/slide2.xml><?xml version="1.0" encoding="utf-8"?>
 <p:sld xmlns:a="http://schemas.openxmlformats.org/drawingml/2006/main" xmlns:r="http://schemas.openxmlformats.org/officeDocument/2006/relationships" xmlns:p="http://schemas.openxmlformats.org/presentationml/2006/main">
   <p:cSld>
@@ -5768,6 +10042,186 @@
         </p:txBody>
       </p:sp>
     </p:spTree>
+  </p:cSld>
+  <p:clrMapOvr>
+    <a:masterClrMapping/>
+  </p:clrMapOvr>
+</p:sld>
+</file>
+
+<file path=ppt/slides/slide20.xml><?xml version="1.0" encoding="utf-8"?>
+<p:sld xmlns:a="http://schemas.openxmlformats.org/drawingml/2006/main" xmlns:r="http://schemas.openxmlformats.org/officeDocument/2006/relationships" xmlns:p="http://schemas.openxmlformats.org/presentationml/2006/main">
+  <p:cSld>
+    <p:spTree>
+      <p:nvGrpSpPr>
+        <p:cNvPr id="1" name="">
+          <a:extLst>
+            <a:ext uri="{FF2B5EF4-FFF2-40B4-BE49-F238E27FC236}">
+              <a16:creationId xmlns:a16="http://schemas.microsoft.com/office/drawing/2014/main" id="{FD7E45E9-64D2-E148-282A-1B2D5D67D6CE}"/>
+            </a:ext>
+          </a:extLst>
+        </p:cNvPr>
+        <p:cNvGrpSpPr/>
+        <p:nvPr/>
+      </p:nvGrpSpPr>
+      <p:grpSpPr>
+        <a:xfrm>
+          <a:off x="0" y="0"/>
+          <a:ext cx="0" cy="0"/>
+          <a:chOff x="0" y="0"/>
+          <a:chExt cx="0" cy="0"/>
+        </a:xfrm>
+      </p:grpSpPr>
+      <p:sp>
+        <p:nvSpPr>
+          <p:cNvPr id="3" name="Text Placeholder 2">
+            <a:extLst>
+              <a:ext uri="{FF2B5EF4-FFF2-40B4-BE49-F238E27FC236}">
+                <a16:creationId xmlns:a16="http://schemas.microsoft.com/office/drawing/2014/main" id="{15B9BCF5-624F-3FBD-C2DD-7D2F7B1D2973}"/>
+              </a:ext>
+            </a:extLst>
+          </p:cNvPr>
+          <p:cNvSpPr>
+            <a:spLocks noGrp="1"/>
+          </p:cNvSpPr>
+          <p:nvPr>
+            <p:ph type="body" idx="1"/>
+          </p:nvPr>
+        </p:nvSpPr>
+        <p:spPr>
+          <a:xfrm>
+            <a:off x="831850" y="733647"/>
+            <a:ext cx="10515600" cy="5356003"/>
+          </a:xfrm>
+        </p:spPr>
+        <p:txBody>
+          <a:bodyPr/>
+          <a:lstStyle/>
+          <a:p>
+            <a:pPr>
+              <a:buNone/>
+            </a:pPr>
+            <a:r>
+              <a:rPr lang="en-GB" dirty="0">
+                <a:solidFill>
+                  <a:schemeClr val="tx1"/>
+                </a:solidFill>
+              </a:rPr>
+              <a:t>Question 3</a:t>
+            </a:r>
+          </a:p>
+          <a:p>
+            <a:pPr>
+              <a:buNone/>
+            </a:pPr>
+            <a:r>
+              <a:rPr lang="en-GB" dirty="0">
+                <a:solidFill>
+                  <a:schemeClr val="tx1"/>
+                </a:solidFill>
+              </a:rPr>
+              <a:t>What is a key limitation of using temporary environment variables for Terraform authentication?</a:t>
+            </a:r>
+          </a:p>
+          <a:p>
+            <a:pPr>
+              <a:lnSpc>
+                <a:spcPct val="150000"/>
+              </a:lnSpc>
+              <a:buNone/>
+            </a:pPr>
+            <a:r>
+              <a:rPr lang="en-GB" dirty="0">
+                <a:solidFill>
+                  <a:schemeClr val="tx1"/>
+                </a:solidFill>
+              </a:rPr>
+              <a:t>A. They are encrypted and hard to retrieve</a:t>
+            </a:r>
+            <a:br>
+              <a:rPr lang="en-GB" dirty="0">
+                <a:solidFill>
+                  <a:schemeClr val="tx1"/>
+                </a:solidFill>
+              </a:rPr>
+            </a:br>
+            <a:r>
+              <a:rPr lang="en-GB" dirty="0">
+                <a:solidFill>
+                  <a:schemeClr val="tx1"/>
+                </a:solidFill>
+              </a:rPr>
+              <a:t>B. They require admin permissions</a:t>
+            </a:r>
+            <a:br>
+              <a:rPr lang="en-GB" dirty="0">
+                <a:solidFill>
+                  <a:schemeClr val="tx1"/>
+                </a:solidFill>
+              </a:rPr>
+            </a:br>
+            <a:r>
+              <a:rPr lang="en-GB" b="1" dirty="0">
+                <a:solidFill>
+                  <a:schemeClr val="accent6">
+                    <a:lumMod val="50000"/>
+                  </a:schemeClr>
+                </a:solidFill>
+              </a:rPr>
+              <a:t>C. They do not persist once the session ends</a:t>
+            </a:r>
+            <a:br>
+              <a:rPr lang="en-GB" dirty="0">
+                <a:solidFill>
+                  <a:schemeClr val="tx1"/>
+                </a:solidFill>
+              </a:rPr>
+            </a:br>
+            <a:r>
+              <a:rPr lang="en-GB" dirty="0">
+                <a:solidFill>
+                  <a:schemeClr val="tx1"/>
+                </a:solidFill>
+              </a:rPr>
+              <a:t>D. They automatically rotate every hour</a:t>
+            </a:r>
+          </a:p>
+          <a:p>
+            <a:r>
+              <a:rPr lang="en-GB" dirty="0">
+                <a:solidFill>
+                  <a:schemeClr val="tx1"/>
+                </a:solidFill>
+              </a:rPr>
+              <a:t>Correct Answer: C</a:t>
+            </a:r>
+            <a:br>
+              <a:rPr lang="en-GB" dirty="0">
+                <a:solidFill>
+                  <a:schemeClr val="tx1"/>
+                </a:solidFill>
+              </a:rPr>
+            </a:br>
+            <a:r>
+              <a:rPr lang="en-GB" dirty="0">
+                <a:solidFill>
+                  <a:schemeClr val="tx1"/>
+                </a:solidFill>
+              </a:rPr>
+              <a:t>Explanation: Temporary environment variables exist only for the active session—once the terminal is closed, they are lost.</a:t>
+            </a:r>
+          </a:p>
+          <a:p>
+            <a:endParaRPr lang="en-GB" dirty="0"/>
+          </a:p>
+        </p:txBody>
+      </p:sp>
+    </p:spTree>
+    <p:extLst>
+      <p:ext uri="{BB962C8B-B14F-4D97-AF65-F5344CB8AC3E}">
+        <p14:creationId xmlns:p14="http://schemas.microsoft.com/office/powerpoint/2010/main" val="1930078952"/>
+      </p:ext>
+    </p:extLst>
   </p:cSld>
   <p:clrMapOvr>
     <a:masterClrMapping/>
@@ -6539,8 +10993,8 @@
         </p:nvSpPr>
         <p:spPr>
           <a:xfrm>
-            <a:off x="3494333" y="4139723"/>
-            <a:ext cx="4913067" cy="1388908"/>
+            <a:off x="3494333" y="4331710"/>
+            <a:ext cx="6170662" cy="1165323"/>
           </a:xfrm>
           <a:solidFill>
             <a:schemeClr val="accent1">
@@ -6568,7 +11022,7 @@
               <a:buNone/>
             </a:pPr>
             <a:r>
-              <a:rPr sz="1100" dirty="0">
+              <a:rPr sz="1400" dirty="0">
                 <a:solidFill>
                   <a:schemeClr val="accent4"/>
                 </a:solidFill>
@@ -6584,7 +11038,7 @@
               <a:buNone/>
             </a:pPr>
             <a:r>
-              <a:rPr sz="1100" dirty="0">
+              <a:rPr sz="1400" dirty="0">
                 <a:solidFill>
                   <a:schemeClr val="accent4"/>
                 </a:solidFill>
@@ -6600,7 +11054,7 @@
               <a:buNone/>
             </a:pPr>
             <a:r>
-              <a:rPr sz="1100" dirty="0">
+              <a:rPr sz="1400" dirty="0">
                 <a:solidFill>
                   <a:schemeClr val="accent4"/>
                 </a:solidFill>
@@ -6616,28 +11070,20 @@
               <a:buNone/>
             </a:pPr>
             <a:r>
-              <a:rPr sz="1100" dirty="0">
+              <a:rPr lang="en-GB" sz="1400" dirty="0">
                 <a:solidFill>
                   <a:schemeClr val="accent4"/>
                 </a:solidFill>
               </a:rPr>
-              <a:t>  region</a:t>
-            </a:r>
-            <a:r>
-              <a:rPr lang="en-GB" sz="1100" dirty="0">
+              <a:t>  </a:t>
+            </a:r>
+            <a:r>
+              <a:rPr sz="1400" dirty="0">
                 <a:solidFill>
                   <a:schemeClr val="accent4"/>
                 </a:solidFill>
               </a:rPr>
-              <a:t> </a:t>
-            </a:r>
-            <a:r>
-              <a:rPr sz="1100" dirty="0">
-                <a:solidFill>
-                  <a:schemeClr val="accent4"/>
-                </a:solidFill>
-              </a:rPr>
-              <a:t>= "us-east-1"</a:t>
+              <a:t>region = "us-central1"</a:t>
             </a:r>
           </a:p>
           <a:p>
@@ -6648,55 +11094,7 @@
               <a:buNone/>
             </a:pPr>
             <a:r>
-              <a:rPr sz="1100" dirty="0">
-                <a:solidFill>
-                  <a:schemeClr val="accent4"/>
-                </a:solidFill>
-              </a:rPr>
-              <a:t>}</a:t>
-            </a:r>
-          </a:p>
-          <a:p>
-            <a:pPr marL="0" indent="0">
-              <a:spcBef>
-                <a:spcPts val="0"/>
-              </a:spcBef>
-              <a:buNone/>
-            </a:pPr>
-            <a:r>
-              <a:rPr sz="1100" dirty="0">
-                <a:solidFill>
-                  <a:schemeClr val="accent4"/>
-                </a:solidFill>
-              </a:rPr>
-              <a:t>project = "your-project-id"</a:t>
-            </a:r>
-          </a:p>
-          <a:p>
-            <a:pPr marL="0" indent="0">
-              <a:spcBef>
-                <a:spcPts val="0"/>
-              </a:spcBef>
-              <a:buNone/>
-            </a:pPr>
-            <a:r>
-              <a:rPr sz="1100" dirty="0">
-                <a:solidFill>
-                  <a:schemeClr val="accent4"/>
-                </a:solidFill>
-              </a:rPr>
-              <a:t>  region = "us-central1"</a:t>
-            </a:r>
-          </a:p>
-          <a:p>
-            <a:pPr marL="0" indent="0">
-              <a:spcBef>
-                <a:spcPts val="0"/>
-              </a:spcBef>
-              <a:buNone/>
-            </a:pPr>
-            <a:r>
-              <a:rPr sz="1100" dirty="0">
+              <a:rPr sz="1400" dirty="0">
                 <a:solidFill>
                   <a:schemeClr val="accent4"/>
                 </a:solidFill>
@@ -6710,7 +11108,7 @@
                 <a:spcPts val="0"/>
               </a:spcBef>
             </a:pPr>
-            <a:endParaRPr sz="1100" dirty="0">
+            <a:endParaRPr sz="1400" dirty="0">
               <a:solidFill>
                 <a:schemeClr val="accent4"/>
               </a:solidFill>
@@ -6735,7 +11133,7 @@
         <p:spPr>
           <a:xfrm>
             <a:off x="1024845" y="2096557"/>
-            <a:ext cx="4334555" cy="1417109"/>
+            <a:ext cx="4791164" cy="1880020"/>
           </a:xfrm>
           <a:prstGeom prst="rect">
             <a:avLst/>
@@ -6932,7 +11330,7 @@
               <a:buNone/>
             </a:pPr>
             <a:r>
-              <a:rPr lang="en-GB" sz="1200" dirty="0">
+              <a:rPr lang="en-GB" sz="1400" dirty="0">
                 <a:solidFill>
                   <a:schemeClr val="accent4"/>
                 </a:solidFill>
@@ -6951,7 +11349,7 @@
               <a:buNone/>
             </a:pPr>
             <a:r>
-              <a:rPr lang="en-GB" sz="1200" dirty="0">
+              <a:rPr lang="en-GB" sz="1400" dirty="0">
                 <a:solidFill>
                   <a:schemeClr val="accent4"/>
                 </a:solidFill>
@@ -6970,7 +11368,7 @@
               <a:buNone/>
             </a:pPr>
             <a:r>
-              <a:rPr lang="en-GB" sz="1200" dirty="0">
+              <a:rPr lang="en-GB" sz="1400" dirty="0">
                 <a:solidFill>
                   <a:schemeClr val="accent4"/>
                 </a:solidFill>
@@ -6989,7 +11387,7 @@
               <a:buNone/>
             </a:pPr>
             <a:r>
-              <a:rPr lang="en-GB" sz="1200" dirty="0">
+              <a:rPr lang="en-GB" sz="1400" dirty="0">
                 <a:solidFill>
                   <a:schemeClr val="accent4"/>
                 </a:solidFill>
@@ -7008,7 +11406,7 @@
               <a:buNone/>
             </a:pPr>
             <a:r>
-              <a:rPr lang="en-GB" sz="1200" dirty="0">
+              <a:rPr lang="en-GB" sz="1400" dirty="0">
                 <a:solidFill>
                   <a:schemeClr val="accent4"/>
                 </a:solidFill>
@@ -7027,7 +11425,7 @@
               <a:buNone/>
             </a:pPr>
             <a:r>
-              <a:rPr lang="en-GB" sz="1200" dirty="0">
+              <a:rPr lang="en-GB" sz="1400" dirty="0">
                 <a:solidFill>
                   <a:schemeClr val="accent4"/>
                 </a:solidFill>
@@ -7046,7 +11444,7 @@
               <a:buNone/>
             </a:pPr>
             <a:r>
-              <a:rPr lang="en-GB" sz="1200" dirty="0">
+              <a:rPr lang="en-GB" sz="1400" dirty="0">
                 <a:solidFill>
                   <a:schemeClr val="accent4"/>
                 </a:solidFill>
@@ -7080,7 +11478,7 @@
         <p:spPr>
           <a:xfrm>
             <a:off x="7685799" y="2316745"/>
-            <a:ext cx="2414935" cy="913504"/>
+            <a:ext cx="3403959" cy="1388908"/>
           </a:xfrm>
           <a:prstGeom prst="rect">
             <a:avLst/>
@@ -7274,7 +11672,7 @@
               <a:buNone/>
             </a:pPr>
             <a:r>
-              <a:rPr lang="en-GB" sz="1100" dirty="0">
+              <a:rPr lang="en-GB" sz="1400" dirty="0">
                 <a:solidFill>
                   <a:schemeClr val="accent4"/>
                 </a:solidFill>
@@ -7290,7 +11688,7 @@
               <a:buNone/>
             </a:pPr>
             <a:r>
-              <a:rPr lang="en-GB" sz="1100" dirty="0">
+              <a:rPr lang="en-GB" sz="1400" dirty="0">
                 <a:solidFill>
                   <a:schemeClr val="accent4"/>
                 </a:solidFill>
@@ -7306,7 +11704,7 @@
               <a:buNone/>
             </a:pPr>
             <a:r>
-              <a:rPr lang="en-GB" sz="1100" dirty="0">
+              <a:rPr lang="en-GB" sz="1400" dirty="0">
                 <a:solidFill>
                   <a:schemeClr val="accent4"/>
                 </a:solidFill>
@@ -7322,7 +11720,7 @@
               <a:buNone/>
             </a:pPr>
             <a:r>
-              <a:rPr lang="en-GB" sz="1100" dirty="0">
+              <a:rPr lang="en-GB" sz="1400" dirty="0">
                 <a:solidFill>
                   <a:schemeClr val="accent4"/>
                 </a:solidFill>
@@ -7338,7 +11736,7 @@
               <a:buNone/>
             </a:pPr>
             <a:r>
-              <a:rPr lang="en-GB" sz="1100" dirty="0">
+              <a:rPr lang="en-GB" sz="1400" dirty="0">
                 <a:solidFill>
                   <a:schemeClr val="accent4"/>
                 </a:solidFill>
@@ -7347,14 +11745,14 @@
             </a:r>
           </a:p>
           <a:p>
-            <a:endParaRPr lang="en-GB" dirty="0">
+            <a:endParaRPr lang="en-GB" sz="1400" dirty="0">
               <a:solidFill>
                 <a:schemeClr val="accent4"/>
               </a:solidFill>
             </a:endParaRPr>
           </a:p>
           <a:p>
-            <a:endParaRPr lang="en-GB" dirty="0">
+            <a:endParaRPr lang="en-GB" sz="1400" dirty="0">
               <a:solidFill>
                 <a:schemeClr val="accent4"/>
               </a:solidFill>
@@ -7443,7 +11841,7 @@
         </p:blipFill>
         <p:spPr bwMode="auto">
           <a:xfrm>
-            <a:off x="2840885" y="4139723"/>
+            <a:off x="2840885" y="4331710"/>
             <a:ext cx="521900" cy="361939"/>
           </a:xfrm>
           <a:prstGeom prst="rect">
